--- a/Introduction to Genetic Algorithms in Go.pptx
+++ b/Introduction to Genetic Algorithms in Go.pptx
@@ -5,7 +5,7 @@
     <p:sldMasterId id="2147483698" r:id="rId1"/>
   </p:sldMasterIdLst>
   <p:notesMasterIdLst>
-    <p:notesMasterId r:id="rId20"/>
+    <p:notesMasterId r:id="rId21"/>
   </p:notesMasterIdLst>
   <p:sldIdLst>
     <p:sldId id="256" r:id="rId2"/>
@@ -13,19 +13,20 @@
     <p:sldId id="258" r:id="rId4"/>
     <p:sldId id="259" r:id="rId5"/>
     <p:sldId id="269" r:id="rId6"/>
-    <p:sldId id="273" r:id="rId7"/>
-    <p:sldId id="277" r:id="rId8"/>
-    <p:sldId id="272" r:id="rId9"/>
-    <p:sldId id="267" r:id="rId10"/>
-    <p:sldId id="278" r:id="rId11"/>
-    <p:sldId id="279" r:id="rId12"/>
-    <p:sldId id="268" r:id="rId13"/>
-    <p:sldId id="281" r:id="rId14"/>
-    <p:sldId id="280" r:id="rId15"/>
-    <p:sldId id="275" r:id="rId16"/>
-    <p:sldId id="266" r:id="rId17"/>
-    <p:sldId id="265" r:id="rId18"/>
-    <p:sldId id="276" r:id="rId19"/>
+    <p:sldId id="282" r:id="rId7"/>
+    <p:sldId id="273" r:id="rId8"/>
+    <p:sldId id="277" r:id="rId9"/>
+    <p:sldId id="272" r:id="rId10"/>
+    <p:sldId id="267" r:id="rId11"/>
+    <p:sldId id="278" r:id="rId12"/>
+    <p:sldId id="279" r:id="rId13"/>
+    <p:sldId id="268" r:id="rId14"/>
+    <p:sldId id="281" r:id="rId15"/>
+    <p:sldId id="280" r:id="rId16"/>
+    <p:sldId id="275" r:id="rId17"/>
+    <p:sldId id="266" r:id="rId18"/>
+    <p:sldId id="265" r:id="rId19"/>
+    <p:sldId id="276" r:id="rId20"/>
   </p:sldIdLst>
   <p:sldSz cx="12192000" cy="6858000"/>
   <p:notesSz cx="6858000" cy="9144000"/>
@@ -1667,18 +1668,18 @@
 </file>
 
 <file path=ppt/diagrams/colors3.xml><?xml version="1.0" encoding="utf-8"?>
-<dgm:colorsDef xmlns:dgm="http://schemas.openxmlformats.org/drawingml/2006/diagram" xmlns:a="http://schemas.openxmlformats.org/drawingml/2006/main" uniqueId="urn:microsoft.com/office/officeart/2005/8/colors/accent0_3">
+<dgm:colorsDef xmlns:dgm="http://schemas.openxmlformats.org/drawingml/2006/diagram" xmlns:a="http://schemas.openxmlformats.org/drawingml/2006/main" uniqueId="urn:microsoft.com/office/officeart/2005/8/colors/accent1_2">
   <dgm:title val=""/>
   <dgm:desc val=""/>
   <dgm:catLst>
-    <dgm:cat type="mainScheme" pri="10300"/>
+    <dgm:cat type="accent1" pri="11200"/>
   </dgm:catLst>
   <dgm:styleLbl name="node0">
     <dgm:fillClrLst meth="repeat">
-      <a:schemeClr val="dk2"/>
+      <a:schemeClr val="accent1"/>
     </dgm:fillClrLst>
     <dgm:linClrLst meth="repeat">
-      <a:schemeClr val="lt2"/>
+      <a:schemeClr val="lt1"/>
     </dgm:linClrLst>
     <dgm:effectClrLst/>
     <dgm:txLinClrLst/>
@@ -1687,10 +1688,10 @@
   </dgm:styleLbl>
   <dgm:styleLbl name="alignNode1">
     <dgm:fillClrLst meth="repeat">
-      <a:schemeClr val="dk2"/>
+      <a:schemeClr val="accent1"/>
     </dgm:fillClrLst>
     <dgm:linClrLst meth="repeat">
-      <a:schemeClr val="dk2"/>
+      <a:schemeClr val="accent1"/>
     </dgm:linClrLst>
     <dgm:effectClrLst/>
     <dgm:txLinClrLst/>
@@ -1699,10 +1700,10 @@
   </dgm:styleLbl>
   <dgm:styleLbl name="node1">
     <dgm:fillClrLst meth="repeat">
-      <a:schemeClr val="dk2"/>
+      <a:schemeClr val="accent1"/>
     </dgm:fillClrLst>
     <dgm:linClrLst meth="repeat">
-      <a:schemeClr val="lt2"/>
+      <a:schemeClr val="lt1"/>
     </dgm:linClrLst>
     <dgm:effectClrLst/>
     <dgm:txLinClrLst/>
@@ -1711,10 +1712,10 @@
   </dgm:styleLbl>
   <dgm:styleLbl name="lnNode1">
     <dgm:fillClrLst meth="repeat">
-      <a:schemeClr val="dk2"/>
+      <a:schemeClr val="accent1"/>
     </dgm:fillClrLst>
     <dgm:linClrLst meth="repeat">
-      <a:schemeClr val="lt2"/>
+      <a:schemeClr val="lt1"/>
     </dgm:linClrLst>
     <dgm:effectClrLst/>
     <dgm:txLinClrLst/>
@@ -1723,12 +1724,12 @@
   </dgm:styleLbl>
   <dgm:styleLbl name="vennNode1">
     <dgm:fillClrLst meth="repeat">
-      <a:schemeClr val="dk2">
+      <a:schemeClr val="accent1">
         <a:alpha val="50000"/>
       </a:schemeClr>
     </dgm:fillClrLst>
     <dgm:linClrLst meth="repeat">
-      <a:schemeClr val="lt2"/>
+      <a:schemeClr val="lt1"/>
     </dgm:linClrLst>
     <dgm:effectClrLst/>
     <dgm:txLinClrLst/>
@@ -1737,10 +1738,10 @@
   </dgm:styleLbl>
   <dgm:styleLbl name="node2">
     <dgm:fillClrLst meth="repeat">
-      <a:schemeClr val="dk2"/>
+      <a:schemeClr val="accent1"/>
     </dgm:fillClrLst>
     <dgm:linClrLst meth="repeat">
-      <a:schemeClr val="lt2"/>
+      <a:schemeClr val="lt1"/>
     </dgm:linClrLst>
     <dgm:effectClrLst/>
     <dgm:txLinClrLst/>
@@ -1749,10 +1750,10 @@
   </dgm:styleLbl>
   <dgm:styleLbl name="node3">
     <dgm:fillClrLst meth="repeat">
-      <a:schemeClr val="dk2"/>
+      <a:schemeClr val="accent1"/>
     </dgm:fillClrLst>
     <dgm:linClrLst meth="repeat">
-      <a:schemeClr val="lt2"/>
+      <a:schemeClr val="lt1"/>
     </dgm:linClrLst>
     <dgm:effectClrLst/>
     <dgm:txLinClrLst/>
@@ -1761,10 +1762,10 @@
   </dgm:styleLbl>
   <dgm:styleLbl name="node4">
     <dgm:fillClrLst meth="repeat">
-      <a:schemeClr val="dk2"/>
+      <a:schemeClr val="accent1"/>
     </dgm:fillClrLst>
     <dgm:linClrLst meth="repeat">
-      <a:schemeClr val="lt2"/>
+      <a:schemeClr val="lt1"/>
     </dgm:linClrLst>
     <dgm:effectClrLst/>
     <dgm:txLinClrLst/>
@@ -1773,64 +1774,60 @@
   </dgm:styleLbl>
   <dgm:styleLbl name="fgImgPlace1">
     <dgm:fillClrLst meth="repeat">
-      <a:schemeClr val="dk2">
+      <a:schemeClr val="accent1">
         <a:tint val="50000"/>
       </a:schemeClr>
     </dgm:fillClrLst>
     <dgm:linClrLst meth="repeat">
-      <a:schemeClr val="lt2"/>
+      <a:schemeClr val="lt1"/>
     </dgm:linClrLst>
     <dgm:effectClrLst/>
     <dgm:txLinClrLst/>
     <dgm:txFillClrLst meth="repeat">
-      <a:schemeClr val="lt2"/>
+      <a:schemeClr val="lt1"/>
     </dgm:txFillClrLst>
     <dgm:txEffectClrLst/>
   </dgm:styleLbl>
   <dgm:styleLbl name="alignImgPlace1">
     <dgm:fillClrLst meth="repeat">
-      <a:schemeClr val="dk2">
+      <a:schemeClr val="accent1">
         <a:tint val="50000"/>
       </a:schemeClr>
     </dgm:fillClrLst>
     <dgm:linClrLst meth="repeat">
-      <a:schemeClr val="dk2">
-        <a:shade val="80000"/>
-      </a:schemeClr>
+      <a:schemeClr val="lt1"/>
     </dgm:linClrLst>
     <dgm:effectClrLst/>
     <dgm:txLinClrLst/>
     <dgm:txFillClrLst meth="repeat">
-      <a:schemeClr val="lt2"/>
+      <a:schemeClr val="lt1"/>
     </dgm:txFillClrLst>
     <dgm:txEffectClrLst/>
   </dgm:styleLbl>
   <dgm:styleLbl name="bgImgPlace1">
     <dgm:fillClrLst meth="repeat">
-      <a:schemeClr val="dk2">
+      <a:schemeClr val="accent1">
         <a:tint val="50000"/>
       </a:schemeClr>
     </dgm:fillClrLst>
     <dgm:linClrLst meth="repeat">
-      <a:schemeClr val="dk2">
-        <a:shade val="80000"/>
-      </a:schemeClr>
+      <a:schemeClr val="lt1"/>
     </dgm:linClrLst>
     <dgm:effectClrLst/>
     <dgm:txLinClrLst/>
     <dgm:txFillClrLst meth="repeat">
-      <a:schemeClr val="lt2"/>
+      <a:schemeClr val="lt1"/>
     </dgm:txFillClrLst>
     <dgm:txEffectClrLst/>
   </dgm:styleLbl>
   <dgm:styleLbl name="sibTrans2D1">
     <dgm:fillClrLst meth="repeat">
-      <a:schemeClr val="dk2">
+      <a:schemeClr val="accent1">
         <a:tint val="60000"/>
       </a:schemeClr>
     </dgm:fillClrLst>
     <dgm:linClrLst meth="repeat">
-      <a:schemeClr val="dk2">
+      <a:schemeClr val="accent1">
         <a:tint val="60000"/>
       </a:schemeClr>
     </dgm:linClrLst>
@@ -1841,12 +1838,12 @@
   </dgm:styleLbl>
   <dgm:styleLbl name="fgSibTrans2D1">
     <dgm:fillClrLst meth="repeat">
-      <a:schemeClr val="dk2">
+      <a:schemeClr val="accent1">
         <a:tint val="60000"/>
       </a:schemeClr>
     </dgm:fillClrLst>
     <dgm:linClrLst meth="repeat">
-      <a:schemeClr val="dk2">
+      <a:schemeClr val="accent1">
         <a:tint val="60000"/>
       </a:schemeClr>
     </dgm:linClrLst>
@@ -1857,12 +1854,12 @@
   </dgm:styleLbl>
   <dgm:styleLbl name="bgSibTrans2D1">
     <dgm:fillClrLst meth="repeat">
-      <a:schemeClr val="dk2">
+      <a:schemeClr val="accent1">
         <a:tint val="60000"/>
       </a:schemeClr>
     </dgm:fillClrLst>
     <dgm:linClrLst meth="repeat">
-      <a:schemeClr val="dk2">
+      <a:schemeClr val="accent1">
         <a:tint val="60000"/>
       </a:schemeClr>
     </dgm:linClrLst>
@@ -1873,40 +1870,40 @@
   </dgm:styleLbl>
   <dgm:styleLbl name="sibTrans1D1">
     <dgm:fillClrLst meth="repeat">
-      <a:schemeClr val="dk2"/>
+      <a:schemeClr val="accent1"/>
     </dgm:fillClrLst>
     <dgm:linClrLst meth="repeat">
-      <a:schemeClr val="dk2"/>
+      <a:schemeClr val="accent1"/>
     </dgm:linClrLst>
     <dgm:effectClrLst/>
     <dgm:txLinClrLst/>
     <dgm:txFillClrLst meth="repeat">
-      <a:schemeClr val="lt2"/>
+      <a:schemeClr val="tx1"/>
     </dgm:txFillClrLst>
     <dgm:txEffectClrLst/>
   </dgm:styleLbl>
   <dgm:styleLbl name="callout">
     <dgm:fillClrLst meth="repeat">
-      <a:schemeClr val="dk2"/>
+      <a:schemeClr val="accent1"/>
     </dgm:fillClrLst>
     <dgm:linClrLst meth="repeat">
-      <a:schemeClr val="dk2">
+      <a:schemeClr val="accent1">
         <a:tint val="50000"/>
       </a:schemeClr>
     </dgm:linClrLst>
     <dgm:effectClrLst/>
     <dgm:txLinClrLst/>
     <dgm:txFillClrLst meth="repeat">
-      <a:schemeClr val="lt2"/>
+      <a:schemeClr val="tx1"/>
     </dgm:txFillClrLst>
     <dgm:txEffectClrLst/>
   </dgm:styleLbl>
   <dgm:styleLbl name="asst0">
     <dgm:fillClrLst meth="repeat">
-      <a:schemeClr val="dk2"/>
+      <a:schemeClr val="accent1"/>
     </dgm:fillClrLst>
     <dgm:linClrLst meth="repeat">
-      <a:schemeClr val="lt2"/>
+      <a:schemeClr val="lt1"/>
     </dgm:linClrLst>
     <dgm:effectClrLst/>
     <dgm:txLinClrLst/>
@@ -1915,10 +1912,10 @@
   </dgm:styleLbl>
   <dgm:styleLbl name="asst1">
     <dgm:fillClrLst meth="repeat">
-      <a:schemeClr val="dk2"/>
+      <a:schemeClr val="accent1"/>
     </dgm:fillClrLst>
     <dgm:linClrLst meth="repeat">
-      <a:schemeClr val="lt2"/>
+      <a:schemeClr val="lt1"/>
     </dgm:linClrLst>
     <dgm:effectClrLst/>
     <dgm:txLinClrLst/>
@@ -1927,10 +1924,10 @@
   </dgm:styleLbl>
   <dgm:styleLbl name="asst2">
     <dgm:fillClrLst meth="repeat">
-      <a:schemeClr val="dk2"/>
+      <a:schemeClr val="accent1"/>
     </dgm:fillClrLst>
     <dgm:linClrLst meth="repeat">
-      <a:schemeClr val="lt2"/>
+      <a:schemeClr val="lt1"/>
     </dgm:linClrLst>
     <dgm:effectClrLst/>
     <dgm:txLinClrLst/>
@@ -1939,10 +1936,10 @@
   </dgm:styleLbl>
   <dgm:styleLbl name="asst3">
     <dgm:fillClrLst meth="repeat">
-      <a:schemeClr val="dk2"/>
+      <a:schemeClr val="accent1"/>
     </dgm:fillClrLst>
     <dgm:linClrLst meth="repeat">
-      <a:schemeClr val="lt2"/>
+      <a:schemeClr val="lt1"/>
     </dgm:linClrLst>
     <dgm:effectClrLst/>
     <dgm:txLinClrLst/>
@@ -1951,10 +1948,10 @@
   </dgm:styleLbl>
   <dgm:styleLbl name="asst4">
     <dgm:fillClrLst meth="repeat">
-      <a:schemeClr val="dk2"/>
+      <a:schemeClr val="accent1"/>
     </dgm:fillClrLst>
     <dgm:linClrLst meth="repeat">
-      <a:schemeClr val="lt2"/>
+      <a:schemeClr val="lt1"/>
     </dgm:linClrLst>
     <dgm:effectClrLst/>
     <dgm:txLinClrLst/>
@@ -1963,70 +1960,70 @@
   </dgm:styleLbl>
   <dgm:styleLbl name="parChTrans2D1">
     <dgm:fillClrLst meth="repeat">
-      <a:schemeClr val="dk2">
+      <a:schemeClr val="accent1">
         <a:tint val="60000"/>
       </a:schemeClr>
     </dgm:fillClrLst>
     <dgm:linClrLst meth="repeat">
-      <a:schemeClr val="dk2">
+      <a:schemeClr val="accent1">
         <a:tint val="60000"/>
       </a:schemeClr>
     </dgm:linClrLst>
     <dgm:effectClrLst/>
     <dgm:txLinClrLst/>
     <dgm:txFillClrLst meth="repeat">
-      <a:schemeClr val="lt2"/>
+      <a:schemeClr val="lt1"/>
     </dgm:txFillClrLst>
     <dgm:txEffectClrLst/>
   </dgm:styleLbl>
   <dgm:styleLbl name="parChTrans2D2">
     <dgm:fillClrLst meth="repeat">
-      <a:schemeClr val="dk2"/>
+      <a:schemeClr val="accent1"/>
     </dgm:fillClrLst>
     <dgm:linClrLst meth="repeat">
-      <a:schemeClr val="dk2"/>
+      <a:schemeClr val="accent1"/>
     </dgm:linClrLst>
     <dgm:effectClrLst/>
     <dgm:txLinClrLst/>
     <dgm:txFillClrLst meth="repeat">
-      <a:schemeClr val="lt2"/>
+      <a:schemeClr val="lt1"/>
     </dgm:txFillClrLst>
     <dgm:txEffectClrLst/>
   </dgm:styleLbl>
   <dgm:styleLbl name="parChTrans2D3">
     <dgm:fillClrLst meth="repeat">
-      <a:schemeClr val="dk2"/>
+      <a:schemeClr val="accent1"/>
     </dgm:fillClrLst>
     <dgm:linClrLst meth="repeat">
-      <a:schemeClr val="dk2"/>
+      <a:schemeClr val="accent1"/>
     </dgm:linClrLst>
     <dgm:effectClrLst/>
     <dgm:txLinClrLst/>
     <dgm:txFillClrLst meth="repeat">
-      <a:schemeClr val="lt2"/>
+      <a:schemeClr val="lt1"/>
     </dgm:txFillClrLst>
     <dgm:txEffectClrLst/>
   </dgm:styleLbl>
   <dgm:styleLbl name="parChTrans2D4">
     <dgm:fillClrLst meth="repeat">
-      <a:schemeClr val="dk2"/>
+      <a:schemeClr val="accent1"/>
     </dgm:fillClrLst>
     <dgm:linClrLst meth="repeat">
-      <a:schemeClr val="dk2"/>
+      <a:schemeClr val="accent1"/>
     </dgm:linClrLst>
     <dgm:effectClrLst/>
     <dgm:txLinClrLst/>
     <dgm:txFillClrLst meth="repeat">
-      <a:schemeClr val="lt2"/>
+      <a:schemeClr val="lt1"/>
     </dgm:txFillClrLst>
     <dgm:txEffectClrLst/>
   </dgm:styleLbl>
   <dgm:styleLbl name="parChTrans1D1">
     <dgm:fillClrLst meth="repeat">
-      <a:schemeClr val="dk2"/>
+      <a:schemeClr val="accent1"/>
     </dgm:fillClrLst>
     <dgm:linClrLst meth="repeat">
-      <a:schemeClr val="dk2">
+      <a:schemeClr val="accent1">
         <a:shade val="60000"/>
       </a:schemeClr>
     </dgm:linClrLst>
@@ -2039,10 +2036,10 @@
   </dgm:styleLbl>
   <dgm:styleLbl name="parChTrans1D2">
     <dgm:fillClrLst meth="repeat">
-      <a:schemeClr val="dk2"/>
+      <a:schemeClr val="accent1"/>
     </dgm:fillClrLst>
     <dgm:linClrLst meth="repeat">
-      <a:schemeClr val="dk2">
+      <a:schemeClr val="accent1">
         <a:shade val="60000"/>
       </a:schemeClr>
     </dgm:linClrLst>
@@ -2055,10 +2052,10 @@
   </dgm:styleLbl>
   <dgm:styleLbl name="parChTrans1D3">
     <dgm:fillClrLst meth="repeat">
-      <a:schemeClr val="dk2"/>
+      <a:schemeClr val="accent1"/>
     </dgm:fillClrLst>
     <dgm:linClrLst meth="repeat">
-      <a:schemeClr val="dk2">
+      <a:schemeClr val="accent1">
         <a:shade val="80000"/>
       </a:schemeClr>
     </dgm:linClrLst>
@@ -2071,10 +2068,10 @@
   </dgm:styleLbl>
   <dgm:styleLbl name="parChTrans1D4">
     <dgm:fillClrLst meth="repeat">
-      <a:schemeClr val="dk2"/>
+      <a:schemeClr val="accent1"/>
     </dgm:fillClrLst>
     <dgm:linClrLst meth="repeat">
-      <a:schemeClr val="dk2">
+      <a:schemeClr val="accent1">
         <a:shade val="80000"/>
       </a:schemeClr>
     </dgm:linClrLst>
@@ -2087,12 +2084,12 @@
   </dgm:styleLbl>
   <dgm:styleLbl name="fgAcc1">
     <dgm:fillClrLst meth="repeat">
-      <a:schemeClr val="lt2">
+      <a:schemeClr val="lt1">
         <a:alpha val="90000"/>
       </a:schemeClr>
     </dgm:fillClrLst>
     <dgm:linClrLst meth="repeat">
-      <a:schemeClr val="dk2"/>
+      <a:schemeClr val="accent1"/>
     </dgm:linClrLst>
     <dgm:effectClrLst/>
     <dgm:txLinClrLst/>
@@ -2103,12 +2100,12 @@
   </dgm:styleLbl>
   <dgm:styleLbl name="conFgAcc1">
     <dgm:fillClrLst meth="repeat">
-      <a:schemeClr val="lt2">
+      <a:schemeClr val="lt1">
         <a:alpha val="90000"/>
       </a:schemeClr>
     </dgm:fillClrLst>
     <dgm:linClrLst meth="repeat">
-      <a:schemeClr val="dk2"/>
+      <a:schemeClr val="accent1"/>
     </dgm:linClrLst>
     <dgm:effectClrLst/>
     <dgm:txLinClrLst/>
@@ -2119,12 +2116,12 @@
   </dgm:styleLbl>
   <dgm:styleLbl name="alignAcc1">
     <dgm:fillClrLst meth="repeat">
-      <a:schemeClr val="lt2">
+      <a:schemeClr val="lt1">
         <a:alpha val="90000"/>
       </a:schemeClr>
     </dgm:fillClrLst>
     <dgm:linClrLst meth="repeat">
-      <a:schemeClr val="dk2"/>
+      <a:schemeClr val="accent1"/>
     </dgm:linClrLst>
     <dgm:effectClrLst/>
     <dgm:txLinClrLst/>
@@ -2135,12 +2132,12 @@
   </dgm:styleLbl>
   <dgm:styleLbl name="trAlignAcc1">
     <dgm:fillClrLst meth="repeat">
-      <a:schemeClr val="lt2">
+      <a:schemeClr val="lt1">
         <a:alpha val="40000"/>
       </a:schemeClr>
     </dgm:fillClrLst>
     <dgm:linClrLst meth="repeat">
-      <a:schemeClr val="dk2"/>
+      <a:schemeClr val="accent1"/>
     </dgm:linClrLst>
     <dgm:effectClrLst/>
     <dgm:txLinClrLst/>
@@ -2151,12 +2148,12 @@
   </dgm:styleLbl>
   <dgm:styleLbl name="bgAcc1">
     <dgm:fillClrLst meth="repeat">
-      <a:schemeClr val="lt2">
+      <a:schemeClr val="lt1">
         <a:alpha val="90000"/>
       </a:schemeClr>
     </dgm:fillClrLst>
     <dgm:linClrLst meth="repeat">
-      <a:schemeClr val="dk2"/>
+      <a:schemeClr val="accent1"/>
     </dgm:linClrLst>
     <dgm:effectClrLst/>
     <dgm:txLinClrLst/>
@@ -2167,10 +2164,10 @@
   </dgm:styleLbl>
   <dgm:styleLbl name="solidFgAcc1">
     <dgm:fillClrLst meth="repeat">
-      <a:schemeClr val="lt2"/>
+      <a:schemeClr val="lt1"/>
     </dgm:fillClrLst>
     <dgm:linClrLst meth="repeat">
-      <a:schemeClr val="dk2"/>
+      <a:schemeClr val="accent1"/>
     </dgm:linClrLst>
     <dgm:effectClrLst/>
     <dgm:txLinClrLst/>
@@ -2181,10 +2178,10 @@
   </dgm:styleLbl>
   <dgm:styleLbl name="solidAlignAcc1">
     <dgm:fillClrLst meth="repeat">
-      <a:schemeClr val="lt2"/>
+      <a:schemeClr val="lt1"/>
     </dgm:fillClrLst>
     <dgm:linClrLst meth="repeat">
-      <a:schemeClr val="dk2"/>
+      <a:schemeClr val="accent1"/>
     </dgm:linClrLst>
     <dgm:effectClrLst/>
     <dgm:txLinClrLst/>
@@ -2195,10 +2192,10 @@
   </dgm:styleLbl>
   <dgm:styleLbl name="solidBgAcc1">
     <dgm:fillClrLst meth="repeat">
-      <a:schemeClr val="lt2"/>
+      <a:schemeClr val="lt1"/>
     </dgm:fillClrLst>
     <dgm:linClrLst meth="repeat">
-      <a:schemeClr val="dk2"/>
+      <a:schemeClr val="accent1"/>
     </dgm:linClrLst>
     <dgm:effectClrLst/>
     <dgm:txLinClrLst/>
@@ -2209,13 +2206,13 @@
   </dgm:styleLbl>
   <dgm:styleLbl name="fgAccFollowNode1">
     <dgm:fillClrLst meth="repeat">
-      <a:schemeClr val="dk2">
+      <a:schemeClr val="accent1">
         <a:alpha val="90000"/>
         <a:tint val="40000"/>
       </a:schemeClr>
     </dgm:fillClrLst>
     <dgm:linClrLst meth="repeat">
-      <a:schemeClr val="dk2">
+      <a:schemeClr val="accent1">
         <a:alpha val="90000"/>
         <a:tint val="40000"/>
       </a:schemeClr>
@@ -2229,13 +2226,13 @@
   </dgm:styleLbl>
   <dgm:styleLbl name="alignAccFollowNode1">
     <dgm:fillClrLst meth="repeat">
-      <a:schemeClr val="dk2">
+      <a:schemeClr val="accent1">
         <a:alpha val="90000"/>
         <a:tint val="40000"/>
       </a:schemeClr>
     </dgm:fillClrLst>
     <dgm:linClrLst meth="repeat">
-      <a:schemeClr val="dk2">
+      <a:schemeClr val="accent1">
         <a:alpha val="90000"/>
         <a:tint val="40000"/>
       </a:schemeClr>
@@ -2249,13 +2246,13 @@
   </dgm:styleLbl>
   <dgm:styleLbl name="bgAccFollowNode1">
     <dgm:fillClrLst meth="repeat">
-      <a:schemeClr val="dk2">
+      <a:schemeClr val="accent1">
         <a:alpha val="90000"/>
         <a:tint val="40000"/>
       </a:schemeClr>
     </dgm:fillClrLst>
     <dgm:linClrLst meth="repeat">
-      <a:schemeClr val="dk2">
+      <a:schemeClr val="accent1">
         <a:alpha val="90000"/>
         <a:tint val="40000"/>
       </a:schemeClr>
@@ -2269,12 +2266,12 @@
   </dgm:styleLbl>
   <dgm:styleLbl name="fgAcc0">
     <dgm:fillClrLst meth="repeat">
-      <a:schemeClr val="lt2">
+      <a:schemeClr val="lt1">
         <a:alpha val="90000"/>
       </a:schemeClr>
     </dgm:fillClrLst>
     <dgm:linClrLst meth="repeat">
-      <a:schemeClr val="dk2"/>
+      <a:schemeClr val="accent1"/>
     </dgm:linClrLst>
     <dgm:effectClrLst/>
     <dgm:txLinClrLst/>
@@ -2285,12 +2282,12 @@
   </dgm:styleLbl>
   <dgm:styleLbl name="fgAcc2">
     <dgm:fillClrLst meth="repeat">
-      <a:schemeClr val="lt2">
+      <a:schemeClr val="lt1">
         <a:alpha val="90000"/>
       </a:schemeClr>
     </dgm:fillClrLst>
     <dgm:linClrLst meth="repeat">
-      <a:schemeClr val="dk2"/>
+      <a:schemeClr val="accent1"/>
     </dgm:linClrLst>
     <dgm:effectClrLst/>
     <dgm:txLinClrLst/>
@@ -2301,12 +2298,12 @@
   </dgm:styleLbl>
   <dgm:styleLbl name="fgAcc3">
     <dgm:fillClrLst meth="repeat">
-      <a:schemeClr val="lt2">
+      <a:schemeClr val="lt1">
         <a:alpha val="90000"/>
       </a:schemeClr>
     </dgm:fillClrLst>
     <dgm:linClrLst meth="repeat">
-      <a:schemeClr val="dk2"/>
+      <a:schemeClr val="accent1"/>
     </dgm:linClrLst>
     <dgm:effectClrLst/>
     <dgm:txLinClrLst/>
@@ -2317,12 +2314,12 @@
   </dgm:styleLbl>
   <dgm:styleLbl name="fgAcc4">
     <dgm:fillClrLst meth="repeat">
-      <a:schemeClr val="lt2">
+      <a:schemeClr val="lt1">
         <a:alpha val="90000"/>
       </a:schemeClr>
     </dgm:fillClrLst>
     <dgm:linClrLst meth="repeat">
-      <a:schemeClr val="dk2"/>
+      <a:schemeClr val="accent1"/>
     </dgm:linClrLst>
     <dgm:effectClrLst/>
     <dgm:txLinClrLst/>
@@ -2333,12 +2330,12 @@
   </dgm:styleLbl>
   <dgm:styleLbl name="bgShp">
     <dgm:fillClrLst meth="repeat">
-      <a:schemeClr val="dk2">
+      <a:schemeClr val="accent1">
         <a:tint val="40000"/>
       </a:schemeClr>
     </dgm:fillClrLst>
     <dgm:linClrLst meth="repeat">
-      <a:schemeClr val="dk2"/>
+      <a:schemeClr val="accent1"/>
     </dgm:linClrLst>
     <dgm:effectClrLst/>
     <dgm:txLinClrLst/>
@@ -2349,12 +2346,12 @@
   </dgm:styleLbl>
   <dgm:styleLbl name="dkBgShp">
     <dgm:fillClrLst meth="repeat">
-      <a:schemeClr val="dk2">
+      <a:schemeClr val="accent1">
         <a:shade val="80000"/>
       </a:schemeClr>
     </dgm:fillClrLst>
     <dgm:linClrLst meth="repeat">
-      <a:schemeClr val="dk2"/>
+      <a:schemeClr val="accent1"/>
     </dgm:linClrLst>
     <dgm:effectClrLst/>
     <dgm:txLinClrLst/>
@@ -2365,13 +2362,13 @@
   </dgm:styleLbl>
   <dgm:styleLbl name="trBgShp">
     <dgm:fillClrLst meth="repeat">
-      <a:schemeClr val="dk2">
+      <a:schemeClr val="accent1">
         <a:tint val="50000"/>
         <a:alpha val="40000"/>
       </a:schemeClr>
     </dgm:fillClrLst>
     <dgm:linClrLst meth="repeat">
-      <a:schemeClr val="dk2"/>
+      <a:schemeClr val="accent1"/>
     </dgm:linClrLst>
     <dgm:effectClrLst/>
     <dgm:txLinClrLst/>
@@ -2382,12 +2379,12 @@
   </dgm:styleLbl>
   <dgm:styleLbl name="fgShp">
     <dgm:fillClrLst meth="repeat">
-      <a:schemeClr val="dk2">
+      <a:schemeClr val="accent1">
         <a:tint val="60000"/>
       </a:schemeClr>
     </dgm:fillClrLst>
     <dgm:linClrLst meth="repeat">
-      <a:schemeClr val="lt2"/>
+      <a:schemeClr val="lt1"/>
     </dgm:linClrLst>
     <dgm:effectClrLst/>
     <dgm:txLinClrLst/>
@@ -2398,7 +2395,7 @@
   </dgm:styleLbl>
   <dgm:styleLbl name="revTx">
     <dgm:fillClrLst meth="repeat">
-      <a:schemeClr val="lt2">
+      <a:schemeClr val="lt1">
         <a:alpha val="0"/>
       </a:schemeClr>
     </dgm:fillClrLst>
@@ -2418,6 +2415,788 @@
 </file>
 
 <file path=ppt/diagrams/colors4.xml><?xml version="1.0" encoding="utf-8"?>
+<dgm:colorsDef xmlns:dgm="http://schemas.openxmlformats.org/drawingml/2006/diagram" xmlns:a="http://schemas.openxmlformats.org/drawingml/2006/main" uniqueId="urn:microsoft.com/office/officeart/2005/8/colors/colorful2">
+  <dgm:title val=""/>
+  <dgm:desc val=""/>
+  <dgm:catLst>
+    <dgm:cat type="colorful" pri="10200"/>
+  </dgm:catLst>
+  <dgm:styleLbl name="node0">
+    <dgm:fillClrLst meth="repeat">
+      <a:schemeClr val="accent1"/>
+    </dgm:fillClrLst>
+    <dgm:linClrLst meth="repeat">
+      <a:schemeClr val="lt1"/>
+    </dgm:linClrLst>
+    <dgm:effectClrLst/>
+    <dgm:txLinClrLst/>
+    <dgm:txFillClrLst/>
+    <dgm:txEffectClrLst/>
+  </dgm:styleLbl>
+  <dgm:styleLbl name="node1">
+    <dgm:fillClrLst>
+      <a:schemeClr val="accent2"/>
+      <a:schemeClr val="accent3"/>
+    </dgm:fillClrLst>
+    <dgm:linClrLst meth="repeat">
+      <a:schemeClr val="lt1"/>
+    </dgm:linClrLst>
+    <dgm:effectClrLst/>
+    <dgm:txLinClrLst/>
+    <dgm:txFillClrLst/>
+    <dgm:txEffectClrLst/>
+  </dgm:styleLbl>
+  <dgm:styleLbl name="alignNode1">
+    <dgm:fillClrLst>
+      <a:schemeClr val="accent2"/>
+      <a:schemeClr val="accent3"/>
+    </dgm:fillClrLst>
+    <dgm:linClrLst>
+      <a:schemeClr val="accent2"/>
+      <a:schemeClr val="accent3"/>
+    </dgm:linClrLst>
+    <dgm:effectClrLst/>
+    <dgm:txLinClrLst/>
+    <dgm:txFillClrLst/>
+    <dgm:txEffectClrLst/>
+  </dgm:styleLbl>
+  <dgm:styleLbl name="lnNode1">
+    <dgm:fillClrLst>
+      <a:schemeClr val="accent2"/>
+      <a:schemeClr val="accent3"/>
+    </dgm:fillClrLst>
+    <dgm:linClrLst meth="repeat">
+      <a:schemeClr val="lt1"/>
+    </dgm:linClrLst>
+    <dgm:effectClrLst/>
+    <dgm:txLinClrLst/>
+    <dgm:txFillClrLst/>
+    <dgm:txEffectClrLst/>
+  </dgm:styleLbl>
+  <dgm:styleLbl name="vennNode1">
+    <dgm:fillClrLst>
+      <a:schemeClr val="accent2">
+        <a:alpha val="50000"/>
+      </a:schemeClr>
+      <a:schemeClr val="accent3">
+        <a:alpha val="50000"/>
+      </a:schemeClr>
+    </dgm:fillClrLst>
+    <dgm:linClrLst meth="repeat">
+      <a:schemeClr val="lt1"/>
+    </dgm:linClrLst>
+    <dgm:effectClrLst/>
+    <dgm:txLinClrLst/>
+    <dgm:txFillClrLst/>
+    <dgm:txEffectClrLst/>
+  </dgm:styleLbl>
+  <dgm:styleLbl name="node2">
+    <dgm:fillClrLst>
+      <a:schemeClr val="accent3"/>
+    </dgm:fillClrLst>
+    <dgm:linClrLst meth="repeat">
+      <a:schemeClr val="lt1"/>
+    </dgm:linClrLst>
+    <dgm:effectClrLst/>
+    <dgm:txLinClrLst/>
+    <dgm:txFillClrLst/>
+    <dgm:txEffectClrLst/>
+  </dgm:styleLbl>
+  <dgm:styleLbl name="node3">
+    <dgm:fillClrLst>
+      <a:schemeClr val="accent4"/>
+    </dgm:fillClrLst>
+    <dgm:linClrLst meth="repeat">
+      <a:schemeClr val="lt1"/>
+    </dgm:linClrLst>
+    <dgm:effectClrLst/>
+    <dgm:txLinClrLst/>
+    <dgm:txFillClrLst/>
+    <dgm:txEffectClrLst/>
+  </dgm:styleLbl>
+  <dgm:styleLbl name="node4">
+    <dgm:fillClrLst>
+      <a:schemeClr val="accent5"/>
+    </dgm:fillClrLst>
+    <dgm:linClrLst meth="repeat">
+      <a:schemeClr val="lt1"/>
+    </dgm:linClrLst>
+    <dgm:effectClrLst/>
+    <dgm:txLinClrLst/>
+    <dgm:txFillClrLst/>
+    <dgm:txEffectClrLst/>
+  </dgm:styleLbl>
+  <dgm:styleLbl name="fgImgPlace1">
+    <dgm:fillClrLst>
+      <a:schemeClr val="accent2">
+        <a:tint val="50000"/>
+      </a:schemeClr>
+      <a:schemeClr val="accent3">
+        <a:tint val="50000"/>
+      </a:schemeClr>
+    </dgm:fillClrLst>
+    <dgm:linClrLst meth="repeat">
+      <a:schemeClr val="lt1"/>
+    </dgm:linClrLst>
+    <dgm:effectClrLst/>
+    <dgm:txLinClrLst/>
+    <dgm:txFillClrLst meth="repeat">
+      <a:schemeClr val="lt1"/>
+    </dgm:txFillClrLst>
+    <dgm:txEffectClrLst/>
+  </dgm:styleLbl>
+  <dgm:styleLbl name="alignImgPlace1">
+    <dgm:fillClrLst>
+      <a:schemeClr val="accent2">
+        <a:tint val="50000"/>
+      </a:schemeClr>
+      <a:schemeClr val="accent3">
+        <a:tint val="20000"/>
+      </a:schemeClr>
+    </dgm:fillClrLst>
+    <dgm:linClrLst meth="repeat">
+      <a:schemeClr val="lt1"/>
+    </dgm:linClrLst>
+    <dgm:effectClrLst/>
+    <dgm:txLinClrLst/>
+    <dgm:txFillClrLst meth="repeat">
+      <a:schemeClr val="lt1"/>
+    </dgm:txFillClrLst>
+    <dgm:txEffectClrLst/>
+  </dgm:styleLbl>
+  <dgm:styleLbl name="bgImgPlace1">
+    <dgm:fillClrLst>
+      <a:schemeClr val="accent2">
+        <a:tint val="50000"/>
+      </a:schemeClr>
+      <a:schemeClr val="accent3">
+        <a:tint val="20000"/>
+      </a:schemeClr>
+    </dgm:fillClrLst>
+    <dgm:linClrLst meth="repeat">
+      <a:schemeClr val="lt1"/>
+    </dgm:linClrLst>
+    <dgm:effectClrLst/>
+    <dgm:txLinClrLst/>
+    <dgm:txFillClrLst meth="repeat">
+      <a:schemeClr val="lt1"/>
+    </dgm:txFillClrLst>
+    <dgm:txEffectClrLst/>
+  </dgm:styleLbl>
+  <dgm:styleLbl name="sibTrans2D1">
+    <dgm:fillClrLst>
+      <a:schemeClr val="accent2"/>
+      <a:schemeClr val="accent3"/>
+    </dgm:fillClrLst>
+    <dgm:linClrLst meth="repeat">
+      <a:schemeClr val="lt1"/>
+    </dgm:linClrLst>
+    <dgm:effectClrLst/>
+    <dgm:txLinClrLst/>
+    <dgm:txFillClrLst/>
+    <dgm:txEffectClrLst/>
+  </dgm:styleLbl>
+  <dgm:styleLbl name="fgSibTrans2D1">
+    <dgm:fillClrLst>
+      <a:schemeClr val="accent2"/>
+      <a:schemeClr val="accent3"/>
+    </dgm:fillClrLst>
+    <dgm:linClrLst meth="repeat">
+      <a:schemeClr val="lt1"/>
+    </dgm:linClrLst>
+    <dgm:effectClrLst/>
+    <dgm:txLinClrLst/>
+    <dgm:txFillClrLst meth="repeat">
+      <a:schemeClr val="lt1"/>
+    </dgm:txFillClrLst>
+    <dgm:txEffectClrLst/>
+  </dgm:styleLbl>
+  <dgm:styleLbl name="bgSibTrans2D1">
+    <dgm:fillClrLst>
+      <a:schemeClr val="accent2"/>
+      <a:schemeClr val="accent3"/>
+    </dgm:fillClrLst>
+    <dgm:linClrLst meth="repeat">
+      <a:schemeClr val="lt1"/>
+    </dgm:linClrLst>
+    <dgm:effectClrLst/>
+    <dgm:txLinClrLst/>
+    <dgm:txFillClrLst meth="repeat">
+      <a:schemeClr val="lt1"/>
+    </dgm:txFillClrLst>
+    <dgm:txEffectClrLst/>
+  </dgm:styleLbl>
+  <dgm:styleLbl name="sibTrans1D1">
+    <dgm:fillClrLst/>
+    <dgm:linClrLst>
+      <a:schemeClr val="accent2"/>
+      <a:schemeClr val="accent3"/>
+    </dgm:linClrLst>
+    <dgm:effectClrLst/>
+    <dgm:txLinClrLst/>
+    <dgm:txFillClrLst meth="repeat">
+      <a:schemeClr val="tx1"/>
+    </dgm:txFillClrLst>
+    <dgm:txEffectClrLst/>
+  </dgm:styleLbl>
+  <dgm:styleLbl name="callout">
+    <dgm:fillClrLst meth="repeat">
+      <a:schemeClr val="accent2"/>
+    </dgm:fillClrLst>
+    <dgm:linClrLst meth="repeat">
+      <a:schemeClr val="accent2">
+        <a:tint val="50000"/>
+      </a:schemeClr>
+    </dgm:linClrLst>
+    <dgm:effectClrLst/>
+    <dgm:txLinClrLst/>
+    <dgm:txFillClrLst meth="repeat">
+      <a:schemeClr val="tx1"/>
+    </dgm:txFillClrLst>
+    <dgm:txEffectClrLst/>
+  </dgm:styleLbl>
+  <dgm:styleLbl name="asst0">
+    <dgm:fillClrLst meth="repeat">
+      <a:schemeClr val="accent2"/>
+    </dgm:fillClrLst>
+    <dgm:linClrLst meth="repeat">
+      <a:schemeClr val="lt1">
+        <a:shade val="80000"/>
+      </a:schemeClr>
+    </dgm:linClrLst>
+    <dgm:effectClrLst/>
+    <dgm:txLinClrLst/>
+    <dgm:txFillClrLst/>
+    <dgm:txEffectClrLst/>
+  </dgm:styleLbl>
+  <dgm:styleLbl name="asst1">
+    <dgm:fillClrLst meth="repeat">
+      <a:schemeClr val="accent3"/>
+    </dgm:fillClrLst>
+    <dgm:linClrLst meth="repeat">
+      <a:schemeClr val="lt1">
+        <a:shade val="80000"/>
+      </a:schemeClr>
+    </dgm:linClrLst>
+    <dgm:effectClrLst/>
+    <dgm:txLinClrLst/>
+    <dgm:txFillClrLst/>
+    <dgm:txEffectClrLst/>
+  </dgm:styleLbl>
+  <dgm:styleLbl name="asst2">
+    <dgm:fillClrLst>
+      <a:schemeClr val="accent4"/>
+    </dgm:fillClrLst>
+    <dgm:linClrLst meth="repeat">
+      <a:schemeClr val="lt1"/>
+    </dgm:linClrLst>
+    <dgm:effectClrLst/>
+    <dgm:txLinClrLst/>
+    <dgm:txFillClrLst/>
+    <dgm:txEffectClrLst/>
+  </dgm:styleLbl>
+  <dgm:styleLbl name="asst3">
+    <dgm:fillClrLst>
+      <a:schemeClr val="accent5"/>
+    </dgm:fillClrLst>
+    <dgm:linClrLst meth="repeat">
+      <a:schemeClr val="lt1"/>
+    </dgm:linClrLst>
+    <dgm:effectClrLst/>
+    <dgm:txLinClrLst/>
+    <dgm:txFillClrLst/>
+    <dgm:txEffectClrLst/>
+  </dgm:styleLbl>
+  <dgm:styleLbl name="asst4">
+    <dgm:fillClrLst>
+      <a:schemeClr val="accent6"/>
+    </dgm:fillClrLst>
+    <dgm:linClrLst meth="repeat">
+      <a:schemeClr val="lt1"/>
+    </dgm:linClrLst>
+    <dgm:effectClrLst/>
+    <dgm:txLinClrLst/>
+    <dgm:txFillClrLst/>
+    <dgm:txEffectClrLst/>
+  </dgm:styleLbl>
+  <dgm:styleLbl name="parChTrans2D1">
+    <dgm:fillClrLst meth="repeat">
+      <a:schemeClr val="accent2"/>
+    </dgm:fillClrLst>
+    <dgm:linClrLst meth="repeat">
+      <a:schemeClr val="lt1"/>
+    </dgm:linClrLst>
+    <dgm:effectClrLst/>
+    <dgm:txLinClrLst/>
+    <dgm:txFillClrLst meth="repeat">
+      <a:schemeClr val="lt1"/>
+    </dgm:txFillClrLst>
+    <dgm:txEffectClrLst/>
+  </dgm:styleLbl>
+  <dgm:styleLbl name="parChTrans2D2">
+    <dgm:fillClrLst meth="repeat">
+      <a:schemeClr val="accent3"/>
+    </dgm:fillClrLst>
+    <dgm:linClrLst meth="repeat">
+      <a:schemeClr val="lt1"/>
+    </dgm:linClrLst>
+    <dgm:effectClrLst/>
+    <dgm:txLinClrLst/>
+    <dgm:txFillClrLst/>
+    <dgm:txEffectClrLst/>
+  </dgm:styleLbl>
+  <dgm:styleLbl name="parChTrans2D3">
+    <dgm:fillClrLst meth="repeat">
+      <a:schemeClr val="accent4"/>
+    </dgm:fillClrLst>
+    <dgm:linClrLst meth="repeat">
+      <a:schemeClr val="lt1"/>
+    </dgm:linClrLst>
+    <dgm:effectClrLst/>
+    <dgm:txLinClrLst/>
+    <dgm:txFillClrLst/>
+    <dgm:txEffectClrLst/>
+  </dgm:styleLbl>
+  <dgm:styleLbl name="parChTrans2D4">
+    <dgm:fillClrLst meth="repeat">
+      <a:schemeClr val="accent5"/>
+    </dgm:fillClrLst>
+    <dgm:linClrLst meth="repeat">
+      <a:schemeClr val="lt1"/>
+    </dgm:linClrLst>
+    <dgm:effectClrLst/>
+    <dgm:txLinClrLst/>
+    <dgm:txFillClrLst meth="repeat">
+      <a:schemeClr val="lt1"/>
+    </dgm:txFillClrLst>
+    <dgm:txEffectClrLst/>
+  </dgm:styleLbl>
+  <dgm:styleLbl name="parChTrans1D1">
+    <dgm:fillClrLst meth="repeat">
+      <a:schemeClr val="accent2"/>
+    </dgm:fillClrLst>
+    <dgm:linClrLst meth="repeat">
+      <a:schemeClr val="accent2"/>
+    </dgm:linClrLst>
+    <dgm:effectClrLst/>
+    <dgm:txLinClrLst/>
+    <dgm:txFillClrLst meth="repeat">
+      <a:schemeClr val="tx1"/>
+    </dgm:txFillClrLst>
+    <dgm:txEffectClrLst/>
+  </dgm:styleLbl>
+  <dgm:styleLbl name="parChTrans1D2">
+    <dgm:fillClrLst meth="repeat">
+      <a:schemeClr val="accent2">
+        <a:tint val="90000"/>
+      </a:schemeClr>
+    </dgm:fillClrLst>
+    <dgm:linClrLst meth="repeat">
+      <a:schemeClr val="accent3"/>
+    </dgm:linClrLst>
+    <dgm:effectClrLst/>
+    <dgm:txLinClrLst/>
+    <dgm:txFillClrLst meth="repeat">
+      <a:schemeClr val="tx1"/>
+    </dgm:txFillClrLst>
+    <dgm:txEffectClrLst/>
+  </dgm:styleLbl>
+  <dgm:styleLbl name="parChTrans1D3">
+    <dgm:fillClrLst meth="repeat">
+      <a:schemeClr val="accent2">
+        <a:tint val="70000"/>
+      </a:schemeClr>
+    </dgm:fillClrLst>
+    <dgm:linClrLst meth="repeat">
+      <a:schemeClr val="accent4"/>
+    </dgm:linClrLst>
+    <dgm:effectClrLst/>
+    <dgm:txLinClrLst/>
+    <dgm:txFillClrLst meth="repeat">
+      <a:schemeClr val="tx1"/>
+    </dgm:txFillClrLst>
+    <dgm:txEffectClrLst/>
+  </dgm:styleLbl>
+  <dgm:styleLbl name="parChTrans1D4">
+    <dgm:fillClrLst meth="repeat">
+      <a:schemeClr val="accent2">
+        <a:tint val="50000"/>
+      </a:schemeClr>
+    </dgm:fillClrLst>
+    <dgm:linClrLst meth="repeat">
+      <a:schemeClr val="accent5"/>
+    </dgm:linClrLst>
+    <dgm:effectClrLst/>
+    <dgm:txLinClrLst/>
+    <dgm:txFillClrLst meth="repeat">
+      <a:schemeClr val="tx1"/>
+    </dgm:txFillClrLst>
+    <dgm:txEffectClrLst/>
+  </dgm:styleLbl>
+  <dgm:styleLbl name="fgAcc1">
+    <dgm:fillClrLst meth="repeat">
+      <a:schemeClr val="lt1">
+        <a:alpha val="90000"/>
+      </a:schemeClr>
+    </dgm:fillClrLst>
+    <dgm:linClrLst>
+      <a:schemeClr val="accent2"/>
+      <a:schemeClr val="accent3"/>
+    </dgm:linClrLst>
+    <dgm:effectClrLst/>
+    <dgm:txLinClrLst/>
+    <dgm:txFillClrLst meth="repeat">
+      <a:schemeClr val="dk1"/>
+    </dgm:txFillClrLst>
+    <dgm:txEffectClrLst/>
+  </dgm:styleLbl>
+  <dgm:styleLbl name="conFgAcc1">
+    <dgm:fillClrLst meth="repeat">
+      <a:schemeClr val="lt1">
+        <a:alpha val="90000"/>
+      </a:schemeClr>
+    </dgm:fillClrLst>
+    <dgm:linClrLst>
+      <a:schemeClr val="accent2"/>
+      <a:schemeClr val="accent3"/>
+    </dgm:linClrLst>
+    <dgm:effectClrLst/>
+    <dgm:txLinClrLst/>
+    <dgm:txFillClrLst meth="repeat">
+      <a:schemeClr val="dk1"/>
+    </dgm:txFillClrLst>
+    <dgm:txEffectClrLst/>
+  </dgm:styleLbl>
+  <dgm:styleLbl name="alignAcc1">
+    <dgm:fillClrLst meth="repeat">
+      <a:schemeClr val="lt1">
+        <a:alpha val="90000"/>
+      </a:schemeClr>
+    </dgm:fillClrLst>
+    <dgm:linClrLst>
+      <a:schemeClr val="accent2"/>
+      <a:schemeClr val="accent3"/>
+    </dgm:linClrLst>
+    <dgm:effectClrLst/>
+    <dgm:txLinClrLst/>
+    <dgm:txFillClrLst meth="repeat">
+      <a:schemeClr val="dk1"/>
+    </dgm:txFillClrLst>
+    <dgm:txEffectClrLst/>
+  </dgm:styleLbl>
+  <dgm:styleLbl name="trAlignAcc1">
+    <dgm:fillClrLst meth="repeat">
+      <a:schemeClr val="lt1">
+        <a:alpha val="40000"/>
+      </a:schemeClr>
+    </dgm:fillClrLst>
+    <dgm:linClrLst meth="repeat">
+      <a:schemeClr val="accent2"/>
+    </dgm:linClrLst>
+    <dgm:effectClrLst/>
+    <dgm:txLinClrLst/>
+    <dgm:txFillClrLst meth="repeat">
+      <a:schemeClr val="dk1"/>
+    </dgm:txFillClrLst>
+    <dgm:txEffectClrLst/>
+  </dgm:styleLbl>
+  <dgm:styleLbl name="bgAcc1">
+    <dgm:fillClrLst meth="repeat">
+      <a:schemeClr val="lt1">
+        <a:alpha val="90000"/>
+      </a:schemeClr>
+    </dgm:fillClrLst>
+    <dgm:linClrLst>
+      <a:schemeClr val="accent2"/>
+      <a:schemeClr val="accent3"/>
+    </dgm:linClrLst>
+    <dgm:effectClrLst/>
+    <dgm:txLinClrLst/>
+    <dgm:txFillClrLst meth="repeat">
+      <a:schemeClr val="dk1"/>
+    </dgm:txFillClrLst>
+    <dgm:txEffectClrLst/>
+  </dgm:styleLbl>
+  <dgm:styleLbl name="solidFgAcc1">
+    <dgm:fillClrLst meth="repeat">
+      <a:schemeClr val="lt1"/>
+    </dgm:fillClrLst>
+    <dgm:linClrLst>
+      <a:schemeClr val="accent2"/>
+      <a:schemeClr val="accent3"/>
+    </dgm:linClrLst>
+    <dgm:effectClrLst/>
+    <dgm:txLinClrLst/>
+    <dgm:txFillClrLst meth="repeat">
+      <a:schemeClr val="dk1"/>
+    </dgm:txFillClrLst>
+    <dgm:txEffectClrLst/>
+  </dgm:styleLbl>
+  <dgm:styleLbl name="solidAlignAcc1">
+    <dgm:fillClrLst meth="repeat">
+      <a:schemeClr val="lt1"/>
+    </dgm:fillClrLst>
+    <dgm:linClrLst>
+      <a:schemeClr val="accent2"/>
+      <a:schemeClr val="accent3"/>
+    </dgm:linClrLst>
+    <dgm:effectClrLst/>
+    <dgm:txLinClrLst/>
+    <dgm:txFillClrLst meth="repeat">
+      <a:schemeClr val="dk1"/>
+    </dgm:txFillClrLst>
+    <dgm:txEffectClrLst/>
+  </dgm:styleLbl>
+  <dgm:styleLbl name="solidBgAcc1">
+    <dgm:fillClrLst meth="repeat">
+      <a:schemeClr val="lt1"/>
+    </dgm:fillClrLst>
+    <dgm:linClrLst>
+      <a:schemeClr val="accent2"/>
+      <a:schemeClr val="accent3"/>
+    </dgm:linClrLst>
+    <dgm:effectClrLst/>
+    <dgm:txLinClrLst/>
+    <dgm:txFillClrLst meth="repeat">
+      <a:schemeClr val="dk1"/>
+    </dgm:txFillClrLst>
+    <dgm:txEffectClrLst/>
+  </dgm:styleLbl>
+  <dgm:styleLbl name="fgAccFollowNode1">
+    <dgm:fillClrLst>
+      <a:schemeClr val="accent2">
+        <a:tint val="40000"/>
+        <a:alpha val="90000"/>
+      </a:schemeClr>
+      <a:schemeClr val="accent3">
+        <a:tint val="40000"/>
+        <a:alpha val="90000"/>
+      </a:schemeClr>
+    </dgm:fillClrLst>
+    <dgm:linClrLst>
+      <a:schemeClr val="accent2">
+        <a:tint val="40000"/>
+        <a:alpha val="90000"/>
+      </a:schemeClr>
+      <a:schemeClr val="accent3">
+        <a:tint val="40000"/>
+        <a:alpha val="90000"/>
+      </a:schemeClr>
+    </dgm:linClrLst>
+    <dgm:effectClrLst/>
+    <dgm:txLinClrLst/>
+    <dgm:txFillClrLst meth="repeat">
+      <a:schemeClr val="dk1"/>
+    </dgm:txFillClrLst>
+    <dgm:txEffectClrLst/>
+  </dgm:styleLbl>
+  <dgm:styleLbl name="alignAccFollowNode1">
+    <dgm:fillClrLst>
+      <a:schemeClr val="accent2">
+        <a:tint val="40000"/>
+        <a:alpha val="90000"/>
+      </a:schemeClr>
+      <a:schemeClr val="accent3">
+        <a:tint val="40000"/>
+        <a:alpha val="90000"/>
+      </a:schemeClr>
+    </dgm:fillClrLst>
+    <dgm:linClrLst>
+      <a:schemeClr val="accent2">
+        <a:tint val="40000"/>
+        <a:alpha val="90000"/>
+      </a:schemeClr>
+      <a:schemeClr val="accent3">
+        <a:tint val="40000"/>
+        <a:alpha val="90000"/>
+      </a:schemeClr>
+    </dgm:linClrLst>
+    <dgm:effectClrLst/>
+    <dgm:txLinClrLst/>
+    <dgm:txFillClrLst meth="repeat">
+      <a:schemeClr val="dk1"/>
+    </dgm:txFillClrLst>
+    <dgm:txEffectClrLst/>
+  </dgm:styleLbl>
+  <dgm:styleLbl name="bgAccFollowNode1">
+    <dgm:fillClrLst>
+      <a:schemeClr val="accent2">
+        <a:tint val="40000"/>
+        <a:alpha val="90000"/>
+      </a:schemeClr>
+      <a:schemeClr val="accent3">
+        <a:tint val="40000"/>
+        <a:alpha val="90000"/>
+      </a:schemeClr>
+    </dgm:fillClrLst>
+    <dgm:linClrLst>
+      <a:schemeClr val="accent2">
+        <a:tint val="40000"/>
+        <a:alpha val="90000"/>
+      </a:schemeClr>
+      <a:schemeClr val="accent3">
+        <a:tint val="40000"/>
+        <a:alpha val="90000"/>
+      </a:schemeClr>
+    </dgm:linClrLst>
+    <dgm:effectClrLst/>
+    <dgm:txLinClrLst/>
+    <dgm:txFillClrLst meth="repeat">
+      <a:schemeClr val="dk1"/>
+    </dgm:txFillClrLst>
+    <dgm:txEffectClrLst/>
+  </dgm:styleLbl>
+  <dgm:styleLbl name="fgAcc0">
+    <dgm:fillClrLst meth="repeat">
+      <a:schemeClr val="lt1">
+        <a:alpha val="90000"/>
+      </a:schemeClr>
+    </dgm:fillClrLst>
+    <dgm:linClrLst>
+      <a:schemeClr val="accent1"/>
+    </dgm:linClrLst>
+    <dgm:effectClrLst/>
+    <dgm:txLinClrLst/>
+    <dgm:txFillClrLst meth="repeat">
+      <a:schemeClr val="dk1"/>
+    </dgm:txFillClrLst>
+    <dgm:txEffectClrLst/>
+  </dgm:styleLbl>
+  <dgm:styleLbl name="fgAcc2">
+    <dgm:fillClrLst meth="repeat">
+      <a:schemeClr val="lt1">
+        <a:alpha val="90000"/>
+      </a:schemeClr>
+    </dgm:fillClrLst>
+    <dgm:linClrLst>
+      <a:schemeClr val="accent3"/>
+    </dgm:linClrLst>
+    <dgm:effectClrLst/>
+    <dgm:txLinClrLst/>
+    <dgm:txFillClrLst meth="repeat">
+      <a:schemeClr val="dk1"/>
+    </dgm:txFillClrLst>
+    <dgm:txEffectClrLst/>
+  </dgm:styleLbl>
+  <dgm:styleLbl name="fgAcc3">
+    <dgm:fillClrLst meth="repeat">
+      <a:schemeClr val="lt1">
+        <a:alpha val="90000"/>
+      </a:schemeClr>
+    </dgm:fillClrLst>
+    <dgm:linClrLst>
+      <a:schemeClr val="accent4"/>
+    </dgm:linClrLst>
+    <dgm:effectClrLst/>
+    <dgm:txLinClrLst/>
+    <dgm:txFillClrLst meth="repeat">
+      <a:schemeClr val="dk1"/>
+    </dgm:txFillClrLst>
+    <dgm:txEffectClrLst/>
+  </dgm:styleLbl>
+  <dgm:styleLbl name="fgAcc4">
+    <dgm:fillClrLst meth="repeat">
+      <a:schemeClr val="lt1">
+        <a:alpha val="90000"/>
+      </a:schemeClr>
+    </dgm:fillClrLst>
+    <dgm:linClrLst>
+      <a:schemeClr val="accent5"/>
+    </dgm:linClrLst>
+    <dgm:effectClrLst/>
+    <dgm:txLinClrLst/>
+    <dgm:txFillClrLst meth="repeat">
+      <a:schemeClr val="dk1"/>
+    </dgm:txFillClrLst>
+    <dgm:txEffectClrLst/>
+  </dgm:styleLbl>
+  <dgm:styleLbl name="bgShp">
+    <dgm:fillClrLst meth="repeat">
+      <a:schemeClr val="accent2">
+        <a:tint val="40000"/>
+      </a:schemeClr>
+    </dgm:fillClrLst>
+    <dgm:linClrLst meth="repeat">
+      <a:schemeClr val="dk1"/>
+    </dgm:linClrLst>
+    <dgm:effectClrLst/>
+    <dgm:txLinClrLst/>
+    <dgm:txFillClrLst meth="repeat">
+      <a:schemeClr val="dk1"/>
+    </dgm:txFillClrLst>
+    <dgm:txEffectClrLst/>
+  </dgm:styleLbl>
+  <dgm:styleLbl name="dkBgShp">
+    <dgm:fillClrLst meth="repeat">
+      <a:schemeClr val="accent2">
+        <a:shade val="90000"/>
+      </a:schemeClr>
+    </dgm:fillClrLst>
+    <dgm:linClrLst meth="repeat">
+      <a:schemeClr val="dk1"/>
+    </dgm:linClrLst>
+    <dgm:effectClrLst/>
+    <dgm:txLinClrLst/>
+    <dgm:txFillClrLst meth="repeat">
+      <a:schemeClr val="lt1"/>
+    </dgm:txFillClrLst>
+    <dgm:txEffectClrLst/>
+  </dgm:styleLbl>
+  <dgm:styleLbl name="trBgShp">
+    <dgm:fillClrLst meth="repeat">
+      <a:schemeClr val="accent2">
+        <a:tint val="50000"/>
+        <a:alpha val="40000"/>
+      </a:schemeClr>
+    </dgm:fillClrLst>
+    <dgm:linClrLst meth="repeat">
+      <a:schemeClr val="accent2"/>
+    </dgm:linClrLst>
+    <dgm:effectClrLst/>
+    <dgm:txLinClrLst/>
+    <dgm:txFillClrLst meth="repeat">
+      <a:schemeClr val="lt1"/>
+    </dgm:txFillClrLst>
+    <dgm:txEffectClrLst/>
+  </dgm:styleLbl>
+  <dgm:styleLbl name="fgShp">
+    <dgm:fillClrLst meth="repeat">
+      <a:schemeClr val="accent2">
+        <a:tint val="40000"/>
+      </a:schemeClr>
+    </dgm:fillClrLst>
+    <dgm:linClrLst meth="repeat">
+      <a:schemeClr val="lt1"/>
+    </dgm:linClrLst>
+    <dgm:effectClrLst/>
+    <dgm:txLinClrLst/>
+    <dgm:txFillClrLst meth="repeat">
+      <a:schemeClr val="dk1"/>
+    </dgm:txFillClrLst>
+    <dgm:txEffectClrLst/>
+  </dgm:styleLbl>
+  <dgm:styleLbl name="revTx">
+    <dgm:fillClrLst meth="repeat">
+      <a:schemeClr val="lt1">
+        <a:alpha val="0"/>
+      </a:schemeClr>
+    </dgm:fillClrLst>
+    <dgm:linClrLst meth="repeat">
+      <a:schemeClr val="dk1">
+        <a:alpha val="0"/>
+      </a:schemeClr>
+    </dgm:linClrLst>
+    <dgm:effectClrLst/>
+    <dgm:txLinClrLst/>
+    <dgm:txFillClrLst meth="repeat">
+      <a:schemeClr val="tx1"/>
+    </dgm:txFillClrLst>
+    <dgm:txEffectClrLst/>
+  </dgm:styleLbl>
+</dgm:colorsDef>
+</file>
+
+<file path=ppt/diagrams/colors5.xml><?xml version="1.0" encoding="utf-8"?>
 <dgm:colorsDef xmlns:dgm="http://schemas.openxmlformats.org/drawingml/2006/diagram" xmlns:a="http://schemas.openxmlformats.org/drawingml/2006/main" uniqueId="urn:microsoft.com/office/officeart/2005/8/colors/accent0_3">
   <dgm:title val=""/>
   <dgm:desc val=""/>
@@ -3592,6 +4371,275 @@
 <file path=ppt/diagrams/data2.xml><?xml version="1.0" encoding="utf-8"?>
 <dgm:dataModel xmlns:dgm="http://schemas.openxmlformats.org/drawingml/2006/diagram" xmlns:a="http://schemas.openxmlformats.org/drawingml/2006/main">
   <dgm:ptLst>
+    <dgm:pt modelId="{54783485-8D67-3F43-8866-89FA45BEB7D5}" type="doc">
+      <dgm:prSet loTypeId="urn:microsoft.com/office/officeart/2005/8/layout/cycle5" loCatId="" qsTypeId="urn:microsoft.com/office/officeart/2005/8/quickstyle/simple1" qsCatId="simple" csTypeId="urn:microsoft.com/office/officeart/2005/8/colors/accent1_2" csCatId="accent1" phldr="1"/>
+      <dgm:spPr/>
+      <dgm:t>
+        <a:bodyPr/>
+        <a:lstStyle/>
+        <a:p>
+          <a:endParaRPr lang="en-US"/>
+        </a:p>
+      </dgm:t>
+    </dgm:pt>
+    <dgm:pt modelId="{6410D17D-C93F-6B49-9C6B-50180A50B41E}">
+      <dgm:prSet phldrT="[Text]"/>
+      <dgm:spPr/>
+      <dgm:t>
+        <a:bodyPr/>
+        <a:lstStyle/>
+        <a:p>
+          <a:r>
+            <a:rPr lang="en-US" dirty="0"/>
+            <a:t>Next Population</a:t>
+          </a:r>
+        </a:p>
+      </dgm:t>
+    </dgm:pt>
+    <dgm:pt modelId="{01B56040-A2F2-0348-8882-B75664FEEB89}" type="parTrans" cxnId="{C004AFE2-7962-054E-9D00-154482219391}">
+      <dgm:prSet/>
+      <dgm:spPr/>
+      <dgm:t>
+        <a:bodyPr/>
+        <a:lstStyle/>
+        <a:p>
+          <a:endParaRPr lang="en-US"/>
+        </a:p>
+      </dgm:t>
+    </dgm:pt>
+    <dgm:pt modelId="{24B440EC-4B3A-4F48-B4D2-0D10632E0362}" type="sibTrans" cxnId="{C004AFE2-7962-054E-9D00-154482219391}">
+      <dgm:prSet/>
+      <dgm:spPr/>
+      <dgm:t>
+        <a:bodyPr/>
+        <a:lstStyle/>
+        <a:p>
+          <a:endParaRPr lang="en-US"/>
+        </a:p>
+      </dgm:t>
+    </dgm:pt>
+    <dgm:pt modelId="{B2277771-F6BC-5449-8F69-1F0FD78DF568}">
+      <dgm:prSet phldrT="[Text]"/>
+      <dgm:spPr/>
+      <dgm:t>
+        <a:bodyPr/>
+        <a:lstStyle/>
+        <a:p>
+          <a:r>
+            <a:rPr lang="en-US" dirty="0"/>
+            <a:t>Selection</a:t>
+          </a:r>
+        </a:p>
+      </dgm:t>
+    </dgm:pt>
+    <dgm:pt modelId="{EF4DEB44-9821-E14D-AA25-357C4682DE20}" type="parTrans" cxnId="{7DD69F17-C96C-7745-856A-C32D0B3A0118}">
+      <dgm:prSet/>
+      <dgm:spPr/>
+      <dgm:t>
+        <a:bodyPr/>
+        <a:lstStyle/>
+        <a:p>
+          <a:endParaRPr lang="en-US"/>
+        </a:p>
+      </dgm:t>
+    </dgm:pt>
+    <dgm:pt modelId="{23C05FA9-1757-764D-8F68-B23B96578DBE}" type="sibTrans" cxnId="{7DD69F17-C96C-7745-856A-C32D0B3A0118}">
+      <dgm:prSet/>
+      <dgm:spPr/>
+      <dgm:t>
+        <a:bodyPr/>
+        <a:lstStyle/>
+        <a:p>
+          <a:endParaRPr lang="en-US"/>
+        </a:p>
+      </dgm:t>
+    </dgm:pt>
+    <dgm:pt modelId="{70C40316-6D50-B241-9BAB-C69818FE4B23}">
+      <dgm:prSet phldrT="[Text]"/>
+      <dgm:spPr/>
+      <dgm:t>
+        <a:bodyPr/>
+        <a:lstStyle/>
+        <a:p>
+          <a:r>
+            <a:rPr lang="en-US" dirty="0"/>
+            <a:t>Mutation</a:t>
+          </a:r>
+        </a:p>
+      </dgm:t>
+    </dgm:pt>
+    <dgm:pt modelId="{70B48FDE-80A8-A847-9117-A7AFDF59F9FE}" type="parTrans" cxnId="{99072DE7-9C6B-9B48-9B74-FC008E1FDD18}">
+      <dgm:prSet/>
+      <dgm:spPr/>
+      <dgm:t>
+        <a:bodyPr/>
+        <a:lstStyle/>
+        <a:p>
+          <a:endParaRPr lang="en-US"/>
+        </a:p>
+      </dgm:t>
+    </dgm:pt>
+    <dgm:pt modelId="{BF357A4D-C9C4-3543-A251-0E61C8F5CE93}" type="sibTrans" cxnId="{99072DE7-9C6B-9B48-9B74-FC008E1FDD18}">
+      <dgm:prSet/>
+      <dgm:spPr/>
+      <dgm:t>
+        <a:bodyPr/>
+        <a:lstStyle/>
+        <a:p>
+          <a:endParaRPr lang="en-US"/>
+        </a:p>
+      </dgm:t>
+    </dgm:pt>
+    <dgm:pt modelId="{FFA42496-5B2F-8D4B-AB4B-6BDDA5503A8D}">
+      <dgm:prSet phldrT="[Text]"/>
+      <dgm:spPr/>
+      <dgm:t>
+        <a:bodyPr/>
+        <a:lstStyle/>
+        <a:p>
+          <a:r>
+            <a:rPr lang="en-US" dirty="0"/>
+            <a:t>Determine Fitness</a:t>
+          </a:r>
+        </a:p>
+      </dgm:t>
+    </dgm:pt>
+    <dgm:pt modelId="{191ACFDA-46AE-9345-BA04-1EC6A6D3D44A}" type="parTrans" cxnId="{3D8BDD6C-79A8-4448-8B6E-80D5D410D68F}">
+      <dgm:prSet/>
+      <dgm:spPr/>
+      <dgm:t>
+        <a:bodyPr/>
+        <a:lstStyle/>
+        <a:p>
+          <a:endParaRPr lang="en-US"/>
+        </a:p>
+      </dgm:t>
+    </dgm:pt>
+    <dgm:pt modelId="{E027DBBE-53F6-024E-BFA4-6F3D9E811C47}" type="sibTrans" cxnId="{3D8BDD6C-79A8-4448-8B6E-80D5D410D68F}">
+      <dgm:prSet/>
+      <dgm:spPr/>
+      <dgm:t>
+        <a:bodyPr/>
+        <a:lstStyle/>
+        <a:p>
+          <a:endParaRPr lang="en-US"/>
+        </a:p>
+      </dgm:t>
+    </dgm:pt>
+    <dgm:pt modelId="{C4B69988-CE74-1441-A399-8E0E565D7429}" type="pres">
+      <dgm:prSet presAssocID="{54783485-8D67-3F43-8866-89FA45BEB7D5}" presName="cycle" presStyleCnt="0">
+        <dgm:presLayoutVars>
+          <dgm:dir/>
+          <dgm:resizeHandles val="exact"/>
+        </dgm:presLayoutVars>
+      </dgm:prSet>
+      <dgm:spPr/>
+    </dgm:pt>
+    <dgm:pt modelId="{35F4FE5F-5C67-B944-AF8F-F816220079CE}" type="pres">
+      <dgm:prSet presAssocID="{6410D17D-C93F-6B49-9C6B-50180A50B41E}" presName="node" presStyleLbl="node1" presStyleIdx="0" presStyleCnt="4">
+        <dgm:presLayoutVars>
+          <dgm:bulletEnabled val="1"/>
+        </dgm:presLayoutVars>
+      </dgm:prSet>
+      <dgm:spPr/>
+    </dgm:pt>
+    <dgm:pt modelId="{77CCFEA6-050D-7D42-A032-268AD6F5BC26}" type="pres">
+      <dgm:prSet presAssocID="{6410D17D-C93F-6B49-9C6B-50180A50B41E}" presName="spNode" presStyleCnt="0"/>
+      <dgm:spPr/>
+    </dgm:pt>
+    <dgm:pt modelId="{A75C855E-D826-9A4E-A7F9-393E9DA1624F}" type="pres">
+      <dgm:prSet presAssocID="{24B440EC-4B3A-4F48-B4D2-0D10632E0362}" presName="sibTrans" presStyleLbl="sibTrans1D1" presStyleIdx="0" presStyleCnt="4"/>
+      <dgm:spPr/>
+    </dgm:pt>
+    <dgm:pt modelId="{666B2BE9-F9AB-A543-A184-73B03E250FD3}" type="pres">
+      <dgm:prSet presAssocID="{FFA42496-5B2F-8D4B-AB4B-6BDDA5503A8D}" presName="node" presStyleLbl="node1" presStyleIdx="1" presStyleCnt="4" custRadScaleRad="98942">
+        <dgm:presLayoutVars>
+          <dgm:bulletEnabled val="1"/>
+        </dgm:presLayoutVars>
+      </dgm:prSet>
+      <dgm:spPr/>
+    </dgm:pt>
+    <dgm:pt modelId="{BA334B72-1CC0-BA48-B83F-02711683C09A}" type="pres">
+      <dgm:prSet presAssocID="{FFA42496-5B2F-8D4B-AB4B-6BDDA5503A8D}" presName="spNode" presStyleCnt="0"/>
+      <dgm:spPr/>
+    </dgm:pt>
+    <dgm:pt modelId="{8E8255AD-704B-2147-8096-F199A1A4CBF2}" type="pres">
+      <dgm:prSet presAssocID="{E027DBBE-53F6-024E-BFA4-6F3D9E811C47}" presName="sibTrans" presStyleLbl="sibTrans1D1" presStyleIdx="1" presStyleCnt="4"/>
+      <dgm:spPr/>
+    </dgm:pt>
+    <dgm:pt modelId="{252599BB-B304-4048-AFC2-1A414F96006C}" type="pres">
+      <dgm:prSet presAssocID="{B2277771-F6BC-5449-8F69-1F0FD78DF568}" presName="node" presStyleLbl="node1" presStyleIdx="2" presStyleCnt="4">
+        <dgm:presLayoutVars>
+          <dgm:bulletEnabled val="1"/>
+        </dgm:presLayoutVars>
+      </dgm:prSet>
+      <dgm:spPr/>
+    </dgm:pt>
+    <dgm:pt modelId="{FD5F4BF5-2767-7E45-BAED-B0BE2D4B1BD1}" type="pres">
+      <dgm:prSet presAssocID="{B2277771-F6BC-5449-8F69-1F0FD78DF568}" presName="spNode" presStyleCnt="0"/>
+      <dgm:spPr/>
+    </dgm:pt>
+    <dgm:pt modelId="{13392DFC-9C31-F14A-9E59-64D311E0539C}" type="pres">
+      <dgm:prSet presAssocID="{23C05FA9-1757-764D-8F68-B23B96578DBE}" presName="sibTrans" presStyleLbl="sibTrans1D1" presStyleIdx="2" presStyleCnt="4"/>
+      <dgm:spPr/>
+    </dgm:pt>
+    <dgm:pt modelId="{50E662BD-3895-F940-B38D-581FDEF297E8}" type="pres">
+      <dgm:prSet presAssocID="{70C40316-6D50-B241-9BAB-C69818FE4B23}" presName="node" presStyleLbl="node1" presStyleIdx="3" presStyleCnt="4">
+        <dgm:presLayoutVars>
+          <dgm:bulletEnabled val="1"/>
+        </dgm:presLayoutVars>
+      </dgm:prSet>
+      <dgm:spPr/>
+    </dgm:pt>
+    <dgm:pt modelId="{5790500D-019A-0947-84CE-5CA32D30C6E0}" type="pres">
+      <dgm:prSet presAssocID="{70C40316-6D50-B241-9BAB-C69818FE4B23}" presName="spNode" presStyleCnt="0"/>
+      <dgm:spPr/>
+    </dgm:pt>
+    <dgm:pt modelId="{95A5EC60-2131-AA4F-800C-EB8FF9E008CB}" type="pres">
+      <dgm:prSet presAssocID="{BF357A4D-C9C4-3543-A251-0E61C8F5CE93}" presName="sibTrans" presStyleLbl="sibTrans1D1" presStyleIdx="3" presStyleCnt="4"/>
+      <dgm:spPr/>
+    </dgm:pt>
+  </dgm:ptLst>
+  <dgm:cxnLst>
+    <dgm:cxn modelId="{7DD69F17-C96C-7745-856A-C32D0B3A0118}" srcId="{54783485-8D67-3F43-8866-89FA45BEB7D5}" destId="{B2277771-F6BC-5449-8F69-1F0FD78DF568}" srcOrd="2" destOrd="0" parTransId="{EF4DEB44-9821-E14D-AA25-357C4682DE20}" sibTransId="{23C05FA9-1757-764D-8F68-B23B96578DBE}"/>
+    <dgm:cxn modelId="{385F7C24-2E34-5546-BF7C-F48F5E09CAF7}" type="presOf" srcId="{23C05FA9-1757-764D-8F68-B23B96578DBE}" destId="{13392DFC-9C31-F14A-9E59-64D311E0539C}" srcOrd="0" destOrd="0" presId="urn:microsoft.com/office/officeart/2005/8/layout/cycle5"/>
+    <dgm:cxn modelId="{A21F002F-3635-404D-84B5-90CB36F25013}" type="presOf" srcId="{6410D17D-C93F-6B49-9C6B-50180A50B41E}" destId="{35F4FE5F-5C67-B944-AF8F-F816220079CE}" srcOrd="0" destOrd="0" presId="urn:microsoft.com/office/officeart/2005/8/layout/cycle5"/>
+    <dgm:cxn modelId="{5AAA5E35-306C-5F46-B2A2-05A0EB44647D}" type="presOf" srcId="{24B440EC-4B3A-4F48-B4D2-0D10632E0362}" destId="{A75C855E-D826-9A4E-A7F9-393E9DA1624F}" srcOrd="0" destOrd="0" presId="urn:microsoft.com/office/officeart/2005/8/layout/cycle5"/>
+    <dgm:cxn modelId="{2A000C44-4E20-CD48-97B8-DDEECC33B10F}" type="presOf" srcId="{54783485-8D67-3F43-8866-89FA45BEB7D5}" destId="{C4B69988-CE74-1441-A399-8E0E565D7429}" srcOrd="0" destOrd="0" presId="urn:microsoft.com/office/officeart/2005/8/layout/cycle5"/>
+    <dgm:cxn modelId="{628EF961-E2C3-C741-A54F-1332FC5B8790}" type="presOf" srcId="{FFA42496-5B2F-8D4B-AB4B-6BDDA5503A8D}" destId="{666B2BE9-F9AB-A543-A184-73B03E250FD3}" srcOrd="0" destOrd="0" presId="urn:microsoft.com/office/officeart/2005/8/layout/cycle5"/>
+    <dgm:cxn modelId="{3D8BDD6C-79A8-4448-8B6E-80D5D410D68F}" srcId="{54783485-8D67-3F43-8866-89FA45BEB7D5}" destId="{FFA42496-5B2F-8D4B-AB4B-6BDDA5503A8D}" srcOrd="1" destOrd="0" parTransId="{191ACFDA-46AE-9345-BA04-1EC6A6D3D44A}" sibTransId="{E027DBBE-53F6-024E-BFA4-6F3D9E811C47}"/>
+    <dgm:cxn modelId="{4FAB1079-F827-DC4A-A34B-F8D7C2B9BB1A}" type="presOf" srcId="{E027DBBE-53F6-024E-BFA4-6F3D9E811C47}" destId="{8E8255AD-704B-2147-8096-F199A1A4CBF2}" srcOrd="0" destOrd="0" presId="urn:microsoft.com/office/officeart/2005/8/layout/cycle5"/>
+    <dgm:cxn modelId="{0D629279-9AFC-EC41-B238-E3124A9053AB}" type="presOf" srcId="{B2277771-F6BC-5449-8F69-1F0FD78DF568}" destId="{252599BB-B304-4048-AFC2-1A414F96006C}" srcOrd="0" destOrd="0" presId="urn:microsoft.com/office/officeart/2005/8/layout/cycle5"/>
+    <dgm:cxn modelId="{07CB60C8-AED8-1342-84C7-0DD3F2E91D46}" type="presOf" srcId="{BF357A4D-C9C4-3543-A251-0E61C8F5CE93}" destId="{95A5EC60-2131-AA4F-800C-EB8FF9E008CB}" srcOrd="0" destOrd="0" presId="urn:microsoft.com/office/officeart/2005/8/layout/cycle5"/>
+    <dgm:cxn modelId="{4EC65BCB-3798-494D-A90F-744FC049A980}" type="presOf" srcId="{70C40316-6D50-B241-9BAB-C69818FE4B23}" destId="{50E662BD-3895-F940-B38D-581FDEF297E8}" srcOrd="0" destOrd="0" presId="urn:microsoft.com/office/officeart/2005/8/layout/cycle5"/>
+    <dgm:cxn modelId="{C004AFE2-7962-054E-9D00-154482219391}" srcId="{54783485-8D67-3F43-8866-89FA45BEB7D5}" destId="{6410D17D-C93F-6B49-9C6B-50180A50B41E}" srcOrd="0" destOrd="0" parTransId="{01B56040-A2F2-0348-8882-B75664FEEB89}" sibTransId="{24B440EC-4B3A-4F48-B4D2-0D10632E0362}"/>
+    <dgm:cxn modelId="{99072DE7-9C6B-9B48-9B74-FC008E1FDD18}" srcId="{54783485-8D67-3F43-8866-89FA45BEB7D5}" destId="{70C40316-6D50-B241-9BAB-C69818FE4B23}" srcOrd="3" destOrd="0" parTransId="{70B48FDE-80A8-A847-9117-A7AFDF59F9FE}" sibTransId="{BF357A4D-C9C4-3543-A251-0E61C8F5CE93}"/>
+    <dgm:cxn modelId="{D743859D-ADA2-0C43-9299-CFA688791AD7}" type="presParOf" srcId="{C4B69988-CE74-1441-A399-8E0E565D7429}" destId="{35F4FE5F-5C67-B944-AF8F-F816220079CE}" srcOrd="0" destOrd="0" presId="urn:microsoft.com/office/officeart/2005/8/layout/cycle5"/>
+    <dgm:cxn modelId="{54C0E09A-F2A7-F347-B97F-EAD6371A2E02}" type="presParOf" srcId="{C4B69988-CE74-1441-A399-8E0E565D7429}" destId="{77CCFEA6-050D-7D42-A032-268AD6F5BC26}" srcOrd="1" destOrd="0" presId="urn:microsoft.com/office/officeart/2005/8/layout/cycle5"/>
+    <dgm:cxn modelId="{B7BE865F-E5A9-4847-AE14-F27E60F70218}" type="presParOf" srcId="{C4B69988-CE74-1441-A399-8E0E565D7429}" destId="{A75C855E-D826-9A4E-A7F9-393E9DA1624F}" srcOrd="2" destOrd="0" presId="urn:microsoft.com/office/officeart/2005/8/layout/cycle5"/>
+    <dgm:cxn modelId="{A9E999F1-B895-0F4A-826D-EBFF7D062B1E}" type="presParOf" srcId="{C4B69988-CE74-1441-A399-8E0E565D7429}" destId="{666B2BE9-F9AB-A543-A184-73B03E250FD3}" srcOrd="3" destOrd="0" presId="urn:microsoft.com/office/officeart/2005/8/layout/cycle5"/>
+    <dgm:cxn modelId="{1EDD7B56-E604-8E48-A750-543D1DB46E62}" type="presParOf" srcId="{C4B69988-CE74-1441-A399-8E0E565D7429}" destId="{BA334B72-1CC0-BA48-B83F-02711683C09A}" srcOrd="4" destOrd="0" presId="urn:microsoft.com/office/officeart/2005/8/layout/cycle5"/>
+    <dgm:cxn modelId="{1EDB6E5D-8CD1-394A-BC1A-4C4D5EE66214}" type="presParOf" srcId="{C4B69988-CE74-1441-A399-8E0E565D7429}" destId="{8E8255AD-704B-2147-8096-F199A1A4CBF2}" srcOrd="5" destOrd="0" presId="urn:microsoft.com/office/officeart/2005/8/layout/cycle5"/>
+    <dgm:cxn modelId="{80467CFA-AB36-5D4D-BC3B-EE0A50F90D63}" type="presParOf" srcId="{C4B69988-CE74-1441-A399-8E0E565D7429}" destId="{252599BB-B304-4048-AFC2-1A414F96006C}" srcOrd="6" destOrd="0" presId="urn:microsoft.com/office/officeart/2005/8/layout/cycle5"/>
+    <dgm:cxn modelId="{AB29AD26-9456-7646-B32E-94B0BC4B8D19}" type="presParOf" srcId="{C4B69988-CE74-1441-A399-8E0E565D7429}" destId="{FD5F4BF5-2767-7E45-BAED-B0BE2D4B1BD1}" srcOrd="7" destOrd="0" presId="urn:microsoft.com/office/officeart/2005/8/layout/cycle5"/>
+    <dgm:cxn modelId="{65B12488-CFDD-8047-8A41-A0BB34DA658D}" type="presParOf" srcId="{C4B69988-CE74-1441-A399-8E0E565D7429}" destId="{13392DFC-9C31-F14A-9E59-64D311E0539C}" srcOrd="8" destOrd="0" presId="urn:microsoft.com/office/officeart/2005/8/layout/cycle5"/>
+    <dgm:cxn modelId="{65945FDB-02D7-364B-BDA4-1C740437621F}" type="presParOf" srcId="{C4B69988-CE74-1441-A399-8E0E565D7429}" destId="{50E662BD-3895-F940-B38D-581FDEF297E8}" srcOrd="9" destOrd="0" presId="urn:microsoft.com/office/officeart/2005/8/layout/cycle5"/>
+    <dgm:cxn modelId="{CB9E8EDF-DF98-D44E-8A4C-A446A14C3657}" type="presParOf" srcId="{C4B69988-CE74-1441-A399-8E0E565D7429}" destId="{5790500D-019A-0947-84CE-5CA32D30C6E0}" srcOrd="10" destOrd="0" presId="urn:microsoft.com/office/officeart/2005/8/layout/cycle5"/>
+    <dgm:cxn modelId="{9FF8F7EF-EF9E-6149-9C8E-AA4A58FB10D6}" type="presParOf" srcId="{C4B69988-CE74-1441-A399-8E0E565D7429}" destId="{95A5EC60-2131-AA4F-800C-EB8FF9E008CB}" srcOrd="11" destOrd="0" presId="urn:microsoft.com/office/officeart/2005/8/layout/cycle5"/>
+  </dgm:cxnLst>
+  <dgm:bg/>
+  <dgm:whole/>
+  <dgm:extLst>
+    <a:ext uri="http://schemas.microsoft.com/office/drawing/2008/diagram">
+      <dsp:dataModelExt xmlns:dsp="http://schemas.microsoft.com/office/drawing/2008/diagram" relId="rId6" minVer="http://schemas.openxmlformats.org/drawingml/2006/diagram"/>
+    </a:ext>
+  </dgm:extLst>
+</dgm:dataModel>
+</file>
+
+<file path=ppt/diagrams/data3.xml><?xml version="1.0" encoding="utf-8"?>
+<dgm:dataModel xmlns:dgm="http://schemas.openxmlformats.org/drawingml/2006/diagram" xmlns:a="http://schemas.openxmlformats.org/drawingml/2006/main">
+  <dgm:ptLst>
     <dgm:pt modelId="{5A8DCB4C-E4F4-4FB2-AE63-35A37AE75995}" type="doc">
       <dgm:prSet loTypeId="urn:microsoft.com/office/officeart/2005/8/layout/vList2" loCatId="list" qsTypeId="urn:microsoft.com/office/officeart/2005/8/quickstyle/simple1" qsCatId="simple" csTypeId="urn:microsoft.com/office/officeart/2005/8/colors/accent1_2" csCatId="accent1" phldr="1"/>
       <dgm:spPr/>
@@ -3626,11 +4674,11 @@
 </dgm:dataModel>
 </file>
 
-<file path=ppt/diagrams/data3.xml><?xml version="1.0" encoding="utf-8"?>
+<file path=ppt/diagrams/data4.xml><?xml version="1.0" encoding="utf-8"?>
 <dgm:dataModel xmlns:dgm="http://schemas.openxmlformats.org/drawingml/2006/diagram" xmlns:a="http://schemas.openxmlformats.org/drawingml/2006/main">
   <dgm:ptLst>
     <dgm:pt modelId="{A530D81A-3E96-4A04-81F7-C957D13BFA10}" type="doc">
-      <dgm:prSet loTypeId="urn:microsoft.com/office/officeart/2005/8/layout/vList2" loCatId="list" qsTypeId="urn:microsoft.com/office/officeart/2005/8/quickstyle/simple1" qsCatId="simple" csTypeId="urn:microsoft.com/office/officeart/2005/8/colors/accent0_3" csCatId="mainScheme"/>
+      <dgm:prSet loTypeId="urn:microsoft.com/office/officeart/2008/layout/LinedList" loCatId="list" qsTypeId="urn:microsoft.com/office/officeart/2005/8/quickstyle/simple1" qsCatId="simple" csTypeId="urn:microsoft.com/office/officeart/2005/8/colors/colorful2" csCatId="colorful"/>
       <dgm:spPr/>
       <dgm:t>
         <a:bodyPr/>
@@ -3748,64 +4796,85 @@
         </a:p>
       </dgm:t>
     </dgm:pt>
-    <dgm:pt modelId="{1072EEA6-99B6-46CE-8AAC-9533347F8185}" type="pres">
-      <dgm:prSet presAssocID="{A530D81A-3E96-4A04-81F7-C957D13BFA10}" presName="linear" presStyleCnt="0">
+    <dgm:pt modelId="{2C49DE92-DF47-F84C-9640-55CE0DD622A2}" type="pres">
+      <dgm:prSet presAssocID="{A530D81A-3E96-4A04-81F7-C957D13BFA10}" presName="vert0" presStyleCnt="0">
         <dgm:presLayoutVars>
+          <dgm:dir/>
+          <dgm:animOne val="branch"/>
           <dgm:animLvl val="lvl"/>
-          <dgm:resizeHandles val="exact"/>
         </dgm:presLayoutVars>
       </dgm:prSet>
       <dgm:spPr/>
     </dgm:pt>
-    <dgm:pt modelId="{0CF0B9FB-4633-4721-874C-E6444CF86EBE}" type="pres">
-      <dgm:prSet presAssocID="{42AB79FB-9BF9-4F5F-B05D-3AAE9C4DEA15}" presName="parentText" presStyleLbl="node1" presStyleIdx="0" presStyleCnt="3">
-        <dgm:presLayoutVars>
-          <dgm:chMax val="0"/>
-          <dgm:bulletEnabled val="1"/>
-        </dgm:presLayoutVars>
-      </dgm:prSet>
+    <dgm:pt modelId="{5DAE822F-8FD6-0F4D-B962-3CBFF197E9B2}" type="pres">
+      <dgm:prSet presAssocID="{42AB79FB-9BF9-4F5F-B05D-3AAE9C4DEA15}" presName="thickLine" presStyleLbl="alignNode1" presStyleIdx="0" presStyleCnt="3"/>
       <dgm:spPr/>
     </dgm:pt>
-    <dgm:pt modelId="{A8BAFF8C-B652-4B6F-8934-7886520B2F43}" type="pres">
-      <dgm:prSet presAssocID="{8A66C6B2-82FF-451C-8A66-2640C6758F42}" presName="spacer" presStyleCnt="0"/>
+    <dgm:pt modelId="{B1EC866D-7533-AE42-8C40-BED8F846D74F}" type="pres">
+      <dgm:prSet presAssocID="{42AB79FB-9BF9-4F5F-B05D-3AAE9C4DEA15}" presName="horz1" presStyleCnt="0"/>
       <dgm:spPr/>
     </dgm:pt>
-    <dgm:pt modelId="{C1638391-B8F9-4627-818B-7E0085040402}" type="pres">
-      <dgm:prSet presAssocID="{98852221-D8CA-491D-B0A0-1C0A5817CCD3}" presName="parentText" presStyleLbl="node1" presStyleIdx="1" presStyleCnt="3">
-        <dgm:presLayoutVars>
-          <dgm:chMax val="0"/>
-          <dgm:bulletEnabled val="1"/>
-        </dgm:presLayoutVars>
-      </dgm:prSet>
+    <dgm:pt modelId="{F02DCB02-834F-B94E-9100-591AB28D71BA}" type="pres">
+      <dgm:prSet presAssocID="{42AB79FB-9BF9-4F5F-B05D-3AAE9C4DEA15}" presName="tx1" presStyleLbl="revTx" presStyleIdx="0" presStyleCnt="3"/>
       <dgm:spPr/>
     </dgm:pt>
-    <dgm:pt modelId="{4E113DBC-82A7-41CB-BA27-0984DC8E29C9}" type="pres">
-      <dgm:prSet presAssocID="{08EA1DD1-C2BB-4432-9AD8-AF3F5825BB95}" presName="spacer" presStyleCnt="0"/>
+    <dgm:pt modelId="{DC3E589B-E91D-6C43-B241-79589A67A5BA}" type="pres">
+      <dgm:prSet presAssocID="{42AB79FB-9BF9-4F5F-B05D-3AAE9C4DEA15}" presName="vert1" presStyleCnt="0"/>
       <dgm:spPr/>
     </dgm:pt>
-    <dgm:pt modelId="{45539A63-D975-4ABC-B76C-CD3EBB3227FB}" type="pres">
-      <dgm:prSet presAssocID="{206917A3-4084-447A-9B66-1BE634C9AA78}" presName="parentText" presStyleLbl="node1" presStyleIdx="2" presStyleCnt="3">
-        <dgm:presLayoutVars>
-          <dgm:chMax val="0"/>
-          <dgm:bulletEnabled val="1"/>
-        </dgm:presLayoutVars>
-      </dgm:prSet>
+    <dgm:pt modelId="{A77C3936-5F6E-5D4E-B3CC-1A9860C60586}" type="pres">
+      <dgm:prSet presAssocID="{98852221-D8CA-491D-B0A0-1C0A5817CCD3}" presName="thickLine" presStyleLbl="alignNode1" presStyleIdx="1" presStyleCnt="3"/>
+      <dgm:spPr/>
+    </dgm:pt>
+    <dgm:pt modelId="{3C923515-68C0-D24E-8271-9F8A39CD6214}" type="pres">
+      <dgm:prSet presAssocID="{98852221-D8CA-491D-B0A0-1C0A5817CCD3}" presName="horz1" presStyleCnt="0"/>
+      <dgm:spPr/>
+    </dgm:pt>
+    <dgm:pt modelId="{7BFB0C16-7008-E949-BD82-4517CFC8C8CF}" type="pres">
+      <dgm:prSet presAssocID="{98852221-D8CA-491D-B0A0-1C0A5817CCD3}" presName="tx1" presStyleLbl="revTx" presStyleIdx="1" presStyleCnt="3"/>
+      <dgm:spPr/>
+    </dgm:pt>
+    <dgm:pt modelId="{2061262C-C88F-7646-A7E0-C7FC1554C3CD}" type="pres">
+      <dgm:prSet presAssocID="{98852221-D8CA-491D-B0A0-1C0A5817CCD3}" presName="vert1" presStyleCnt="0"/>
+      <dgm:spPr/>
+    </dgm:pt>
+    <dgm:pt modelId="{3DBB3C0B-5099-ED4F-AE04-3A208E7237E6}" type="pres">
+      <dgm:prSet presAssocID="{206917A3-4084-447A-9B66-1BE634C9AA78}" presName="thickLine" presStyleLbl="alignNode1" presStyleIdx="2" presStyleCnt="3"/>
+      <dgm:spPr/>
+    </dgm:pt>
+    <dgm:pt modelId="{DC66BDB4-7C75-DE48-A1AA-4E820338D59A}" type="pres">
+      <dgm:prSet presAssocID="{206917A3-4084-447A-9B66-1BE634C9AA78}" presName="horz1" presStyleCnt="0"/>
+      <dgm:spPr/>
+    </dgm:pt>
+    <dgm:pt modelId="{42EF9795-82DB-2848-ADE6-B11C564EA755}" type="pres">
+      <dgm:prSet presAssocID="{206917A3-4084-447A-9B66-1BE634C9AA78}" presName="tx1" presStyleLbl="revTx" presStyleIdx="2" presStyleCnt="3"/>
+      <dgm:spPr/>
+    </dgm:pt>
+    <dgm:pt modelId="{620CA740-A0EA-E84D-81B8-A20716F2F543}" type="pres">
+      <dgm:prSet presAssocID="{206917A3-4084-447A-9B66-1BE634C9AA78}" presName="vert1" presStyleCnt="0"/>
       <dgm:spPr/>
     </dgm:pt>
   </dgm:ptLst>
   <dgm:cxnLst>
-    <dgm:cxn modelId="{13DF6193-6047-4D1C-B900-98297A7B644F}" type="presOf" srcId="{A530D81A-3E96-4A04-81F7-C957D13BFA10}" destId="{1072EEA6-99B6-46CE-8AAC-9533347F8185}" srcOrd="0" destOrd="0" presId="urn:microsoft.com/office/officeart/2005/8/layout/vList2"/>
+    <dgm:cxn modelId="{EBA41D6A-87AE-3240-8CF9-3F81C9AD3ACA}" type="presOf" srcId="{A530D81A-3E96-4A04-81F7-C957D13BFA10}" destId="{2C49DE92-DF47-F84C-9640-55CE0DD622A2}" srcOrd="0" destOrd="0" presId="urn:microsoft.com/office/officeart/2008/layout/LinedList"/>
+    <dgm:cxn modelId="{BFEE5371-BFF4-8546-B72C-10E2661F15CA}" type="presOf" srcId="{42AB79FB-9BF9-4F5F-B05D-3AAE9C4DEA15}" destId="{F02DCB02-834F-B94E-9100-591AB28D71BA}" srcOrd="0" destOrd="0" presId="urn:microsoft.com/office/officeart/2008/layout/LinedList"/>
+    <dgm:cxn modelId="{8FBB2E88-B3B3-8E43-B2D8-EB8C83DF1088}" type="presOf" srcId="{98852221-D8CA-491D-B0A0-1C0A5817CCD3}" destId="{7BFB0C16-7008-E949-BD82-4517CFC8C8CF}" srcOrd="0" destOrd="0" presId="urn:microsoft.com/office/officeart/2008/layout/LinedList"/>
     <dgm:cxn modelId="{9741DD93-908E-4CDD-811F-3689A606E872}" srcId="{A530D81A-3E96-4A04-81F7-C957D13BFA10}" destId="{206917A3-4084-447A-9B66-1BE634C9AA78}" srcOrd="2" destOrd="0" parTransId="{B73F4962-C62E-4256-961C-125CA965D8D6}" sibTransId="{6936489E-3056-4408-802B-8B64D2331B68}"/>
-    <dgm:cxn modelId="{C42154A8-05F0-47C6-B8DE-83A3704EC467}" type="presOf" srcId="{98852221-D8CA-491D-B0A0-1C0A5817CCD3}" destId="{C1638391-B8F9-4627-818B-7E0085040402}" srcOrd="0" destOrd="0" presId="urn:microsoft.com/office/officeart/2005/8/layout/vList2"/>
+    <dgm:cxn modelId="{2EEC6DA0-80E4-1345-BFCB-19B94DEC9F98}" type="presOf" srcId="{206917A3-4084-447A-9B66-1BE634C9AA78}" destId="{42EF9795-82DB-2848-ADE6-B11C564EA755}" srcOrd="0" destOrd="0" presId="urn:microsoft.com/office/officeart/2008/layout/LinedList"/>
     <dgm:cxn modelId="{E2CBE7AF-7564-4878-99D3-799BD8DB2B97}" srcId="{A530D81A-3E96-4A04-81F7-C957D13BFA10}" destId="{98852221-D8CA-491D-B0A0-1C0A5817CCD3}" srcOrd="1" destOrd="0" parTransId="{F244F998-2D22-4A59-AAA9-463B75F5993D}" sibTransId="{08EA1DD1-C2BB-4432-9AD8-AF3F5825BB95}"/>
-    <dgm:cxn modelId="{42851BB6-04C4-453C-A924-ADF1CA767595}" type="presOf" srcId="{42AB79FB-9BF9-4F5F-B05D-3AAE9C4DEA15}" destId="{0CF0B9FB-4633-4721-874C-E6444CF86EBE}" srcOrd="0" destOrd="0" presId="urn:microsoft.com/office/officeart/2005/8/layout/vList2"/>
     <dgm:cxn modelId="{9EBB5BCF-684C-463C-85BD-DC2ECE7E5F9F}" srcId="{A530D81A-3E96-4A04-81F7-C957D13BFA10}" destId="{42AB79FB-9BF9-4F5F-B05D-3AAE9C4DEA15}" srcOrd="0" destOrd="0" parTransId="{CBF1277C-5234-4FC2-AA2D-B335F8521E82}" sibTransId="{8A66C6B2-82FF-451C-8A66-2640C6758F42}"/>
-    <dgm:cxn modelId="{940C99F8-6229-4EE1-8176-689B4A03FFF2}" type="presOf" srcId="{206917A3-4084-447A-9B66-1BE634C9AA78}" destId="{45539A63-D975-4ABC-B76C-CD3EBB3227FB}" srcOrd="0" destOrd="0" presId="urn:microsoft.com/office/officeart/2005/8/layout/vList2"/>
-    <dgm:cxn modelId="{85741A1E-3864-429B-BFE3-A67289FED6FF}" type="presParOf" srcId="{1072EEA6-99B6-46CE-8AAC-9533347F8185}" destId="{0CF0B9FB-4633-4721-874C-E6444CF86EBE}" srcOrd="0" destOrd="0" presId="urn:microsoft.com/office/officeart/2005/8/layout/vList2"/>
-    <dgm:cxn modelId="{5F90269A-226E-4F52-94A9-9D2148A5668F}" type="presParOf" srcId="{1072EEA6-99B6-46CE-8AAC-9533347F8185}" destId="{A8BAFF8C-B652-4B6F-8934-7886520B2F43}" srcOrd="1" destOrd="0" presId="urn:microsoft.com/office/officeart/2005/8/layout/vList2"/>
-    <dgm:cxn modelId="{5F263C42-A58B-4032-923F-BC9E29A571B8}" type="presParOf" srcId="{1072EEA6-99B6-46CE-8AAC-9533347F8185}" destId="{C1638391-B8F9-4627-818B-7E0085040402}" srcOrd="2" destOrd="0" presId="urn:microsoft.com/office/officeart/2005/8/layout/vList2"/>
-    <dgm:cxn modelId="{7BB3D842-7A24-4AD4-B31F-B5B4400CDDF8}" type="presParOf" srcId="{1072EEA6-99B6-46CE-8AAC-9533347F8185}" destId="{4E113DBC-82A7-41CB-BA27-0984DC8E29C9}" srcOrd="3" destOrd="0" presId="urn:microsoft.com/office/officeart/2005/8/layout/vList2"/>
-    <dgm:cxn modelId="{BD0100A7-A064-456A-9588-0409827CA4C2}" type="presParOf" srcId="{1072EEA6-99B6-46CE-8AAC-9533347F8185}" destId="{45539A63-D975-4ABC-B76C-CD3EBB3227FB}" srcOrd="4" destOrd="0" presId="urn:microsoft.com/office/officeart/2005/8/layout/vList2"/>
+    <dgm:cxn modelId="{859DA669-8C6E-0F41-83A3-D6D8F424B12E}" type="presParOf" srcId="{2C49DE92-DF47-F84C-9640-55CE0DD622A2}" destId="{5DAE822F-8FD6-0F4D-B962-3CBFF197E9B2}" srcOrd="0" destOrd="0" presId="urn:microsoft.com/office/officeart/2008/layout/LinedList"/>
+    <dgm:cxn modelId="{E200D320-5BCD-F649-9FF6-A14EDC762229}" type="presParOf" srcId="{2C49DE92-DF47-F84C-9640-55CE0DD622A2}" destId="{B1EC866D-7533-AE42-8C40-BED8F846D74F}" srcOrd="1" destOrd="0" presId="urn:microsoft.com/office/officeart/2008/layout/LinedList"/>
+    <dgm:cxn modelId="{FABF5D4E-8E82-6D40-BC27-4AE1E22D5553}" type="presParOf" srcId="{B1EC866D-7533-AE42-8C40-BED8F846D74F}" destId="{F02DCB02-834F-B94E-9100-591AB28D71BA}" srcOrd="0" destOrd="0" presId="urn:microsoft.com/office/officeart/2008/layout/LinedList"/>
+    <dgm:cxn modelId="{A2B0EECB-D41C-9F4A-83DB-9DF7CB48AA05}" type="presParOf" srcId="{B1EC866D-7533-AE42-8C40-BED8F846D74F}" destId="{DC3E589B-E91D-6C43-B241-79589A67A5BA}" srcOrd="1" destOrd="0" presId="urn:microsoft.com/office/officeart/2008/layout/LinedList"/>
+    <dgm:cxn modelId="{9BCCC14C-E842-A642-84E3-861B4C9F813A}" type="presParOf" srcId="{2C49DE92-DF47-F84C-9640-55CE0DD622A2}" destId="{A77C3936-5F6E-5D4E-B3CC-1A9860C60586}" srcOrd="2" destOrd="0" presId="urn:microsoft.com/office/officeart/2008/layout/LinedList"/>
+    <dgm:cxn modelId="{F8FF0351-CC3A-3642-A60C-6A2CB65A509F}" type="presParOf" srcId="{2C49DE92-DF47-F84C-9640-55CE0DD622A2}" destId="{3C923515-68C0-D24E-8271-9F8A39CD6214}" srcOrd="3" destOrd="0" presId="urn:microsoft.com/office/officeart/2008/layout/LinedList"/>
+    <dgm:cxn modelId="{97B8B8CD-CA1C-5E4A-9FA2-DD13066FF202}" type="presParOf" srcId="{3C923515-68C0-D24E-8271-9F8A39CD6214}" destId="{7BFB0C16-7008-E949-BD82-4517CFC8C8CF}" srcOrd="0" destOrd="0" presId="urn:microsoft.com/office/officeart/2008/layout/LinedList"/>
+    <dgm:cxn modelId="{BCC23430-7EFC-BB43-BB01-80FA179BABA7}" type="presParOf" srcId="{3C923515-68C0-D24E-8271-9F8A39CD6214}" destId="{2061262C-C88F-7646-A7E0-C7FC1554C3CD}" srcOrd="1" destOrd="0" presId="urn:microsoft.com/office/officeart/2008/layout/LinedList"/>
+    <dgm:cxn modelId="{41BDC155-BA18-1548-9A56-B9F7E38ED388}" type="presParOf" srcId="{2C49DE92-DF47-F84C-9640-55CE0DD622A2}" destId="{3DBB3C0B-5099-ED4F-AE04-3A208E7237E6}" srcOrd="4" destOrd="0" presId="urn:microsoft.com/office/officeart/2008/layout/LinedList"/>
+    <dgm:cxn modelId="{4E0ACAD3-04A0-5B48-8638-5861A35317A5}" type="presParOf" srcId="{2C49DE92-DF47-F84C-9640-55CE0DD622A2}" destId="{DC66BDB4-7C75-DE48-A1AA-4E820338D59A}" srcOrd="5" destOrd="0" presId="urn:microsoft.com/office/officeart/2008/layout/LinedList"/>
+    <dgm:cxn modelId="{714F76D6-22F0-814D-8F89-7ACFB4711204}" type="presParOf" srcId="{DC66BDB4-7C75-DE48-A1AA-4E820338D59A}" destId="{42EF9795-82DB-2848-ADE6-B11C564EA755}" srcOrd="0" destOrd="0" presId="urn:microsoft.com/office/officeart/2008/layout/LinedList"/>
+    <dgm:cxn modelId="{BB771028-F8DC-054B-BEC0-3E69B0A8F27B}" type="presParOf" srcId="{DC66BDB4-7C75-DE48-A1AA-4E820338D59A}" destId="{620CA740-A0EA-E84D-81B8-A20716F2F543}" srcOrd="1" destOrd="0" presId="urn:microsoft.com/office/officeart/2008/layout/LinedList"/>
   </dgm:cxnLst>
   <dgm:bg/>
   <dgm:whole/>
@@ -3817,11 +4886,11 @@
 </dgm:dataModel>
 </file>
 
-<file path=ppt/diagrams/data4.xml><?xml version="1.0" encoding="utf-8"?>
+<file path=ppt/diagrams/data5.xml><?xml version="1.0" encoding="utf-8"?>
 <dgm:dataModel xmlns:dgm="http://schemas.openxmlformats.org/drawingml/2006/diagram" xmlns:a="http://schemas.openxmlformats.org/drawingml/2006/main">
   <dgm:ptLst>
     <dgm:pt modelId="{A530D81A-3E96-4A04-81F7-C957D13BFA10}" type="doc">
-      <dgm:prSet loTypeId="urn:microsoft.com/office/officeart/2005/8/layout/vList2" loCatId="list" qsTypeId="urn:microsoft.com/office/officeart/2005/8/quickstyle/simple1" qsCatId="simple" csTypeId="urn:microsoft.com/office/officeart/2005/8/colors/accent0_3" csCatId="mainScheme" phldr="1"/>
+      <dgm:prSet loTypeId="urn:microsoft.com/office/officeart/2008/layout/LinedList" loCatId="" qsTypeId="urn:microsoft.com/office/officeart/2005/8/quickstyle/simple1" qsCatId="simple" csTypeId="urn:microsoft.com/office/officeart/2005/8/colors/accent0_3" csCatId="mainScheme" phldr="1"/>
       <dgm:spPr/>
       <dgm:t>
         <a:bodyPr/>
@@ -3876,7 +4945,7 @@
         <a:p>
           <a:r>
             <a:rPr lang="en-US" dirty="0"/>
-            <a:t>Go’s is a very good language for implementation of genetic algorithms due to its memory efficiency, concurrency model and developer productivity</a:t>
+            <a:t>Go is a very good language for implementation of genetic algorithms due to its memory efficiency, concurrency model and developer productivity</a:t>
           </a:r>
         </a:p>
       </dgm:t>
@@ -3903,47 +4972,63 @@
         </a:p>
       </dgm:t>
     </dgm:pt>
-    <dgm:pt modelId="{1072EEA6-99B6-46CE-8AAC-9533347F8185}" type="pres">
-      <dgm:prSet presAssocID="{A530D81A-3E96-4A04-81F7-C957D13BFA10}" presName="linear" presStyleCnt="0">
+    <dgm:pt modelId="{9298EEF1-3A41-004E-A105-DC8FA0AE2695}" type="pres">
+      <dgm:prSet presAssocID="{A530D81A-3E96-4A04-81F7-C957D13BFA10}" presName="vert0" presStyleCnt="0">
         <dgm:presLayoutVars>
+          <dgm:dir/>
+          <dgm:animOne val="branch"/>
           <dgm:animLvl val="lvl"/>
-          <dgm:resizeHandles val="exact"/>
         </dgm:presLayoutVars>
       </dgm:prSet>
       <dgm:spPr/>
     </dgm:pt>
-    <dgm:pt modelId="{0CF0B9FB-4633-4721-874C-E6444CF86EBE}" type="pres">
-      <dgm:prSet presAssocID="{42AB79FB-9BF9-4F5F-B05D-3AAE9C4DEA15}" presName="parentText" presStyleLbl="node1" presStyleIdx="0" presStyleCnt="2">
-        <dgm:presLayoutVars>
-          <dgm:chMax val="0"/>
-          <dgm:bulletEnabled val="1"/>
-        </dgm:presLayoutVars>
-      </dgm:prSet>
+    <dgm:pt modelId="{F094E928-1B78-BA4E-81E5-08CA7F47E466}" type="pres">
+      <dgm:prSet presAssocID="{42AB79FB-9BF9-4F5F-B05D-3AAE9C4DEA15}" presName="thickLine" presStyleLbl="alignNode1" presStyleIdx="0" presStyleCnt="2"/>
       <dgm:spPr/>
     </dgm:pt>
-    <dgm:pt modelId="{A8BAFF8C-B652-4B6F-8934-7886520B2F43}" type="pres">
-      <dgm:prSet presAssocID="{8A66C6B2-82FF-451C-8A66-2640C6758F42}" presName="spacer" presStyleCnt="0"/>
+    <dgm:pt modelId="{527E4E24-28E5-F84E-ADC2-54060645C652}" type="pres">
+      <dgm:prSet presAssocID="{42AB79FB-9BF9-4F5F-B05D-3AAE9C4DEA15}" presName="horz1" presStyleCnt="0"/>
       <dgm:spPr/>
     </dgm:pt>
-    <dgm:pt modelId="{C1638391-B8F9-4627-818B-7E0085040402}" type="pres">
-      <dgm:prSet presAssocID="{98852221-D8CA-491D-B0A0-1C0A5817CCD3}" presName="parentText" presStyleLbl="node1" presStyleIdx="1" presStyleCnt="2">
-        <dgm:presLayoutVars>
-          <dgm:chMax val="0"/>
-          <dgm:bulletEnabled val="1"/>
-        </dgm:presLayoutVars>
-      </dgm:prSet>
+    <dgm:pt modelId="{8B2D0A58-61AE-FE46-B74E-97EB4BC7C947}" type="pres">
+      <dgm:prSet presAssocID="{42AB79FB-9BF9-4F5F-B05D-3AAE9C4DEA15}" presName="tx1" presStyleLbl="revTx" presStyleIdx="0" presStyleCnt="2"/>
+      <dgm:spPr/>
+    </dgm:pt>
+    <dgm:pt modelId="{1B3F0286-626C-2945-8BBB-DDBDCD4F7811}" type="pres">
+      <dgm:prSet presAssocID="{42AB79FB-9BF9-4F5F-B05D-3AAE9C4DEA15}" presName="vert1" presStyleCnt="0"/>
+      <dgm:spPr/>
+    </dgm:pt>
+    <dgm:pt modelId="{5A78FDFA-3AFC-2A42-9905-D5077C5332DD}" type="pres">
+      <dgm:prSet presAssocID="{98852221-D8CA-491D-B0A0-1C0A5817CCD3}" presName="thickLine" presStyleLbl="alignNode1" presStyleIdx="1" presStyleCnt="2"/>
+      <dgm:spPr/>
+    </dgm:pt>
+    <dgm:pt modelId="{76723D10-8898-6642-B590-7466BA2353D3}" type="pres">
+      <dgm:prSet presAssocID="{98852221-D8CA-491D-B0A0-1C0A5817CCD3}" presName="horz1" presStyleCnt="0"/>
+      <dgm:spPr/>
+    </dgm:pt>
+    <dgm:pt modelId="{32596F75-0F88-8D4E-AC28-AAC203959EBC}" type="pres">
+      <dgm:prSet presAssocID="{98852221-D8CA-491D-B0A0-1C0A5817CCD3}" presName="tx1" presStyleLbl="revTx" presStyleIdx="1" presStyleCnt="2"/>
+      <dgm:spPr/>
+    </dgm:pt>
+    <dgm:pt modelId="{5376839C-2F6D-BB42-9D96-C360164B9773}" type="pres">
+      <dgm:prSet presAssocID="{98852221-D8CA-491D-B0A0-1C0A5817CCD3}" presName="vert1" presStyleCnt="0"/>
       <dgm:spPr/>
     </dgm:pt>
   </dgm:ptLst>
   <dgm:cxnLst>
-    <dgm:cxn modelId="{13DF6193-6047-4D1C-B900-98297A7B644F}" type="presOf" srcId="{A530D81A-3E96-4A04-81F7-C957D13BFA10}" destId="{1072EEA6-99B6-46CE-8AAC-9533347F8185}" srcOrd="0" destOrd="0" presId="urn:microsoft.com/office/officeart/2005/8/layout/vList2"/>
-    <dgm:cxn modelId="{C42154A8-05F0-47C6-B8DE-83A3704EC467}" type="presOf" srcId="{98852221-D8CA-491D-B0A0-1C0A5817CCD3}" destId="{C1638391-B8F9-4627-818B-7E0085040402}" srcOrd="0" destOrd="0" presId="urn:microsoft.com/office/officeart/2005/8/layout/vList2"/>
+    <dgm:cxn modelId="{2FC14945-26DB-FB4C-B677-0252F301935F}" type="presOf" srcId="{42AB79FB-9BF9-4F5F-B05D-3AAE9C4DEA15}" destId="{8B2D0A58-61AE-FE46-B74E-97EB4BC7C947}" srcOrd="0" destOrd="0" presId="urn:microsoft.com/office/officeart/2008/layout/LinedList"/>
+    <dgm:cxn modelId="{0B92A360-BA2B-A54E-9169-1985E2308BAD}" type="presOf" srcId="{98852221-D8CA-491D-B0A0-1C0A5817CCD3}" destId="{32596F75-0F88-8D4E-AC28-AAC203959EBC}" srcOrd="0" destOrd="0" presId="urn:microsoft.com/office/officeart/2008/layout/LinedList"/>
+    <dgm:cxn modelId="{91C16873-CEC8-1F49-A0B3-D10275C4C5D0}" type="presOf" srcId="{A530D81A-3E96-4A04-81F7-C957D13BFA10}" destId="{9298EEF1-3A41-004E-A105-DC8FA0AE2695}" srcOrd="0" destOrd="0" presId="urn:microsoft.com/office/officeart/2008/layout/LinedList"/>
     <dgm:cxn modelId="{E2CBE7AF-7564-4878-99D3-799BD8DB2B97}" srcId="{A530D81A-3E96-4A04-81F7-C957D13BFA10}" destId="{98852221-D8CA-491D-B0A0-1C0A5817CCD3}" srcOrd="1" destOrd="0" parTransId="{F244F998-2D22-4A59-AAA9-463B75F5993D}" sibTransId="{08EA1DD1-C2BB-4432-9AD8-AF3F5825BB95}"/>
-    <dgm:cxn modelId="{42851BB6-04C4-453C-A924-ADF1CA767595}" type="presOf" srcId="{42AB79FB-9BF9-4F5F-B05D-3AAE9C4DEA15}" destId="{0CF0B9FB-4633-4721-874C-E6444CF86EBE}" srcOrd="0" destOrd="0" presId="urn:microsoft.com/office/officeart/2005/8/layout/vList2"/>
     <dgm:cxn modelId="{9EBB5BCF-684C-463C-85BD-DC2ECE7E5F9F}" srcId="{A530D81A-3E96-4A04-81F7-C957D13BFA10}" destId="{42AB79FB-9BF9-4F5F-B05D-3AAE9C4DEA15}" srcOrd="0" destOrd="0" parTransId="{CBF1277C-5234-4FC2-AA2D-B335F8521E82}" sibTransId="{8A66C6B2-82FF-451C-8A66-2640C6758F42}"/>
-    <dgm:cxn modelId="{85741A1E-3864-429B-BFE3-A67289FED6FF}" type="presParOf" srcId="{1072EEA6-99B6-46CE-8AAC-9533347F8185}" destId="{0CF0B9FB-4633-4721-874C-E6444CF86EBE}" srcOrd="0" destOrd="0" presId="urn:microsoft.com/office/officeart/2005/8/layout/vList2"/>
-    <dgm:cxn modelId="{5F90269A-226E-4F52-94A9-9D2148A5668F}" type="presParOf" srcId="{1072EEA6-99B6-46CE-8AAC-9533347F8185}" destId="{A8BAFF8C-B652-4B6F-8934-7886520B2F43}" srcOrd="1" destOrd="0" presId="urn:microsoft.com/office/officeart/2005/8/layout/vList2"/>
-    <dgm:cxn modelId="{5F263C42-A58B-4032-923F-BC9E29A571B8}" type="presParOf" srcId="{1072EEA6-99B6-46CE-8AAC-9533347F8185}" destId="{C1638391-B8F9-4627-818B-7E0085040402}" srcOrd="2" destOrd="0" presId="urn:microsoft.com/office/officeart/2005/8/layout/vList2"/>
+    <dgm:cxn modelId="{C3C696F4-1320-904F-A864-F6F33E87EFEF}" type="presParOf" srcId="{9298EEF1-3A41-004E-A105-DC8FA0AE2695}" destId="{F094E928-1B78-BA4E-81E5-08CA7F47E466}" srcOrd="0" destOrd="0" presId="urn:microsoft.com/office/officeart/2008/layout/LinedList"/>
+    <dgm:cxn modelId="{376F85FD-F6C9-CD4A-9139-F81D5EBE623C}" type="presParOf" srcId="{9298EEF1-3A41-004E-A105-DC8FA0AE2695}" destId="{527E4E24-28E5-F84E-ADC2-54060645C652}" srcOrd="1" destOrd="0" presId="urn:microsoft.com/office/officeart/2008/layout/LinedList"/>
+    <dgm:cxn modelId="{670D0DC8-0F2C-2347-A311-662331C3B080}" type="presParOf" srcId="{527E4E24-28E5-F84E-ADC2-54060645C652}" destId="{8B2D0A58-61AE-FE46-B74E-97EB4BC7C947}" srcOrd="0" destOrd="0" presId="urn:microsoft.com/office/officeart/2008/layout/LinedList"/>
+    <dgm:cxn modelId="{3B49F802-18A4-AD41-9D65-85F6835772AD}" type="presParOf" srcId="{527E4E24-28E5-F84E-ADC2-54060645C652}" destId="{1B3F0286-626C-2945-8BBB-DDBDCD4F7811}" srcOrd="1" destOrd="0" presId="urn:microsoft.com/office/officeart/2008/layout/LinedList"/>
+    <dgm:cxn modelId="{248E71D2-E749-8B4E-9A23-88DD72838C48}" type="presParOf" srcId="{9298EEF1-3A41-004E-A105-DC8FA0AE2695}" destId="{5A78FDFA-3AFC-2A42-9905-D5077C5332DD}" srcOrd="2" destOrd="0" presId="urn:microsoft.com/office/officeart/2008/layout/LinedList"/>
+    <dgm:cxn modelId="{83888C59-B7E0-FC4B-868D-D69659983B13}" type="presParOf" srcId="{9298EEF1-3A41-004E-A105-DC8FA0AE2695}" destId="{76723D10-8898-6642-B590-7466BA2353D3}" srcOrd="3" destOrd="0" presId="urn:microsoft.com/office/officeart/2008/layout/LinedList"/>
+    <dgm:cxn modelId="{3C99EE93-5BB2-B942-97EB-8178AB52F25C}" type="presParOf" srcId="{76723D10-8898-6642-B590-7466BA2353D3}" destId="{32596F75-0F88-8D4E-AC28-AAC203959EBC}" srcOrd="0" destOrd="0" presId="urn:microsoft.com/office/officeart/2008/layout/LinedList"/>
+    <dgm:cxn modelId="{5287AA38-1C0B-F049-8C91-311F6D96C7BB}" type="presParOf" srcId="{76723D10-8898-6642-B590-7466BA2353D3}" destId="{5376839C-2F6D-BB42-9D96-C360164B9773}" srcOrd="1" destOrd="0" presId="urn:microsoft.com/office/officeart/2008/layout/LinedList"/>
   </dgm:cxnLst>
   <dgm:bg/>
   <dgm:whole/>
@@ -4412,33 +5497,21 @@
       <dsp:cNvGrpSpPr/>
     </dsp:nvGrpSpPr>
     <dsp:grpSpPr/>
-  </dsp:spTree>
-</dsp:drawing>
-</file>
-
-<file path=ppt/diagrams/drawing3.xml><?xml version="1.0" encoding="utf-8"?>
-<dsp:drawing xmlns:dgm="http://schemas.openxmlformats.org/drawingml/2006/diagram" xmlns:dsp="http://schemas.microsoft.com/office/drawing/2008/diagram" xmlns:a="http://schemas.openxmlformats.org/drawingml/2006/main">
-  <dsp:spTree>
-    <dsp:nvGrpSpPr>
-      <dsp:cNvPr id="0" name=""/>
-      <dsp:cNvGrpSpPr/>
-    </dsp:nvGrpSpPr>
-    <dsp:grpSpPr/>
-    <dsp:sp modelId="{0CF0B9FB-4633-4721-874C-E6444CF86EBE}">
+    <dsp:sp modelId="{35F4FE5F-5C67-B944-AF8F-F816220079CE}">
       <dsp:nvSpPr>
         <dsp:cNvPr id="0" name=""/>
         <dsp:cNvSpPr/>
       </dsp:nvSpPr>
       <dsp:spPr>
         <a:xfrm>
-          <a:off x="0" y="54655"/>
-          <a:ext cx="5641974" cy="1523340"/>
+          <a:off x="4141078" y="1098"/>
+          <a:ext cx="1438105" cy="934768"/>
         </a:xfrm>
         <a:prstGeom prst="roundRect">
           <a:avLst/>
         </a:prstGeom>
         <a:solidFill>
-          <a:schemeClr val="dk2">
+          <a:schemeClr val="accent1">
             <a:hueOff val="0"/>
             <a:satOff val="0"/>
             <a:lumOff val="0"/>
@@ -4447,7 +5520,7 @@
         </a:solidFill>
         <a:ln w="15875" cap="flat" cmpd="sng" algn="ctr">
           <a:solidFill>
-            <a:schemeClr val="lt2">
+            <a:schemeClr val="lt1">
               <a:hueOff val="0"/>
               <a:satOff val="0"/>
               <a:lumOff val="0"/>
@@ -4473,12 +5546,12 @@
         </a:fontRef>
       </dsp:style>
       <dsp:txBody>
-        <a:bodyPr spcFirstLastPara="0" vert="horz" wrap="square" lIns="160020" tIns="160020" rIns="160020" bIns="160020" numCol="1" spcCol="1270" anchor="ctr" anchorCtr="0">
+        <a:bodyPr spcFirstLastPara="0" vert="horz" wrap="square" lIns="83820" tIns="83820" rIns="83820" bIns="83820" numCol="1" spcCol="1270" anchor="ctr" anchorCtr="0">
           <a:noAutofit/>
         </a:bodyPr>
         <a:lstStyle/>
         <a:p>
-          <a:pPr marL="0" lvl="0" indent="0" algn="l" defTabSz="1866900">
+          <a:pPr marL="0" lvl="0" indent="0" algn="ctr" defTabSz="977900">
             <a:lnSpc>
               <a:spcPct val="90000"/>
             </a:lnSpc>
@@ -4491,31 +5564,84 @@
             <a:buNone/>
           </a:pPr>
           <a:r>
-            <a:rPr lang="en-US" sz="4200" kern="1200"/>
-            <a:t>Insufficient genetic diversity</a:t>
+            <a:rPr lang="en-US" sz="2200" kern="1200" dirty="0"/>
+            <a:t>Next Population</a:t>
           </a:r>
         </a:p>
       </dsp:txBody>
       <dsp:txXfrm>
-        <a:off x="74363" y="129018"/>
-        <a:ext cx="5493248" cy="1374614"/>
+        <a:off x="4186710" y="46730"/>
+        <a:ext cx="1346841" cy="843504"/>
       </dsp:txXfrm>
     </dsp:sp>
-    <dsp:sp modelId="{C1638391-B8F9-4627-818B-7E0085040402}">
+    <dsp:sp modelId="{A75C855E-D826-9A4E-A7F9-393E9DA1624F}">
       <dsp:nvSpPr>
         <dsp:cNvPr id="0" name=""/>
         <dsp:cNvSpPr/>
       </dsp:nvSpPr>
       <dsp:spPr>
         <a:xfrm>
-          <a:off x="0" y="1698955"/>
-          <a:ext cx="5641974" cy="1523340"/>
+          <a:off x="3296645" y="457428"/>
+          <a:ext cx="3085759" cy="3085759"/>
+        </a:xfrm>
+        <a:custGeom>
+          <a:avLst/>
+          <a:gdLst/>
+          <a:ahLst/>
+          <a:cxnLst/>
+          <a:rect l="0" t="0" r="0" b="0"/>
+          <a:pathLst>
+            <a:path>
+              <a:moveTo>
+                <a:pt x="2476979" y="314899"/>
+              </a:moveTo>
+              <a:arcTo wR="1542879" hR="1542879" stAng="18435571" swAng="1615432"/>
+            </a:path>
+          </a:pathLst>
+        </a:custGeom>
+        <a:noFill/>
+        <a:ln w="9525" cap="flat" cmpd="sng" algn="ctr">
+          <a:solidFill>
+            <a:schemeClr val="accent1">
+              <a:hueOff val="0"/>
+              <a:satOff val="0"/>
+              <a:lumOff val="0"/>
+              <a:alphaOff val="0"/>
+            </a:schemeClr>
+          </a:solidFill>
+          <a:prstDash val="solid"/>
+          <a:tailEnd type="arrow"/>
+        </a:ln>
+        <a:effectLst/>
+      </dsp:spPr>
+      <dsp:style>
+        <a:lnRef idx="1">
+          <a:scrgbClr r="0" g="0" b="0"/>
+        </a:lnRef>
+        <a:fillRef idx="0">
+          <a:scrgbClr r="0" g="0" b="0"/>
+        </a:fillRef>
+        <a:effectRef idx="0">
+          <a:scrgbClr r="0" g="0" b="0"/>
+        </a:effectRef>
+        <a:fontRef idx="minor"/>
+      </dsp:style>
+    </dsp:sp>
+    <dsp:sp modelId="{666B2BE9-F9AB-A543-A184-73B03E250FD3}">
+      <dsp:nvSpPr>
+        <dsp:cNvPr id="0" name=""/>
+        <dsp:cNvSpPr/>
+      </dsp:nvSpPr>
+      <dsp:spPr>
+        <a:xfrm>
+          <a:off x="5667634" y="1543978"/>
+          <a:ext cx="1438105" cy="934768"/>
         </a:xfrm>
         <a:prstGeom prst="roundRect">
           <a:avLst/>
         </a:prstGeom>
         <a:solidFill>
-          <a:schemeClr val="dk2">
+          <a:schemeClr val="accent1">
             <a:hueOff val="0"/>
             <a:satOff val="0"/>
             <a:lumOff val="0"/>
@@ -4524,7 +5650,7 @@
         </a:solidFill>
         <a:ln w="15875" cap="flat" cmpd="sng" algn="ctr">
           <a:solidFill>
-            <a:schemeClr val="lt2">
+            <a:schemeClr val="lt1">
               <a:hueOff val="0"/>
               <a:satOff val="0"/>
               <a:lumOff val="0"/>
@@ -4550,12 +5676,12 @@
         </a:fontRef>
       </dsp:style>
       <dsp:txBody>
-        <a:bodyPr spcFirstLastPara="0" vert="horz" wrap="square" lIns="160020" tIns="160020" rIns="160020" bIns="160020" numCol="1" spcCol="1270" anchor="ctr" anchorCtr="0">
+        <a:bodyPr spcFirstLastPara="0" vert="horz" wrap="square" lIns="83820" tIns="83820" rIns="83820" bIns="83820" numCol="1" spcCol="1270" anchor="ctr" anchorCtr="0">
           <a:noAutofit/>
         </a:bodyPr>
         <a:lstStyle/>
         <a:p>
-          <a:pPr marL="0" lvl="0" indent="0" algn="l" defTabSz="1866900">
+          <a:pPr marL="0" lvl="0" indent="0" algn="ctr" defTabSz="977900">
             <a:lnSpc>
               <a:spcPct val="90000"/>
             </a:lnSpc>
@@ -4568,31 +5694,84 @@
             <a:buNone/>
           </a:pPr>
           <a:r>
-            <a:rPr lang="en-US" sz="4200" kern="1200"/>
-            <a:t>Overly specific fitness</a:t>
+            <a:rPr lang="en-US" sz="2200" kern="1200" dirty="0"/>
+            <a:t>Determine Fitness</a:t>
           </a:r>
         </a:p>
       </dsp:txBody>
       <dsp:txXfrm>
-        <a:off x="74363" y="1773318"/>
-        <a:ext cx="5493248" cy="1374614"/>
+        <a:off x="5713266" y="1589610"/>
+        <a:ext cx="1346841" cy="843504"/>
       </dsp:txXfrm>
     </dsp:sp>
-    <dsp:sp modelId="{45539A63-D975-4ABC-B76C-CD3EBB3227FB}">
+    <dsp:sp modelId="{8E8255AD-704B-2147-8096-F199A1A4CBF2}">
       <dsp:nvSpPr>
         <dsp:cNvPr id="0" name=""/>
         <dsp:cNvSpPr/>
       </dsp:nvSpPr>
       <dsp:spPr>
         <a:xfrm>
-          <a:off x="0" y="3343255"/>
-          <a:ext cx="5641974" cy="1523340"/>
+          <a:off x="3296645" y="479537"/>
+          <a:ext cx="3085759" cy="3085759"/>
+        </a:xfrm>
+        <a:custGeom>
+          <a:avLst/>
+          <a:gdLst/>
+          <a:ahLst/>
+          <a:cxnLst/>
+          <a:rect l="0" t="0" r="0" b="0"/>
+          <a:pathLst>
+            <a:path>
+              <a:moveTo>
+                <a:pt x="2931768" y="2214792"/>
+              </a:moveTo>
+              <a:arcTo wR="1542879" hR="1542879" stAng="1548997" swAng="1615432"/>
+            </a:path>
+          </a:pathLst>
+        </a:custGeom>
+        <a:noFill/>
+        <a:ln w="9525" cap="flat" cmpd="sng" algn="ctr">
+          <a:solidFill>
+            <a:schemeClr val="accent1">
+              <a:hueOff val="0"/>
+              <a:satOff val="0"/>
+              <a:lumOff val="0"/>
+              <a:alphaOff val="0"/>
+            </a:schemeClr>
+          </a:solidFill>
+          <a:prstDash val="solid"/>
+          <a:tailEnd type="arrow"/>
+        </a:ln>
+        <a:effectLst/>
+      </dsp:spPr>
+      <dsp:style>
+        <a:lnRef idx="1">
+          <a:scrgbClr r="0" g="0" b="0"/>
+        </a:lnRef>
+        <a:fillRef idx="0">
+          <a:scrgbClr r="0" g="0" b="0"/>
+        </a:fillRef>
+        <a:effectRef idx="0">
+          <a:scrgbClr r="0" g="0" b="0"/>
+        </a:effectRef>
+        <a:fontRef idx="minor"/>
+      </dsp:style>
+    </dsp:sp>
+    <dsp:sp modelId="{252599BB-B304-4048-AFC2-1A414F96006C}">
+      <dsp:nvSpPr>
+        <dsp:cNvPr id="0" name=""/>
+        <dsp:cNvSpPr/>
+      </dsp:nvSpPr>
+      <dsp:spPr>
+        <a:xfrm>
+          <a:off x="4141078" y="3086858"/>
+          <a:ext cx="1438105" cy="934768"/>
         </a:xfrm>
         <a:prstGeom prst="roundRect">
           <a:avLst/>
         </a:prstGeom>
         <a:solidFill>
-          <a:schemeClr val="dk2">
+          <a:schemeClr val="accent1">
             <a:hueOff val="0"/>
             <a:satOff val="0"/>
             <a:lumOff val="0"/>
@@ -4601,7 +5780,7 @@
         </a:solidFill>
         <a:ln w="15875" cap="flat" cmpd="sng" algn="ctr">
           <a:solidFill>
-            <a:schemeClr val="lt2">
+            <a:schemeClr val="lt1">
               <a:hueOff val="0"/>
               <a:satOff val="0"/>
               <a:lumOff val="0"/>
@@ -4627,12 +5806,12 @@
         </a:fontRef>
       </dsp:style>
       <dsp:txBody>
-        <a:bodyPr spcFirstLastPara="0" vert="horz" wrap="square" lIns="160020" tIns="160020" rIns="160020" bIns="160020" numCol="1" spcCol="1270" anchor="ctr" anchorCtr="0">
+        <a:bodyPr spcFirstLastPara="0" vert="horz" wrap="square" lIns="83820" tIns="83820" rIns="83820" bIns="83820" numCol="1" spcCol="1270" anchor="ctr" anchorCtr="0">
           <a:noAutofit/>
         </a:bodyPr>
         <a:lstStyle/>
         <a:p>
-          <a:pPr marL="0" lvl="0" indent="0" algn="l" defTabSz="1866900">
+          <a:pPr marL="0" lvl="0" indent="0" algn="ctr" defTabSz="977900">
             <a:lnSpc>
               <a:spcPct val="90000"/>
             </a:lnSpc>
@@ -4645,43 +5824,84 @@
             <a:buNone/>
           </a:pPr>
           <a:r>
-            <a:rPr lang="en-US" sz="4200" kern="1200"/>
-            <a:t>Inefficient for simple problems</a:t>
+            <a:rPr lang="en-US" sz="2200" kern="1200" dirty="0"/>
+            <a:t>Selection</a:t>
           </a:r>
         </a:p>
       </dsp:txBody>
       <dsp:txXfrm>
-        <a:off x="74363" y="3417618"/>
-        <a:ext cx="5493248" cy="1374614"/>
+        <a:off x="4186710" y="3132490"/>
+        <a:ext cx="1346841" cy="843504"/>
       </dsp:txXfrm>
     </dsp:sp>
-  </dsp:spTree>
-</dsp:drawing>
-</file>
-
-<file path=ppt/diagrams/drawing4.xml><?xml version="1.0" encoding="utf-8"?>
-<dsp:drawing xmlns:dgm="http://schemas.openxmlformats.org/drawingml/2006/diagram" xmlns:dsp="http://schemas.microsoft.com/office/drawing/2008/diagram" xmlns:a="http://schemas.openxmlformats.org/drawingml/2006/main">
-  <dsp:spTree>
-    <dsp:nvGrpSpPr>
-      <dsp:cNvPr id="0" name=""/>
-      <dsp:cNvGrpSpPr/>
-    </dsp:nvGrpSpPr>
-    <dsp:grpSpPr/>
-    <dsp:sp modelId="{0CF0B9FB-4633-4721-874C-E6444CF86EBE}">
+    <dsp:sp modelId="{13392DFC-9C31-F14A-9E59-64D311E0539C}">
       <dsp:nvSpPr>
         <dsp:cNvPr id="0" name=""/>
         <dsp:cNvSpPr/>
       </dsp:nvSpPr>
       <dsp:spPr>
         <a:xfrm>
-          <a:off x="0" y="59143"/>
-          <a:ext cx="5641974" cy="2358281"/>
+          <a:off x="3317251" y="468482"/>
+          <a:ext cx="3085759" cy="3085759"/>
+        </a:xfrm>
+        <a:custGeom>
+          <a:avLst/>
+          <a:gdLst/>
+          <a:ahLst/>
+          <a:cxnLst/>
+          <a:rect l="0" t="0" r="0" b="0"/>
+          <a:pathLst>
+            <a:path>
+              <a:moveTo>
+                <a:pt x="625739" y="2783578"/>
+              </a:moveTo>
+              <a:arcTo wR="1542879" hR="1542879" stAng="7588337" swAng="1631983"/>
+            </a:path>
+          </a:pathLst>
+        </a:custGeom>
+        <a:noFill/>
+        <a:ln w="9525" cap="flat" cmpd="sng" algn="ctr">
+          <a:solidFill>
+            <a:schemeClr val="accent1">
+              <a:hueOff val="0"/>
+              <a:satOff val="0"/>
+              <a:lumOff val="0"/>
+              <a:alphaOff val="0"/>
+            </a:schemeClr>
+          </a:solidFill>
+          <a:prstDash val="solid"/>
+          <a:tailEnd type="arrow"/>
+        </a:ln>
+        <a:effectLst/>
+      </dsp:spPr>
+      <dsp:style>
+        <a:lnRef idx="1">
+          <a:scrgbClr r="0" g="0" b="0"/>
+        </a:lnRef>
+        <a:fillRef idx="0">
+          <a:scrgbClr r="0" g="0" b="0"/>
+        </a:fillRef>
+        <a:effectRef idx="0">
+          <a:scrgbClr r="0" g="0" b="0"/>
+        </a:effectRef>
+        <a:fontRef idx="minor"/>
+      </dsp:style>
+    </dsp:sp>
+    <dsp:sp modelId="{50E662BD-3895-F940-B38D-581FDEF297E8}">
+      <dsp:nvSpPr>
+        <dsp:cNvPr id="0" name=""/>
+        <dsp:cNvSpPr/>
+      </dsp:nvSpPr>
+      <dsp:spPr>
+        <a:xfrm>
+          <a:off x="2598198" y="1543978"/>
+          <a:ext cx="1438105" cy="934768"/>
         </a:xfrm>
         <a:prstGeom prst="roundRect">
           <a:avLst/>
         </a:prstGeom>
         <a:solidFill>
-          <a:schemeClr val="dk2">
+          <a:schemeClr val="accent1">
             <a:hueOff val="0"/>
             <a:satOff val="0"/>
             <a:lumOff val="0"/>
@@ -4690,7 +5910,7 @@
         </a:solidFill>
         <a:ln w="15875" cap="flat" cmpd="sng" algn="ctr">
           <a:solidFill>
-            <a:schemeClr val="lt2">
+            <a:schemeClr val="lt1">
               <a:hueOff val="0"/>
               <a:satOff val="0"/>
               <a:lumOff val="0"/>
@@ -4716,12 +5936,12 @@
         </a:fontRef>
       </dsp:style>
       <dsp:txBody>
-        <a:bodyPr spcFirstLastPara="0" vert="horz" wrap="square" lIns="114300" tIns="114300" rIns="114300" bIns="114300" numCol="1" spcCol="1270" anchor="ctr" anchorCtr="0">
+        <a:bodyPr spcFirstLastPara="0" vert="horz" wrap="square" lIns="83820" tIns="83820" rIns="83820" bIns="83820" numCol="1" spcCol="1270" anchor="ctr" anchorCtr="0">
           <a:noAutofit/>
         </a:bodyPr>
         <a:lstStyle/>
         <a:p>
-          <a:pPr marL="0" lvl="0" indent="0" algn="l" defTabSz="1333500">
+          <a:pPr marL="0" lvl="0" indent="0" algn="ctr" defTabSz="977900">
             <a:lnSpc>
               <a:spcPct val="90000"/>
             </a:lnSpc>
@@ -4734,31 +5954,108 @@
             <a:buNone/>
           </a:pPr>
           <a:r>
-            <a:rPr lang="en-US" sz="3000" kern="1200" dirty="0"/>
-            <a:t>Genetic algorithms mimic the biological process of natural selection to solve problems.</a:t>
+            <a:rPr lang="en-US" sz="2200" kern="1200" dirty="0"/>
+            <a:t>Mutation</a:t>
           </a:r>
         </a:p>
       </dsp:txBody>
       <dsp:txXfrm>
-        <a:off x="115122" y="174265"/>
-        <a:ext cx="5411730" cy="2128037"/>
+        <a:off x="2643830" y="1589610"/>
+        <a:ext cx="1346841" cy="843504"/>
       </dsp:txXfrm>
     </dsp:sp>
-    <dsp:sp modelId="{C1638391-B8F9-4627-818B-7E0085040402}">
+    <dsp:sp modelId="{95A5EC60-2131-AA4F-800C-EB8FF9E008CB}">
       <dsp:nvSpPr>
         <dsp:cNvPr id="0" name=""/>
         <dsp:cNvSpPr/>
       </dsp:nvSpPr>
       <dsp:spPr>
         <a:xfrm>
-          <a:off x="0" y="2503825"/>
-          <a:ext cx="5641974" cy="2358281"/>
+          <a:off x="3317251" y="468482"/>
+          <a:ext cx="3085759" cy="3085759"/>
         </a:xfrm>
-        <a:prstGeom prst="roundRect">
+        <a:custGeom>
+          <a:avLst/>
+          <a:gdLst/>
+          <a:ahLst/>
+          <a:cxnLst/>
+          <a:rect l="0" t="0" r="0" b="0"/>
+          <a:pathLst>
+            <a:path>
+              <a:moveTo>
+                <a:pt x="160043" y="858598"/>
+              </a:moveTo>
+              <a:arcTo wR="1542879" hR="1542879" stAng="12379680" swAng="1631983"/>
+            </a:path>
+          </a:pathLst>
+        </a:custGeom>
+        <a:noFill/>
+        <a:ln w="9525" cap="flat" cmpd="sng" algn="ctr">
+          <a:solidFill>
+            <a:schemeClr val="accent1">
+              <a:hueOff val="0"/>
+              <a:satOff val="0"/>
+              <a:lumOff val="0"/>
+              <a:alphaOff val="0"/>
+            </a:schemeClr>
+          </a:solidFill>
+          <a:prstDash val="solid"/>
+          <a:tailEnd type="arrow"/>
+        </a:ln>
+        <a:effectLst/>
+      </dsp:spPr>
+      <dsp:style>
+        <a:lnRef idx="1">
+          <a:scrgbClr r="0" g="0" b="0"/>
+        </a:lnRef>
+        <a:fillRef idx="0">
+          <a:scrgbClr r="0" g="0" b="0"/>
+        </a:fillRef>
+        <a:effectRef idx="0">
+          <a:scrgbClr r="0" g="0" b="0"/>
+        </a:effectRef>
+        <a:fontRef idx="minor"/>
+      </dsp:style>
+    </dsp:sp>
+  </dsp:spTree>
+</dsp:drawing>
+</file>
+
+<file path=ppt/diagrams/drawing3.xml><?xml version="1.0" encoding="utf-8"?>
+<dsp:drawing xmlns:dgm="http://schemas.openxmlformats.org/drawingml/2006/diagram" xmlns:dsp="http://schemas.microsoft.com/office/drawing/2008/diagram" xmlns:a="http://schemas.openxmlformats.org/drawingml/2006/main">
+  <dsp:spTree>
+    <dsp:nvGrpSpPr>
+      <dsp:cNvPr id="0" name=""/>
+      <dsp:cNvGrpSpPr/>
+    </dsp:nvGrpSpPr>
+    <dsp:grpSpPr/>
+  </dsp:spTree>
+</dsp:drawing>
+</file>
+
+<file path=ppt/diagrams/drawing4.xml><?xml version="1.0" encoding="utf-8"?>
+<dsp:drawing xmlns:dgm="http://schemas.openxmlformats.org/drawingml/2006/diagram" xmlns:dsp="http://schemas.microsoft.com/office/drawing/2008/diagram" xmlns:a="http://schemas.openxmlformats.org/drawingml/2006/main">
+  <dsp:spTree>
+    <dsp:nvGrpSpPr>
+      <dsp:cNvPr id="0" name=""/>
+      <dsp:cNvGrpSpPr/>
+    </dsp:nvGrpSpPr>
+    <dsp:grpSpPr/>
+    <dsp:sp modelId="{5DAE822F-8FD6-0F4D-B962-3CBFF197E9B2}">
+      <dsp:nvSpPr>
+        <dsp:cNvPr id="0" name=""/>
+        <dsp:cNvSpPr/>
+      </dsp:nvSpPr>
+      <dsp:spPr>
+        <a:xfrm>
+          <a:off x="0" y="2402"/>
+          <a:ext cx="5641974" cy="0"/>
+        </a:xfrm>
+        <a:prstGeom prst="line">
           <a:avLst/>
         </a:prstGeom>
         <a:solidFill>
-          <a:schemeClr val="dk2">
+          <a:schemeClr val="accent2">
             <a:hueOff val="0"/>
             <a:satOff val="0"/>
             <a:lumOff val="0"/>
@@ -4767,7 +6064,7 @@
         </a:solidFill>
         <a:ln w="15875" cap="flat" cmpd="sng" algn="ctr">
           <a:solidFill>
-            <a:schemeClr val="lt2">
+            <a:schemeClr val="accent2">
               <a:hueOff val="0"/>
               <a:satOff val="0"/>
               <a:lumOff val="0"/>
@@ -4792,13 +6089,45 @@
           <a:schemeClr val="lt1"/>
         </a:fontRef>
       </dsp:style>
+    </dsp:sp>
+    <dsp:sp modelId="{F02DCB02-834F-B94E-9100-591AB28D71BA}">
+      <dsp:nvSpPr>
+        <dsp:cNvPr id="0" name=""/>
+        <dsp:cNvSpPr/>
+      </dsp:nvSpPr>
+      <dsp:spPr>
+        <a:xfrm>
+          <a:off x="0" y="2402"/>
+          <a:ext cx="5641974" cy="1638814"/>
+        </a:xfrm>
+        <a:prstGeom prst="rect">
+          <a:avLst/>
+        </a:prstGeom>
+        <a:noFill/>
+        <a:ln>
+          <a:noFill/>
+        </a:ln>
+        <a:effectLst/>
+      </dsp:spPr>
+      <dsp:style>
+        <a:lnRef idx="0">
+          <a:scrgbClr r="0" g="0" b="0"/>
+        </a:lnRef>
+        <a:fillRef idx="0">
+          <a:scrgbClr r="0" g="0" b="0"/>
+        </a:fillRef>
+        <a:effectRef idx="0">
+          <a:scrgbClr r="0" g="0" b="0"/>
+        </a:effectRef>
+        <a:fontRef idx="minor"/>
+      </dsp:style>
       <dsp:txBody>
-        <a:bodyPr spcFirstLastPara="0" vert="horz" wrap="square" lIns="114300" tIns="114300" rIns="114300" bIns="114300" numCol="1" spcCol="1270" anchor="ctr" anchorCtr="0">
+        <a:bodyPr spcFirstLastPara="0" vert="horz" wrap="square" lIns="190500" tIns="190500" rIns="190500" bIns="190500" numCol="1" spcCol="1270" anchor="t" anchorCtr="0">
           <a:noAutofit/>
         </a:bodyPr>
         <a:lstStyle/>
         <a:p>
-          <a:pPr marL="0" lvl="0" indent="0" algn="l" defTabSz="1333500">
+          <a:pPr marL="0" lvl="0" indent="0" algn="l" defTabSz="2222500">
             <a:lnSpc>
               <a:spcPct val="90000"/>
             </a:lnSpc>
@@ -4811,14 +6140,462 @@
             <a:buNone/>
           </a:pPr>
           <a:r>
-            <a:rPr lang="en-US" sz="3000" kern="1200" dirty="0"/>
-            <a:t>Go’s is a very good language for implementation of genetic algorithms due to its memory efficiency, concurrency model and developer productivity</a:t>
+            <a:rPr lang="en-US" sz="5000" kern="1200"/>
+            <a:t>Insufficient genetic diversity</a:t>
           </a:r>
         </a:p>
       </dsp:txBody>
       <dsp:txXfrm>
-        <a:off x="115122" y="2618947"/>
-        <a:ext cx="5411730" cy="2128037"/>
+        <a:off x="0" y="2402"/>
+        <a:ext cx="5641974" cy="1638814"/>
+      </dsp:txXfrm>
+    </dsp:sp>
+    <dsp:sp modelId="{A77C3936-5F6E-5D4E-B3CC-1A9860C60586}">
+      <dsp:nvSpPr>
+        <dsp:cNvPr id="0" name=""/>
+        <dsp:cNvSpPr/>
+      </dsp:nvSpPr>
+      <dsp:spPr>
+        <a:xfrm>
+          <a:off x="0" y="1641217"/>
+          <a:ext cx="5641974" cy="0"/>
+        </a:xfrm>
+        <a:prstGeom prst="line">
+          <a:avLst/>
+        </a:prstGeom>
+        <a:solidFill>
+          <a:schemeClr val="accent2">
+            <a:hueOff val="56720"/>
+            <a:satOff val="6519"/>
+            <a:lumOff val="-5196"/>
+            <a:alphaOff val="0"/>
+          </a:schemeClr>
+        </a:solidFill>
+        <a:ln w="15875" cap="flat" cmpd="sng" algn="ctr">
+          <a:solidFill>
+            <a:schemeClr val="accent2">
+              <a:hueOff val="56720"/>
+              <a:satOff val="6519"/>
+              <a:lumOff val="-5196"/>
+              <a:alphaOff val="0"/>
+            </a:schemeClr>
+          </a:solidFill>
+          <a:prstDash val="solid"/>
+        </a:ln>
+        <a:effectLst/>
+      </dsp:spPr>
+      <dsp:style>
+        <a:lnRef idx="2">
+          <a:scrgbClr r="0" g="0" b="0"/>
+        </a:lnRef>
+        <a:fillRef idx="1">
+          <a:scrgbClr r="0" g="0" b="0"/>
+        </a:fillRef>
+        <a:effectRef idx="0">
+          <a:scrgbClr r="0" g="0" b="0"/>
+        </a:effectRef>
+        <a:fontRef idx="minor">
+          <a:schemeClr val="lt1"/>
+        </a:fontRef>
+      </dsp:style>
+    </dsp:sp>
+    <dsp:sp modelId="{7BFB0C16-7008-E949-BD82-4517CFC8C8CF}">
+      <dsp:nvSpPr>
+        <dsp:cNvPr id="0" name=""/>
+        <dsp:cNvSpPr/>
+      </dsp:nvSpPr>
+      <dsp:spPr>
+        <a:xfrm>
+          <a:off x="0" y="1641217"/>
+          <a:ext cx="5641974" cy="1638814"/>
+        </a:xfrm>
+        <a:prstGeom prst="rect">
+          <a:avLst/>
+        </a:prstGeom>
+        <a:noFill/>
+        <a:ln>
+          <a:noFill/>
+        </a:ln>
+        <a:effectLst/>
+      </dsp:spPr>
+      <dsp:style>
+        <a:lnRef idx="0">
+          <a:scrgbClr r="0" g="0" b="0"/>
+        </a:lnRef>
+        <a:fillRef idx="0">
+          <a:scrgbClr r="0" g="0" b="0"/>
+        </a:fillRef>
+        <a:effectRef idx="0">
+          <a:scrgbClr r="0" g="0" b="0"/>
+        </a:effectRef>
+        <a:fontRef idx="minor"/>
+      </dsp:style>
+      <dsp:txBody>
+        <a:bodyPr spcFirstLastPara="0" vert="horz" wrap="square" lIns="190500" tIns="190500" rIns="190500" bIns="190500" numCol="1" spcCol="1270" anchor="t" anchorCtr="0">
+          <a:noAutofit/>
+        </a:bodyPr>
+        <a:lstStyle/>
+        <a:p>
+          <a:pPr marL="0" lvl="0" indent="0" algn="l" defTabSz="2222500">
+            <a:lnSpc>
+              <a:spcPct val="90000"/>
+            </a:lnSpc>
+            <a:spcBef>
+              <a:spcPct val="0"/>
+            </a:spcBef>
+            <a:spcAft>
+              <a:spcPct val="35000"/>
+            </a:spcAft>
+            <a:buNone/>
+          </a:pPr>
+          <a:r>
+            <a:rPr lang="en-US" sz="5000" kern="1200"/>
+            <a:t>Overly specific fitness</a:t>
+          </a:r>
+        </a:p>
+      </dsp:txBody>
+      <dsp:txXfrm>
+        <a:off x="0" y="1641217"/>
+        <a:ext cx="5641974" cy="1638814"/>
+      </dsp:txXfrm>
+    </dsp:sp>
+    <dsp:sp modelId="{3DBB3C0B-5099-ED4F-AE04-3A208E7237E6}">
+      <dsp:nvSpPr>
+        <dsp:cNvPr id="0" name=""/>
+        <dsp:cNvSpPr/>
+      </dsp:nvSpPr>
+      <dsp:spPr>
+        <a:xfrm>
+          <a:off x="0" y="3280032"/>
+          <a:ext cx="5641974" cy="0"/>
+        </a:xfrm>
+        <a:prstGeom prst="line">
+          <a:avLst/>
+        </a:prstGeom>
+        <a:solidFill>
+          <a:schemeClr val="accent2">
+            <a:hueOff val="113439"/>
+            <a:satOff val="13039"/>
+            <a:lumOff val="-10393"/>
+            <a:alphaOff val="0"/>
+          </a:schemeClr>
+        </a:solidFill>
+        <a:ln w="15875" cap="flat" cmpd="sng" algn="ctr">
+          <a:solidFill>
+            <a:schemeClr val="accent2">
+              <a:hueOff val="113439"/>
+              <a:satOff val="13039"/>
+              <a:lumOff val="-10393"/>
+              <a:alphaOff val="0"/>
+            </a:schemeClr>
+          </a:solidFill>
+          <a:prstDash val="solid"/>
+        </a:ln>
+        <a:effectLst/>
+      </dsp:spPr>
+      <dsp:style>
+        <a:lnRef idx="2">
+          <a:scrgbClr r="0" g="0" b="0"/>
+        </a:lnRef>
+        <a:fillRef idx="1">
+          <a:scrgbClr r="0" g="0" b="0"/>
+        </a:fillRef>
+        <a:effectRef idx="0">
+          <a:scrgbClr r="0" g="0" b="0"/>
+        </a:effectRef>
+        <a:fontRef idx="minor">
+          <a:schemeClr val="lt1"/>
+        </a:fontRef>
+      </dsp:style>
+    </dsp:sp>
+    <dsp:sp modelId="{42EF9795-82DB-2848-ADE6-B11C564EA755}">
+      <dsp:nvSpPr>
+        <dsp:cNvPr id="0" name=""/>
+        <dsp:cNvSpPr/>
+      </dsp:nvSpPr>
+      <dsp:spPr>
+        <a:xfrm>
+          <a:off x="0" y="3280032"/>
+          <a:ext cx="5641974" cy="1638814"/>
+        </a:xfrm>
+        <a:prstGeom prst="rect">
+          <a:avLst/>
+        </a:prstGeom>
+        <a:noFill/>
+        <a:ln>
+          <a:noFill/>
+        </a:ln>
+        <a:effectLst/>
+      </dsp:spPr>
+      <dsp:style>
+        <a:lnRef idx="0">
+          <a:scrgbClr r="0" g="0" b="0"/>
+        </a:lnRef>
+        <a:fillRef idx="0">
+          <a:scrgbClr r="0" g="0" b="0"/>
+        </a:fillRef>
+        <a:effectRef idx="0">
+          <a:scrgbClr r="0" g="0" b="0"/>
+        </a:effectRef>
+        <a:fontRef idx="minor"/>
+      </dsp:style>
+      <dsp:txBody>
+        <a:bodyPr spcFirstLastPara="0" vert="horz" wrap="square" lIns="190500" tIns="190500" rIns="190500" bIns="190500" numCol="1" spcCol="1270" anchor="t" anchorCtr="0">
+          <a:noAutofit/>
+        </a:bodyPr>
+        <a:lstStyle/>
+        <a:p>
+          <a:pPr marL="0" lvl="0" indent="0" algn="l" defTabSz="2222500">
+            <a:lnSpc>
+              <a:spcPct val="90000"/>
+            </a:lnSpc>
+            <a:spcBef>
+              <a:spcPct val="0"/>
+            </a:spcBef>
+            <a:spcAft>
+              <a:spcPct val="35000"/>
+            </a:spcAft>
+            <a:buNone/>
+          </a:pPr>
+          <a:r>
+            <a:rPr lang="en-US" sz="5000" kern="1200"/>
+            <a:t>Inefficient for simple problems</a:t>
+          </a:r>
+        </a:p>
+      </dsp:txBody>
+      <dsp:txXfrm>
+        <a:off x="0" y="3280032"/>
+        <a:ext cx="5641974" cy="1638814"/>
+      </dsp:txXfrm>
+    </dsp:sp>
+  </dsp:spTree>
+</dsp:drawing>
+</file>
+
+<file path=ppt/diagrams/drawing5.xml><?xml version="1.0" encoding="utf-8"?>
+<dsp:drawing xmlns:dgm="http://schemas.openxmlformats.org/drawingml/2006/diagram" xmlns:dsp="http://schemas.microsoft.com/office/drawing/2008/diagram" xmlns:a="http://schemas.openxmlformats.org/drawingml/2006/main">
+  <dsp:spTree>
+    <dsp:nvGrpSpPr>
+      <dsp:cNvPr id="0" name=""/>
+      <dsp:cNvGrpSpPr/>
+    </dsp:nvGrpSpPr>
+    <dsp:grpSpPr/>
+    <dsp:sp modelId="{F094E928-1B78-BA4E-81E5-08CA7F47E466}">
+      <dsp:nvSpPr>
+        <dsp:cNvPr id="0" name=""/>
+        <dsp:cNvSpPr/>
+      </dsp:nvSpPr>
+      <dsp:spPr>
+        <a:xfrm>
+          <a:off x="0" y="0"/>
+          <a:ext cx="5641974" cy="0"/>
+        </a:xfrm>
+        <a:prstGeom prst="line">
+          <a:avLst/>
+        </a:prstGeom>
+        <a:solidFill>
+          <a:schemeClr val="dk2">
+            <a:hueOff val="0"/>
+            <a:satOff val="0"/>
+            <a:lumOff val="0"/>
+            <a:alphaOff val="0"/>
+          </a:schemeClr>
+        </a:solidFill>
+        <a:ln w="15875" cap="flat" cmpd="sng" algn="ctr">
+          <a:solidFill>
+            <a:schemeClr val="dk2">
+              <a:hueOff val="0"/>
+              <a:satOff val="0"/>
+              <a:lumOff val="0"/>
+              <a:alphaOff val="0"/>
+            </a:schemeClr>
+          </a:solidFill>
+          <a:prstDash val="solid"/>
+        </a:ln>
+        <a:effectLst/>
+      </dsp:spPr>
+      <dsp:style>
+        <a:lnRef idx="2">
+          <a:scrgbClr r="0" g="0" b="0"/>
+        </a:lnRef>
+        <a:fillRef idx="1">
+          <a:scrgbClr r="0" g="0" b="0"/>
+        </a:fillRef>
+        <a:effectRef idx="0">
+          <a:scrgbClr r="0" g="0" b="0"/>
+        </a:effectRef>
+        <a:fontRef idx="minor">
+          <a:schemeClr val="lt1"/>
+        </a:fontRef>
+      </dsp:style>
+    </dsp:sp>
+    <dsp:sp modelId="{8B2D0A58-61AE-FE46-B74E-97EB4BC7C947}">
+      <dsp:nvSpPr>
+        <dsp:cNvPr id="0" name=""/>
+        <dsp:cNvSpPr/>
+      </dsp:nvSpPr>
+      <dsp:spPr>
+        <a:xfrm>
+          <a:off x="0" y="0"/>
+          <a:ext cx="5641974" cy="2460625"/>
+        </a:xfrm>
+        <a:prstGeom prst="rect">
+          <a:avLst/>
+        </a:prstGeom>
+        <a:noFill/>
+        <a:ln>
+          <a:noFill/>
+        </a:ln>
+        <a:effectLst/>
+      </dsp:spPr>
+      <dsp:style>
+        <a:lnRef idx="0">
+          <a:scrgbClr r="0" g="0" b="0"/>
+        </a:lnRef>
+        <a:fillRef idx="0">
+          <a:scrgbClr r="0" g="0" b="0"/>
+        </a:fillRef>
+        <a:effectRef idx="0">
+          <a:scrgbClr r="0" g="0" b="0"/>
+        </a:effectRef>
+        <a:fontRef idx="minor"/>
+      </dsp:style>
+      <dsp:txBody>
+        <a:bodyPr spcFirstLastPara="0" vert="horz" wrap="square" lIns="133350" tIns="133350" rIns="133350" bIns="133350" numCol="1" spcCol="1270" anchor="t" anchorCtr="0">
+          <a:noAutofit/>
+        </a:bodyPr>
+        <a:lstStyle/>
+        <a:p>
+          <a:pPr marL="0" lvl="0" indent="0" algn="l" defTabSz="1555750">
+            <a:lnSpc>
+              <a:spcPct val="90000"/>
+            </a:lnSpc>
+            <a:spcBef>
+              <a:spcPct val="0"/>
+            </a:spcBef>
+            <a:spcAft>
+              <a:spcPct val="35000"/>
+            </a:spcAft>
+            <a:buNone/>
+          </a:pPr>
+          <a:r>
+            <a:rPr lang="en-US" sz="3500" kern="1200" dirty="0"/>
+            <a:t>Genetic algorithms mimic the biological process of natural selection to solve problems.</a:t>
+          </a:r>
+        </a:p>
+      </dsp:txBody>
+      <dsp:txXfrm>
+        <a:off x="0" y="0"/>
+        <a:ext cx="5641974" cy="2460625"/>
+      </dsp:txXfrm>
+    </dsp:sp>
+    <dsp:sp modelId="{5A78FDFA-3AFC-2A42-9905-D5077C5332DD}">
+      <dsp:nvSpPr>
+        <dsp:cNvPr id="0" name=""/>
+        <dsp:cNvSpPr/>
+      </dsp:nvSpPr>
+      <dsp:spPr>
+        <a:xfrm>
+          <a:off x="0" y="2460625"/>
+          <a:ext cx="5641974" cy="0"/>
+        </a:xfrm>
+        <a:prstGeom prst="line">
+          <a:avLst/>
+        </a:prstGeom>
+        <a:solidFill>
+          <a:schemeClr val="dk2">
+            <a:hueOff val="0"/>
+            <a:satOff val="0"/>
+            <a:lumOff val="0"/>
+            <a:alphaOff val="0"/>
+          </a:schemeClr>
+        </a:solidFill>
+        <a:ln w="15875" cap="flat" cmpd="sng" algn="ctr">
+          <a:solidFill>
+            <a:schemeClr val="dk2">
+              <a:hueOff val="0"/>
+              <a:satOff val="0"/>
+              <a:lumOff val="0"/>
+              <a:alphaOff val="0"/>
+            </a:schemeClr>
+          </a:solidFill>
+          <a:prstDash val="solid"/>
+        </a:ln>
+        <a:effectLst/>
+      </dsp:spPr>
+      <dsp:style>
+        <a:lnRef idx="2">
+          <a:scrgbClr r="0" g="0" b="0"/>
+        </a:lnRef>
+        <a:fillRef idx="1">
+          <a:scrgbClr r="0" g="0" b="0"/>
+        </a:fillRef>
+        <a:effectRef idx="0">
+          <a:scrgbClr r="0" g="0" b="0"/>
+        </a:effectRef>
+        <a:fontRef idx="minor">
+          <a:schemeClr val="lt1"/>
+        </a:fontRef>
+      </dsp:style>
+    </dsp:sp>
+    <dsp:sp modelId="{32596F75-0F88-8D4E-AC28-AAC203959EBC}">
+      <dsp:nvSpPr>
+        <dsp:cNvPr id="0" name=""/>
+        <dsp:cNvSpPr/>
+      </dsp:nvSpPr>
+      <dsp:spPr>
+        <a:xfrm>
+          <a:off x="0" y="2460625"/>
+          <a:ext cx="5641974" cy="2460625"/>
+        </a:xfrm>
+        <a:prstGeom prst="rect">
+          <a:avLst/>
+        </a:prstGeom>
+        <a:noFill/>
+        <a:ln>
+          <a:noFill/>
+        </a:ln>
+        <a:effectLst/>
+      </dsp:spPr>
+      <dsp:style>
+        <a:lnRef idx="0">
+          <a:scrgbClr r="0" g="0" b="0"/>
+        </a:lnRef>
+        <a:fillRef idx="0">
+          <a:scrgbClr r="0" g="0" b="0"/>
+        </a:fillRef>
+        <a:effectRef idx="0">
+          <a:scrgbClr r="0" g="0" b="0"/>
+        </a:effectRef>
+        <a:fontRef idx="minor"/>
+      </dsp:style>
+      <dsp:txBody>
+        <a:bodyPr spcFirstLastPara="0" vert="horz" wrap="square" lIns="133350" tIns="133350" rIns="133350" bIns="133350" numCol="1" spcCol="1270" anchor="t" anchorCtr="0">
+          <a:noAutofit/>
+        </a:bodyPr>
+        <a:lstStyle/>
+        <a:p>
+          <a:pPr marL="0" lvl="0" indent="0" algn="l" defTabSz="1555750">
+            <a:lnSpc>
+              <a:spcPct val="90000"/>
+            </a:lnSpc>
+            <a:spcBef>
+              <a:spcPct val="0"/>
+            </a:spcBef>
+            <a:spcAft>
+              <a:spcPct val="35000"/>
+            </a:spcAft>
+            <a:buNone/>
+          </a:pPr>
+          <a:r>
+            <a:rPr lang="en-US" sz="3500" kern="1200" dirty="0"/>
+            <a:t>Go is a very good language for implementation of genetic algorithms due to its memory efficiency, concurrency model and developer productivity</a:t>
+          </a:r>
+        </a:p>
+      </dsp:txBody>
+      <dsp:txXfrm>
+        <a:off x="0" y="2460625"/>
+        <a:ext cx="5641974" cy="2460625"/>
       </dsp:txXfrm>
     </dsp:sp>
   </dsp:spTree>
@@ -5016,12 +6793,11 @@
 </file>
 
 <file path=ppt/diagrams/layout2.xml><?xml version="1.0" encoding="utf-8"?>
-<dgm:layoutDef xmlns:dgm="http://schemas.openxmlformats.org/drawingml/2006/diagram" xmlns:a="http://schemas.openxmlformats.org/drawingml/2006/main" uniqueId="urn:microsoft.com/office/officeart/2005/8/layout/vList2">
+<dgm:layoutDef xmlns:dgm="http://schemas.openxmlformats.org/drawingml/2006/diagram" xmlns:a="http://schemas.openxmlformats.org/drawingml/2006/main" uniqueId="urn:microsoft.com/office/officeart/2005/8/layout/cycle5">
   <dgm:title val=""/>
   <dgm:desc val=""/>
   <dgm:catLst>
-    <dgm:cat type="list" pri="3000"/>
-    <dgm:cat type="convert" pri="1000"/>
+    <dgm:cat type="cycle" pri="3000"/>
   </dgm:catLst>
   <dgm:sampData>
     <dgm:dataModel>
@@ -5030,21 +6806,25 @@
         <dgm:pt modelId="1">
           <dgm:prSet phldr="1"/>
         </dgm:pt>
-        <dgm:pt modelId="11">
-          <dgm:prSet phldr="1"/>
-        </dgm:pt>
         <dgm:pt modelId="2">
           <dgm:prSet phldr="1"/>
         </dgm:pt>
-        <dgm:pt modelId="21">
+        <dgm:pt modelId="3">
+          <dgm:prSet phldr="1"/>
+        </dgm:pt>
+        <dgm:pt modelId="4">
+          <dgm:prSet phldr="1"/>
+        </dgm:pt>
+        <dgm:pt modelId="5">
           <dgm:prSet phldr="1"/>
         </dgm:pt>
       </dgm:ptLst>
       <dgm:cxnLst>
-        <dgm:cxn modelId="4" srcId="0" destId="1" srcOrd="0" destOrd="0"/>
-        <dgm:cxn modelId="5" srcId="0" destId="2" srcOrd="1" destOrd="0"/>
-        <dgm:cxn modelId="12" srcId="1" destId="11" srcOrd="0" destOrd="0"/>
-        <dgm:cxn modelId="23" srcId="2" destId="21" srcOrd="0" destOrd="0"/>
+        <dgm:cxn modelId="6" srcId="0" destId="1" srcOrd="0" destOrd="0"/>
+        <dgm:cxn modelId="7" srcId="0" destId="2" srcOrd="1" destOrd="0"/>
+        <dgm:cxn modelId="8" srcId="0" destId="3" srcOrd="2" destOrd="0"/>
+        <dgm:cxn modelId="9" srcId="0" destId="4" srcOrd="3" destOrd="0"/>
+        <dgm:cxn modelId="10" srcId="0" destId="5" srcOrd="4" destOrd="0"/>
       </dgm:cxnLst>
       <dgm:bg/>
       <dgm:whole/>
@@ -5056,10 +6836,12 @@
         <dgm:pt modelId="0" type="doc"/>
         <dgm:pt modelId="1"/>
         <dgm:pt modelId="2"/>
+        <dgm:pt modelId="3"/>
       </dgm:ptLst>
       <dgm:cxnLst>
-        <dgm:cxn modelId="3" srcId="0" destId="1" srcOrd="0" destOrd="0"/>
-        <dgm:cxn modelId="4" srcId="0" destId="2" srcOrd="1" destOrd="0"/>
+        <dgm:cxn modelId="4" srcId="0" destId="1" srcOrd="0" destOrd="0"/>
+        <dgm:cxn modelId="5" srcId="0" destId="2" srcOrd="1" destOrd="0"/>
+        <dgm:cxn modelId="6" srcId="0" destId="3" srcOrd="2" destOrd="0"/>
       </dgm:cxnLst>
       <dgm:bg/>
       <dgm:whole/>
@@ -5073,109 +6855,145 @@
         <dgm:pt modelId="2"/>
         <dgm:pt modelId="3"/>
         <dgm:pt modelId="4"/>
+        <dgm:pt modelId="5"/>
+        <dgm:pt modelId="6"/>
       </dgm:ptLst>
       <dgm:cxnLst>
-        <dgm:cxn modelId="5" srcId="0" destId="1" srcOrd="0" destOrd="0"/>
-        <dgm:cxn modelId="6" srcId="0" destId="2" srcOrd="1" destOrd="0"/>
-        <dgm:cxn modelId="7" srcId="0" destId="3" srcOrd="2" destOrd="0"/>
-        <dgm:cxn modelId="8" srcId="0" destId="4" srcOrd="3" destOrd="0"/>
+        <dgm:cxn modelId="7" srcId="0" destId="1" srcOrd="0" destOrd="0"/>
+        <dgm:cxn modelId="8" srcId="0" destId="2" srcOrd="1" destOrd="0"/>
+        <dgm:cxn modelId="9" srcId="0" destId="3" srcOrd="2" destOrd="0"/>
+        <dgm:cxn modelId="10" srcId="0" destId="4" srcOrd="3" destOrd="0"/>
+        <dgm:cxn modelId="11" srcId="0" destId="5" srcOrd="4" destOrd="0"/>
+        <dgm:cxn modelId="12" srcId="0" destId="6" srcOrd="5" destOrd="0"/>
       </dgm:cxnLst>
       <dgm:bg/>
       <dgm:whole/>
     </dgm:dataModel>
   </dgm:clrData>
-  <dgm:layoutNode name="linear">
+  <dgm:layoutNode name="cycle">
     <dgm:varLst>
-      <dgm:animLvl val="lvl"/>
+      <dgm:dir/>
       <dgm:resizeHandles val="exact"/>
     </dgm:varLst>
-    <dgm:alg type="lin">
-      <dgm:param type="linDir" val="fromT"/>
-      <dgm:param type="vertAlign" val="mid"/>
-    </dgm:alg>
+    <dgm:choose name="Name0">
+      <dgm:if name="Name1" func="var" arg="dir" op="equ" val="norm">
+        <dgm:choose name="Name2">
+          <dgm:if name="Name3" axis="ch" ptType="node" func="cnt" op="gt" val="2">
+            <dgm:alg type="cycle">
+              <dgm:param type="stAng" val="0"/>
+              <dgm:param type="spanAng" val="360"/>
+            </dgm:alg>
+          </dgm:if>
+          <dgm:else name="Name4">
+            <dgm:alg type="cycle">
+              <dgm:param type="stAng" val="-90"/>
+              <dgm:param type="spanAng" val="360"/>
+            </dgm:alg>
+          </dgm:else>
+        </dgm:choose>
+      </dgm:if>
+      <dgm:else name="Name5">
+        <dgm:choose name="Name6">
+          <dgm:if name="Name7" axis="ch" ptType="node" func="cnt" op="gt" val="2">
+            <dgm:alg type="cycle">
+              <dgm:param type="stAng" val="0"/>
+              <dgm:param type="spanAng" val="-360"/>
+            </dgm:alg>
+          </dgm:if>
+          <dgm:else name="Name8">
+            <dgm:alg type="cycle">
+              <dgm:param type="stAng" val="90"/>
+              <dgm:param type="spanAng" val="-360"/>
+            </dgm:alg>
+          </dgm:else>
+        </dgm:choose>
+      </dgm:else>
+    </dgm:choose>
     <dgm:shape xmlns:r="http://schemas.openxmlformats.org/officeDocument/2006/relationships" r:blip="">
       <dgm:adjLst/>
     </dgm:shape>
     <dgm:presOf/>
-    <dgm:constrLst>
-      <dgm:constr type="w" for="ch" forName="parentText" refType="w"/>
-      <dgm:constr type="h" for="ch" forName="parentText" refType="primFontSz" refFor="ch" refForName="parentText" fact="0.52"/>
-      <dgm:constr type="w" for="ch" forName="childText" refType="w"/>
-      <dgm:constr type="h" for="ch" forName="childText" refType="primFontSz" refFor="ch" refForName="parentText" fact="0.46"/>
-      <dgm:constr type="h" for="ch" forName="parentText" op="equ"/>
-      <dgm:constr type="primFontSz" for="ch" forName="parentText" op="equ" val="65"/>
-      <dgm:constr type="primFontSz" for="ch" forName="childText" refType="primFontSz" refFor="ch" refForName="parentText" op="equ"/>
-      <dgm:constr type="h" for="ch" forName="spacer" refType="primFontSz" refFor="ch" refForName="parentText" fact="0.08"/>
-    </dgm:constrLst>
-    <dgm:ruleLst>
-      <dgm:rule type="primFontSz" for="ch" forName="parentText" val="5" fact="NaN" max="NaN"/>
-    </dgm:ruleLst>
-    <dgm:forEach name="Name0" axis="ch" ptType="node">
-      <dgm:layoutNode name="parentText" styleLbl="node1">
+    <dgm:choose name="Name9">
+      <dgm:if name="Name10" func="var" arg="dir" op="equ" val="norm">
+        <dgm:constrLst>
+          <dgm:constr type="w" for="ch" forName="node" refType="w"/>
+          <dgm:constr type="w" for="ch" ptType="sibTrans" refType="w" refFor="ch" refForName="node" op="equ" fact="0.3"/>
+          <dgm:constr type="diam" for="ch" ptType="sibTrans" refType="diam" op="equ"/>
+          <dgm:constr type="sibSp" refType="w" refFor="ch" refForName="node" op="equ" fact="0.15"/>
+          <dgm:constr type="w" for="ch" forName="spNode" refType="sibSp" fact="1.6"/>
+          <dgm:constr type="primFontSz" for="ch" forName="node" op="equ" val="65"/>
+        </dgm:constrLst>
+      </dgm:if>
+      <dgm:else name="Name11">
+        <dgm:constrLst>
+          <dgm:constr type="w" for="ch" forName="node" refType="w"/>
+          <dgm:constr type="w" for="ch" ptType="sibTrans" refType="w" refFor="ch" refForName="node" op="equ" fact="0.3"/>
+          <dgm:constr type="diam" for="ch" ptType="sibTrans" refType="diam" fact="-1"/>
+          <dgm:constr type="diam" for="ch" refType="diam" op="equ" fact="-1"/>
+          <dgm:constr type="sibSp" refType="w" refFor="ch" refForName="node" op="equ" fact="0.15"/>
+          <dgm:constr type="w" for="ch" forName="spNode" refType="sibSp" fact="1.6"/>
+          <dgm:constr type="primFontSz" for="ch" forName="node" op="equ" val="65"/>
+        </dgm:constrLst>
+      </dgm:else>
+    </dgm:choose>
+    <dgm:ruleLst/>
+    <dgm:forEach name="Name12" axis="ch" ptType="node">
+      <dgm:layoutNode name="node">
         <dgm:varLst>
-          <dgm:chMax val="0"/>
           <dgm:bulletEnabled val="1"/>
         </dgm:varLst>
-        <dgm:alg type="tx">
-          <dgm:param type="parTxLTRAlign" val="l"/>
-          <dgm:param type="parTxRTLAlign" val="r"/>
-        </dgm:alg>
+        <dgm:alg type="tx"/>
         <dgm:shape xmlns:r="http://schemas.openxmlformats.org/officeDocument/2006/relationships" type="roundRect" r:blip="">
           <dgm:adjLst/>
         </dgm:shape>
-        <dgm:presOf axis="self"/>
+        <dgm:presOf axis="desOrSelf" ptType="node"/>
         <dgm:constrLst>
+          <dgm:constr type="h" refType="w" fact="0.65"/>
           <dgm:constr type="tMarg" refType="primFontSz" fact="0.3"/>
           <dgm:constr type="bMarg" refType="primFontSz" fact="0.3"/>
           <dgm:constr type="lMarg" refType="primFontSz" fact="0.3"/>
           <dgm:constr type="rMarg" refType="primFontSz" fact="0.3"/>
         </dgm:constrLst>
         <dgm:ruleLst>
-          <dgm:rule type="h" val="INF" fact="NaN" max="NaN"/>
+          <dgm:rule type="primFontSz" val="5" fact="NaN" max="NaN"/>
         </dgm:ruleLst>
       </dgm:layoutNode>
-      <dgm:choose name="Name1">
-        <dgm:if name="Name2" axis="ch" ptType="node" func="cnt" op="gte" val="1">
-          <dgm:layoutNode name="childText" styleLbl="revTx">
-            <dgm:varLst>
-              <dgm:bulletEnabled val="1"/>
-            </dgm:varLst>
-            <dgm:alg type="tx">
-              <dgm:param type="stBulletLvl" val="1"/>
-              <dgm:param type="lnSpAfChP" val="20"/>
-            </dgm:alg>
-            <dgm:shape xmlns:r="http://schemas.openxmlformats.org/officeDocument/2006/relationships" type="rect" r:blip="">
+      <dgm:choose name="Name13">
+        <dgm:if name="Name14" axis="par ch" ptType="doc node" func="cnt" op="gt" val="1">
+          <dgm:layoutNode name="spNode">
+            <dgm:alg type="sp"/>
+            <dgm:shape xmlns:r="http://schemas.openxmlformats.org/officeDocument/2006/relationships" r:blip="">
               <dgm:adjLst/>
             </dgm:shape>
-            <dgm:presOf axis="des" ptType="node"/>
+            <dgm:presOf/>
             <dgm:constrLst>
-              <dgm:constr type="tMarg" refType="primFontSz" fact="0.1"/>
-              <dgm:constr type="bMarg" refType="primFontSz" fact="0.1"/>
-              <dgm:constr type="lMarg" refType="w" fact="0.09"/>
+              <dgm:constr type="h" refType="w"/>
             </dgm:constrLst>
-            <dgm:ruleLst>
-              <dgm:rule type="h" val="INF" fact="NaN" max="NaN"/>
-            </dgm:ruleLst>
+            <dgm:ruleLst/>
           </dgm:layoutNode>
+          <dgm:forEach name="Name15" axis="followSib" ptType="sibTrans" hideLastTrans="0" cnt="1">
+            <dgm:layoutNode name="sibTrans">
+              <dgm:alg type="conn">
+                <dgm:param type="dim" val="1D"/>
+                <dgm:param type="connRout" val="curve"/>
+                <dgm:param type="begPts" val="radial"/>
+                <dgm:param type="endPts" val="radial"/>
+              </dgm:alg>
+              <dgm:shape xmlns:r="http://schemas.openxmlformats.org/officeDocument/2006/relationships" type="conn" r:blip="">
+                <dgm:adjLst/>
+              </dgm:shape>
+              <dgm:presOf axis="self"/>
+              <dgm:constrLst>
+                <dgm:constr type="h" refType="w" fact="0.65"/>
+                <dgm:constr type="connDist"/>
+                <dgm:constr type="begPad" refType="connDist" fact="0.2"/>
+                <dgm:constr type="endPad" refType="connDist" fact="0.2"/>
+              </dgm:constrLst>
+              <dgm:ruleLst/>
+            </dgm:layoutNode>
+          </dgm:forEach>
         </dgm:if>
-        <dgm:else name="Name3">
-          <dgm:choose name="Name4">
-            <dgm:if name="Name5" axis="par ch" ptType="doc node" func="cnt" op="gte" val="2">
-              <dgm:forEach name="Name6" axis="followSib" ptType="sibTrans" cnt="1">
-                <dgm:layoutNode name="spacer">
-                  <dgm:alg type="sp"/>
-                  <dgm:shape xmlns:r="http://schemas.openxmlformats.org/officeDocument/2006/relationships" r:blip="">
-                    <dgm:adjLst/>
-                  </dgm:shape>
-                  <dgm:presOf/>
-                  <dgm:constrLst/>
-                  <dgm:ruleLst/>
-                </dgm:layoutNode>
-              </dgm:forEach>
-            </dgm:if>
-            <dgm:else name="Name7"/>
-          </dgm:choose>
-        </dgm:else>
+        <dgm:else name="Name16"/>
       </dgm:choose>
     </dgm:forEach>
   </dgm:layoutNode>
@@ -5350,12 +7168,12 @@
 </file>
 
 <file path=ppt/diagrams/layout4.xml><?xml version="1.0" encoding="utf-8"?>
-<dgm:layoutDef xmlns:dgm="http://schemas.openxmlformats.org/drawingml/2006/diagram" xmlns:a="http://schemas.openxmlformats.org/drawingml/2006/main" uniqueId="urn:microsoft.com/office/officeart/2005/8/layout/vList2">
+<dgm:layoutDef xmlns:dgm="http://schemas.openxmlformats.org/drawingml/2006/diagram" xmlns:a="http://schemas.openxmlformats.org/drawingml/2006/main" uniqueId="urn:microsoft.com/office/officeart/2008/layout/LinedList">
   <dgm:title val=""/>
   <dgm:desc val=""/>
   <dgm:catLst>
-    <dgm:cat type="list" pri="3000"/>
-    <dgm:cat type="convert" pri="1000"/>
+    <dgm:cat type="hierarchy" pri="8000"/>
+    <dgm:cat type="list" pri="2500"/>
   </dgm:catLst>
   <dgm:sampData>
     <dgm:dataModel>
@@ -5367,18 +7185,18 @@
         <dgm:pt modelId="11">
           <dgm:prSet phldr="1"/>
         </dgm:pt>
-        <dgm:pt modelId="2">
+        <dgm:pt modelId="12">
           <dgm:prSet phldr="1"/>
         </dgm:pt>
-        <dgm:pt modelId="21">
+        <dgm:pt modelId="13">
           <dgm:prSet phldr="1"/>
         </dgm:pt>
       </dgm:ptLst>
       <dgm:cxnLst>
-        <dgm:cxn modelId="4" srcId="0" destId="1" srcOrd="0" destOrd="0"/>
-        <dgm:cxn modelId="5" srcId="0" destId="2" srcOrd="1" destOrd="0"/>
-        <dgm:cxn modelId="12" srcId="1" destId="11" srcOrd="0" destOrd="0"/>
-        <dgm:cxn modelId="23" srcId="2" destId="21" srcOrd="0" destOrd="0"/>
+        <dgm:cxn modelId="2" srcId="0" destId="1" srcOrd="0" destOrd="0"/>
+        <dgm:cxn modelId="3" srcId="1" destId="11" srcOrd="0" destOrd="0"/>
+        <dgm:cxn modelId="4" srcId="1" destId="12" srcOrd="1" destOrd="0"/>
+        <dgm:cxn modelId="5" srcId="1" destId="13" srcOrd="2" destOrd="0"/>
       </dgm:cxnLst>
       <dgm:bg/>
       <dgm:whole/>
@@ -5388,12 +7206,20 @@
     <dgm:dataModel>
       <dgm:ptLst>
         <dgm:pt modelId="0" type="doc"/>
-        <dgm:pt modelId="1"/>
-        <dgm:pt modelId="2"/>
+        <dgm:pt modelId="1">
+          <dgm:prSet phldr="1"/>
+        </dgm:pt>
+        <dgm:pt modelId="11">
+          <dgm:prSet phldr="1"/>
+        </dgm:pt>
+        <dgm:pt modelId="12">
+          <dgm:prSet phldr="1"/>
+        </dgm:pt>
       </dgm:ptLst>
       <dgm:cxnLst>
-        <dgm:cxn modelId="3" srcId="0" destId="1" srcOrd="0" destOrd="0"/>
-        <dgm:cxn modelId="4" srcId="0" destId="2" srcOrd="1" destOrd="0"/>
+        <dgm:cxn modelId="2" srcId="0" destId="1" srcOrd="0" destOrd="0"/>
+        <dgm:cxn modelId="3" srcId="1" destId="11" srcOrd="0" destOrd="0"/>
+        <dgm:cxn modelId="4" srcId="1" destId="12" srcOrd="1" destOrd="0"/>
       </dgm:cxnLst>
       <dgm:bg/>
       <dgm:whole/>
@@ -5403,114 +7229,871 @@
     <dgm:dataModel>
       <dgm:ptLst>
         <dgm:pt modelId="0" type="doc"/>
-        <dgm:pt modelId="1"/>
-        <dgm:pt modelId="2"/>
-        <dgm:pt modelId="3"/>
-        <dgm:pt modelId="4"/>
+        <dgm:pt modelId="1">
+          <dgm:prSet phldr="1"/>
+        </dgm:pt>
+        <dgm:pt modelId="11">
+          <dgm:prSet phldr="1"/>
+        </dgm:pt>
+        <dgm:pt modelId="12">
+          <dgm:prSet phldr="1"/>
+        </dgm:pt>
       </dgm:ptLst>
       <dgm:cxnLst>
-        <dgm:cxn modelId="5" srcId="0" destId="1" srcOrd="0" destOrd="0"/>
-        <dgm:cxn modelId="6" srcId="0" destId="2" srcOrd="1" destOrd="0"/>
-        <dgm:cxn modelId="7" srcId="0" destId="3" srcOrd="2" destOrd="0"/>
-        <dgm:cxn modelId="8" srcId="0" destId="4" srcOrd="3" destOrd="0"/>
+        <dgm:cxn modelId="2" srcId="0" destId="1" srcOrd="0" destOrd="0"/>
+        <dgm:cxn modelId="3" srcId="1" destId="11" srcOrd="0" destOrd="0"/>
+        <dgm:cxn modelId="4" srcId="1" destId="12" srcOrd="1" destOrd="0"/>
       </dgm:cxnLst>
       <dgm:bg/>
       <dgm:whole/>
     </dgm:dataModel>
   </dgm:clrData>
-  <dgm:layoutNode name="linear">
+  <dgm:layoutNode name="vert0">
     <dgm:varLst>
+      <dgm:dir/>
+      <dgm:animOne val="branch"/>
       <dgm:animLvl val="lvl"/>
-      <dgm:resizeHandles val="exact"/>
     </dgm:varLst>
-    <dgm:alg type="lin">
-      <dgm:param type="linDir" val="fromT"/>
-      <dgm:param type="vertAlign" val="mid"/>
-    </dgm:alg>
+    <dgm:choose name="Name0">
+      <dgm:if name="Name1" func="var" arg="dir" op="equ" val="norm">
+        <dgm:alg type="lin">
+          <dgm:param type="linDir" val="fromT"/>
+          <dgm:param type="nodeHorzAlign" val="l"/>
+        </dgm:alg>
+      </dgm:if>
+      <dgm:else name="Name2">
+        <dgm:alg type="lin">
+          <dgm:param type="linDir" val="fromT"/>
+          <dgm:param type="nodeHorzAlign" val="r"/>
+        </dgm:alg>
+      </dgm:else>
+    </dgm:choose>
     <dgm:shape xmlns:r="http://schemas.openxmlformats.org/officeDocument/2006/relationships" r:blip="">
       <dgm:adjLst/>
     </dgm:shape>
     <dgm:presOf/>
     <dgm:constrLst>
-      <dgm:constr type="w" for="ch" forName="parentText" refType="w"/>
-      <dgm:constr type="h" for="ch" forName="parentText" refType="primFontSz" refFor="ch" refForName="parentText" fact="0.52"/>
-      <dgm:constr type="w" for="ch" forName="childText" refType="w"/>
-      <dgm:constr type="h" for="ch" forName="childText" refType="primFontSz" refFor="ch" refForName="parentText" fact="0.46"/>
-      <dgm:constr type="h" for="ch" forName="parentText" op="equ"/>
-      <dgm:constr type="primFontSz" for="ch" forName="parentText" op="equ" val="65"/>
-      <dgm:constr type="primFontSz" for="ch" forName="childText" refType="primFontSz" refFor="ch" refForName="parentText" op="equ"/>
-      <dgm:constr type="h" for="ch" forName="spacer" refType="primFontSz" refFor="ch" refForName="parentText" fact="0.08"/>
+      <dgm:constr type="w" for="ch" forName="horz1" refType="w"/>
+      <dgm:constr type="h" for="ch" forName="horz1" refType="h"/>
+      <dgm:constr type="h" for="des" forName="vert1" refType="h"/>
+      <dgm:constr type="h" for="des" forName="tx1" refType="h"/>
+      <dgm:constr type="h" for="des" forName="horz2" refType="h"/>
+      <dgm:constr type="h" for="des" forName="vert2" refType="h"/>
+      <dgm:constr type="h" for="des" forName="horz3" refType="h"/>
+      <dgm:constr type="h" for="des" forName="vert3" refType="h"/>
+      <dgm:constr type="h" for="des" forName="horz4" refType="h"/>
+      <dgm:constr type="h" for="des" ptType="node" refType="h"/>
+      <dgm:constr type="primFontSz" for="des" forName="tx1" op="equ" val="65"/>
+      <dgm:constr type="primFontSz" for="des" forName="tx2" op="equ" val="65"/>
+      <dgm:constr type="primFontSz" for="des" forName="tx3" op="equ" val="65"/>
+      <dgm:constr type="primFontSz" for="des" forName="tx4" op="equ" val="65"/>
+      <dgm:constr type="w" for="des" forName="thickLine" refType="w"/>
+      <dgm:constr type="h" for="des" forName="thickLine"/>
+      <dgm:constr type="h" for="des" forName="thinLine1"/>
+      <dgm:constr type="h" for="des" forName="thinLine2b"/>
+      <dgm:constr type="h" for="des" forName="thinLine3"/>
+      <dgm:constr type="h" for="des" forName="vertSpace2a" refType="h" fact="0.05"/>
+      <dgm:constr type="h" for="des" forName="vertSpace2b" refType="h" refFor="des" refForName="vertSpace2a"/>
     </dgm:constrLst>
-    <dgm:ruleLst>
-      <dgm:rule type="primFontSz" for="ch" forName="parentText" val="5" fact="NaN" max="NaN"/>
-    </dgm:ruleLst>
-    <dgm:forEach name="Name0" axis="ch" ptType="node">
-      <dgm:layoutNode name="parentText" styleLbl="node1">
-        <dgm:varLst>
-          <dgm:chMax val="0"/>
-          <dgm:bulletEnabled val="1"/>
-        </dgm:varLst>
-        <dgm:alg type="tx">
-          <dgm:param type="parTxLTRAlign" val="l"/>
-          <dgm:param type="parTxRTLAlign" val="r"/>
-        </dgm:alg>
-        <dgm:shape xmlns:r="http://schemas.openxmlformats.org/officeDocument/2006/relationships" type="roundRect" r:blip="">
+    <dgm:forEach name="Name3" axis="ch" ptType="node">
+      <dgm:layoutNode name="thickLine" styleLbl="alignNode1">
+        <dgm:alg type="sp"/>
+        <dgm:shape xmlns:r="http://schemas.openxmlformats.org/officeDocument/2006/relationships" type="line" r:blip="">
           <dgm:adjLst/>
         </dgm:shape>
-        <dgm:presOf axis="self"/>
-        <dgm:constrLst>
-          <dgm:constr type="tMarg" refType="primFontSz" fact="0.3"/>
-          <dgm:constr type="bMarg" refType="primFontSz" fact="0.3"/>
-          <dgm:constr type="lMarg" refType="primFontSz" fact="0.3"/>
-          <dgm:constr type="rMarg" refType="primFontSz" fact="0.3"/>
-        </dgm:constrLst>
-        <dgm:ruleLst>
-          <dgm:rule type="h" val="INF" fact="NaN" max="NaN"/>
-        </dgm:ruleLst>
+        <dgm:presOf/>
       </dgm:layoutNode>
-      <dgm:choose name="Name1">
-        <dgm:if name="Name2" axis="ch" ptType="node" func="cnt" op="gte" val="1">
-          <dgm:layoutNode name="childText" styleLbl="revTx">
-            <dgm:varLst>
-              <dgm:bulletEnabled val="1"/>
-            </dgm:varLst>
-            <dgm:alg type="tx">
-              <dgm:param type="stBulletLvl" val="1"/>
-              <dgm:param type="lnSpAfChP" val="20"/>
+      <dgm:layoutNode name="horz1">
+        <dgm:choose name="Name4">
+          <dgm:if name="Name5" func="var" arg="dir" op="equ" val="norm">
+            <dgm:alg type="lin">
+              <dgm:param type="linDir" val="fromL"/>
+              <dgm:param type="nodeVertAlign" val="t"/>
             </dgm:alg>
-            <dgm:shape xmlns:r="http://schemas.openxmlformats.org/officeDocument/2006/relationships" type="rect" r:blip="">
-              <dgm:adjLst/>
-            </dgm:shape>
-            <dgm:presOf axis="des" ptType="node"/>
+          </dgm:if>
+          <dgm:else name="Name6">
+            <dgm:alg type="lin">
+              <dgm:param type="linDir" val="fromR"/>
+              <dgm:param type="nodeVertAlign" val="t"/>
+            </dgm:alg>
+          </dgm:else>
+        </dgm:choose>
+        <dgm:shape xmlns:r="http://schemas.openxmlformats.org/officeDocument/2006/relationships" r:blip="">
+          <dgm:adjLst/>
+        </dgm:shape>
+        <dgm:presOf/>
+        <dgm:choose name="Name7">
+          <dgm:if name="Name8" axis="root des" func="maxDepth" op="equ" val="1">
             <dgm:constrLst>
-              <dgm:constr type="tMarg" refType="primFontSz" fact="0.1"/>
-              <dgm:constr type="bMarg" refType="primFontSz" fact="0.1"/>
-              <dgm:constr type="lMarg" refType="w" fact="0.09"/>
+              <dgm:constr type="w" for="ch" forName="tx1" refType="w"/>
             </dgm:constrLst>
-            <dgm:ruleLst>
-              <dgm:rule type="h" val="INF" fact="NaN" max="NaN"/>
-            </dgm:ruleLst>
-          </dgm:layoutNode>
-        </dgm:if>
-        <dgm:else name="Name3">
-          <dgm:choose name="Name4">
-            <dgm:if name="Name5" axis="par ch" ptType="doc node" func="cnt" op="gte" val="2">
-              <dgm:forEach name="Name6" axis="followSib" ptType="sibTrans" cnt="1">
-                <dgm:layoutNode name="spacer">
+          </dgm:if>
+          <dgm:if name="Name9" axis="root des" func="maxDepth" op="equ" val="2">
+            <dgm:constrLst>
+              <dgm:constr type="w" for="ch" forName="tx1" refType="w" fact="0.2"/>
+              <dgm:constr type="w" for="des" forName="tx2" refType="w" fact="0.785"/>
+              <dgm:constr type="w" for="des" forName="horzSpace2" refType="w" fact="0.015"/>
+              <dgm:constr type="w" for="des" forName="thinLine2b" refType="w" fact="0.8"/>
+            </dgm:constrLst>
+          </dgm:if>
+          <dgm:if name="Name10" axis="root des" func="maxDepth" op="equ" val="3">
+            <dgm:constrLst>
+              <dgm:constr type="w" for="ch" forName="tx1" refType="w" fact="0.2"/>
+              <dgm:constr type="w" for="des" forName="tx2" refType="w" fact="0.385"/>
+              <dgm:constr type="w" for="des" forName="tx3" refType="w" fact="0.385"/>
+              <dgm:constr type="w" for="des" forName="horzSpace2" refType="w" fact="0.015"/>
+              <dgm:constr type="w" for="des" forName="horzSpace3" refType="w" fact="0.015"/>
+              <dgm:constr type="w" for="des" forName="thinLine2b" refType="w" fact="0.8"/>
+              <dgm:constr type="w" for="des" forName="thinLine3" refType="w" fact="0.385"/>
+            </dgm:constrLst>
+          </dgm:if>
+          <dgm:if name="Name11" axis="root des" func="maxDepth" op="gte" val="4">
+            <dgm:constrLst>
+              <dgm:constr type="w" for="ch" forName="tx1" refType="w" fact="0.2"/>
+              <dgm:constr type="w" for="des" forName="tx2" refType="w" fact="0.2516"/>
+              <dgm:constr type="w" for="des" forName="tx3" refType="w" fact="0.2516"/>
+              <dgm:constr type="w" for="des" forName="tx4" refType="w" fact="0.2516"/>
+              <dgm:constr type="w" for="des" forName="horzSpace2" refType="w" fact="0.015"/>
+              <dgm:constr type="w" for="des" forName="horzSpace3" refType="w" fact="0.015"/>
+              <dgm:constr type="w" for="des" forName="horzSpace4" refType="w" fact="0.015"/>
+              <dgm:constr type="w" for="des" forName="thinLine2b" refType="w" fact="0.8"/>
+              <dgm:constr type="w" for="des" forName="thinLine3" refType="w" fact="0.5332"/>
+            </dgm:constrLst>
+          </dgm:if>
+          <dgm:else name="Name12"/>
+        </dgm:choose>
+        <dgm:layoutNode name="tx1" styleLbl="revTx">
+          <dgm:alg type="tx">
+            <dgm:param type="parTxLTRAlign" val="l"/>
+            <dgm:param type="parTxRTLAlign" val="r"/>
+            <dgm:param type="txAnchorVert" val="t"/>
+          </dgm:alg>
+          <dgm:shape xmlns:r="http://schemas.openxmlformats.org/officeDocument/2006/relationships" type="rect" r:blip="">
+            <dgm:adjLst/>
+          </dgm:shape>
+          <dgm:presOf axis="self"/>
+          <dgm:constrLst>
+            <dgm:constr type="tMarg" refType="primFontSz" fact="0.3"/>
+            <dgm:constr type="bMarg" refType="primFontSz" fact="0.3"/>
+            <dgm:constr type="lMarg" refType="primFontSz" fact="0.3"/>
+            <dgm:constr type="rMarg" refType="primFontSz" fact="0.3"/>
+          </dgm:constrLst>
+          <dgm:ruleLst>
+            <dgm:rule type="primFontSz" val="5" fact="NaN" max="NaN"/>
+          </dgm:ruleLst>
+        </dgm:layoutNode>
+        <dgm:layoutNode name="vert1">
+          <dgm:choose name="Name13">
+            <dgm:if name="Name14" func="var" arg="dir" op="equ" val="norm">
+              <dgm:alg type="lin">
+                <dgm:param type="linDir" val="fromT"/>
+                <dgm:param type="nodeHorzAlign" val="l"/>
+              </dgm:alg>
+            </dgm:if>
+            <dgm:else name="Name15">
+              <dgm:alg type="lin">
+                <dgm:param type="linDir" val="fromT"/>
+                <dgm:param type="nodeHorzAlign" val="r"/>
+              </dgm:alg>
+            </dgm:else>
+          </dgm:choose>
+          <dgm:shape xmlns:r="http://schemas.openxmlformats.org/officeDocument/2006/relationships" r:blip="">
+            <dgm:adjLst/>
+          </dgm:shape>
+          <dgm:presOf/>
+          <dgm:forEach name="Name16" axis="ch" ptType="node">
+            <dgm:choose name="Name17">
+              <dgm:if name="Name18" axis="self" ptType="node" func="pos" op="equ" val="1">
+                <dgm:layoutNode name="vertSpace2a">
                   <dgm:alg type="sp"/>
                   <dgm:shape xmlns:r="http://schemas.openxmlformats.org/officeDocument/2006/relationships" r:blip="">
                     <dgm:adjLst/>
                   </dgm:shape>
                   <dgm:presOf/>
-                  <dgm:constrLst/>
-                  <dgm:ruleLst/>
                 </dgm:layoutNode>
-              </dgm:forEach>
+              </dgm:if>
+              <dgm:else name="Name19"/>
+            </dgm:choose>
+            <dgm:layoutNode name="horz2">
+              <dgm:choose name="Name20">
+                <dgm:if name="Name21" func="var" arg="dir" op="equ" val="norm">
+                  <dgm:alg type="lin">
+                    <dgm:param type="linDir" val="fromL"/>
+                    <dgm:param type="nodeVertAlign" val="t"/>
+                  </dgm:alg>
+                </dgm:if>
+                <dgm:else name="Name22">
+                  <dgm:alg type="lin">
+                    <dgm:param type="linDir" val="fromR"/>
+                    <dgm:param type="nodeVertAlign" val="t"/>
+                  </dgm:alg>
+                </dgm:else>
+              </dgm:choose>
+              <dgm:shape xmlns:r="http://schemas.openxmlformats.org/officeDocument/2006/relationships" r:blip="">
+                <dgm:adjLst/>
+              </dgm:shape>
+              <dgm:presOf/>
+              <dgm:layoutNode name="horzSpace2">
+                <dgm:alg type="sp"/>
+                <dgm:shape xmlns:r="http://schemas.openxmlformats.org/officeDocument/2006/relationships" r:blip="">
+                  <dgm:adjLst/>
+                </dgm:shape>
+                <dgm:presOf/>
+              </dgm:layoutNode>
+              <dgm:layoutNode name="tx2" styleLbl="revTx">
+                <dgm:alg type="tx">
+                  <dgm:param type="parTxLTRAlign" val="l"/>
+                  <dgm:param type="parTxRTLAlign" val="r"/>
+                  <dgm:param type="txAnchorVert" val="t"/>
+                </dgm:alg>
+                <dgm:shape xmlns:r="http://schemas.openxmlformats.org/officeDocument/2006/relationships" type="rect" r:blip="">
+                  <dgm:adjLst/>
+                </dgm:shape>
+                <dgm:presOf axis="self"/>
+                <dgm:constrLst>
+                  <dgm:constr type="tMarg" refType="primFontSz" fact="0.3"/>
+                  <dgm:constr type="bMarg" refType="primFontSz" fact="0.3"/>
+                  <dgm:constr type="lMarg" refType="primFontSz" fact="0.3"/>
+                  <dgm:constr type="rMarg" refType="primFontSz" fact="0.3"/>
+                </dgm:constrLst>
+                <dgm:ruleLst>
+                  <dgm:rule type="primFontSz" val="5" fact="NaN" max="NaN"/>
+                </dgm:ruleLst>
+              </dgm:layoutNode>
+              <dgm:layoutNode name="vert2">
+                <dgm:choose name="Name23">
+                  <dgm:if name="Name24" func="var" arg="dir" op="equ" val="norm">
+                    <dgm:alg type="lin">
+                      <dgm:param type="linDir" val="fromT"/>
+                      <dgm:param type="nodeHorzAlign" val="l"/>
+                    </dgm:alg>
+                  </dgm:if>
+                  <dgm:else name="Name25">
+                    <dgm:alg type="lin">
+                      <dgm:param type="linDir" val="fromT"/>
+                      <dgm:param type="nodeHorzAlign" val="r"/>
+                    </dgm:alg>
+                  </dgm:else>
+                </dgm:choose>
+                <dgm:shape xmlns:r="http://schemas.openxmlformats.org/officeDocument/2006/relationships" r:blip="">
+                  <dgm:adjLst/>
+                </dgm:shape>
+                <dgm:presOf/>
+                <dgm:forEach name="Name26" axis="ch" ptType="node">
+                  <dgm:layoutNode name="horz3">
+                    <dgm:choose name="Name27">
+                      <dgm:if name="Name28" func="var" arg="dir" op="equ" val="norm">
+                        <dgm:alg type="lin">
+                          <dgm:param type="linDir" val="fromL"/>
+                          <dgm:param type="nodeVertAlign" val="t"/>
+                        </dgm:alg>
+                      </dgm:if>
+                      <dgm:else name="Name29">
+                        <dgm:alg type="lin">
+                          <dgm:param type="linDir" val="fromR"/>
+                          <dgm:param type="nodeVertAlign" val="t"/>
+                        </dgm:alg>
+                      </dgm:else>
+                    </dgm:choose>
+                    <dgm:shape xmlns:r="http://schemas.openxmlformats.org/officeDocument/2006/relationships" r:blip="">
+                      <dgm:adjLst/>
+                    </dgm:shape>
+                    <dgm:presOf/>
+                    <dgm:layoutNode name="horzSpace3">
+                      <dgm:alg type="sp"/>
+                      <dgm:shape xmlns:r="http://schemas.openxmlformats.org/officeDocument/2006/relationships" r:blip="">
+                        <dgm:adjLst/>
+                      </dgm:shape>
+                      <dgm:presOf/>
+                    </dgm:layoutNode>
+                    <dgm:layoutNode name="tx3" styleLbl="revTx">
+                      <dgm:alg type="tx">
+                        <dgm:param type="parTxLTRAlign" val="l"/>
+                        <dgm:param type="parTxRTLAlign" val="r"/>
+                        <dgm:param type="txAnchorVert" val="t"/>
+                      </dgm:alg>
+                      <dgm:shape xmlns:r="http://schemas.openxmlformats.org/officeDocument/2006/relationships" type="rect" r:blip="">
+                        <dgm:adjLst/>
+                      </dgm:shape>
+                      <dgm:presOf axis="self"/>
+                      <dgm:constrLst>
+                        <dgm:constr type="tMarg" refType="primFontSz" fact="0.3"/>
+                        <dgm:constr type="bMarg" refType="primFontSz" fact="0.3"/>
+                        <dgm:constr type="lMarg" refType="primFontSz" fact="0.3"/>
+                        <dgm:constr type="rMarg" refType="primFontSz" fact="0.3"/>
+                      </dgm:constrLst>
+                      <dgm:ruleLst>
+                        <dgm:rule type="primFontSz" val="5" fact="NaN" max="NaN"/>
+                      </dgm:ruleLst>
+                    </dgm:layoutNode>
+                    <dgm:layoutNode name="vert3">
+                      <dgm:choose name="Name30">
+                        <dgm:if name="Name31" func="var" arg="dir" op="equ" val="norm">
+                          <dgm:alg type="lin">
+                            <dgm:param type="linDir" val="fromT"/>
+                            <dgm:param type="nodeHorzAlign" val="l"/>
+                          </dgm:alg>
+                        </dgm:if>
+                        <dgm:else name="Name32">
+                          <dgm:alg type="lin">
+                            <dgm:param type="linDir" val="fromT"/>
+                            <dgm:param type="nodeHorzAlign" val="r"/>
+                          </dgm:alg>
+                        </dgm:else>
+                      </dgm:choose>
+                      <dgm:shape xmlns:r="http://schemas.openxmlformats.org/officeDocument/2006/relationships" r:blip="">
+                        <dgm:adjLst/>
+                      </dgm:shape>
+                      <dgm:presOf/>
+                      <dgm:forEach name="Name33" axis="ch" ptType="node">
+                        <dgm:layoutNode name="horz4">
+                          <dgm:choose name="Name34">
+                            <dgm:if name="Name35" func="var" arg="dir" op="equ" val="norm">
+                              <dgm:alg type="lin">
+                                <dgm:param type="linDir" val="fromL"/>
+                                <dgm:param type="nodeVertAlign" val="t"/>
+                              </dgm:alg>
+                            </dgm:if>
+                            <dgm:else name="Name36">
+                              <dgm:alg type="lin">
+                                <dgm:param type="linDir" val="fromR"/>
+                                <dgm:param type="nodeVertAlign" val="t"/>
+                              </dgm:alg>
+                            </dgm:else>
+                          </dgm:choose>
+                          <dgm:shape xmlns:r="http://schemas.openxmlformats.org/officeDocument/2006/relationships" r:blip="">
+                            <dgm:adjLst/>
+                          </dgm:shape>
+                          <dgm:presOf/>
+                          <dgm:layoutNode name="horzSpace4">
+                            <dgm:alg type="sp"/>
+                            <dgm:shape xmlns:r="http://schemas.openxmlformats.org/officeDocument/2006/relationships" r:blip="">
+                              <dgm:adjLst/>
+                            </dgm:shape>
+                            <dgm:presOf/>
+                          </dgm:layoutNode>
+                          <dgm:layoutNode name="tx4" styleLbl="revTx">
+                            <dgm:varLst>
+                              <dgm:bulletEnabled val="1"/>
+                            </dgm:varLst>
+                            <dgm:alg type="tx">
+                              <dgm:param type="parTxLTRAlign" val="l"/>
+                              <dgm:param type="parTxRTLAlign" val="r"/>
+                              <dgm:param type="txAnchorVert" val="t"/>
+                            </dgm:alg>
+                            <dgm:shape xmlns:r="http://schemas.openxmlformats.org/officeDocument/2006/relationships" type="rect" r:blip="">
+                              <dgm:adjLst/>
+                            </dgm:shape>
+                            <dgm:presOf axis="desOrSelf" ptType="node"/>
+                            <dgm:constrLst>
+                              <dgm:constr type="tMarg" refType="primFontSz" fact="0.3"/>
+                              <dgm:constr type="bMarg" refType="primFontSz" fact="0.3"/>
+                              <dgm:constr type="lMarg" refType="primFontSz" fact="0.3"/>
+                              <dgm:constr type="rMarg" refType="primFontSz" fact="0.3"/>
+                            </dgm:constrLst>
+                            <dgm:ruleLst>
+                              <dgm:rule type="primFontSz" val="5" fact="NaN" max="NaN"/>
+                            </dgm:ruleLst>
+                          </dgm:layoutNode>
+                        </dgm:layoutNode>
+                      </dgm:forEach>
+                    </dgm:layoutNode>
+                  </dgm:layoutNode>
+                  <dgm:forEach name="Name37" axis="followSib" ptType="sibTrans" cnt="1">
+                    <dgm:layoutNode name="thinLine3" styleLbl="callout">
+                      <dgm:alg type="sp"/>
+                      <dgm:shape xmlns:r="http://schemas.openxmlformats.org/officeDocument/2006/relationships" type="line" r:blip="">
+                        <dgm:adjLst/>
+                      </dgm:shape>
+                      <dgm:presOf/>
+                    </dgm:layoutNode>
+                  </dgm:forEach>
+                </dgm:forEach>
+              </dgm:layoutNode>
+            </dgm:layoutNode>
+            <dgm:layoutNode name="thinLine2b" styleLbl="callout">
+              <dgm:alg type="sp"/>
+              <dgm:shape xmlns:r="http://schemas.openxmlformats.org/officeDocument/2006/relationships" type="line" r:blip="">
+                <dgm:adjLst/>
+              </dgm:shape>
+              <dgm:presOf/>
+            </dgm:layoutNode>
+            <dgm:layoutNode name="vertSpace2b">
+              <dgm:alg type="sp"/>
+              <dgm:shape xmlns:r="http://schemas.openxmlformats.org/officeDocument/2006/relationships" r:blip="">
+                <dgm:adjLst/>
+              </dgm:shape>
+              <dgm:presOf/>
+            </dgm:layoutNode>
+          </dgm:forEach>
+        </dgm:layoutNode>
+      </dgm:layoutNode>
+    </dgm:forEach>
+  </dgm:layoutNode>
+</dgm:layoutDef>
+</file>
+
+<file path=ppt/diagrams/layout5.xml><?xml version="1.0" encoding="utf-8"?>
+<dgm:layoutDef xmlns:dgm="http://schemas.openxmlformats.org/drawingml/2006/diagram" xmlns:a="http://schemas.openxmlformats.org/drawingml/2006/main" uniqueId="urn:microsoft.com/office/officeart/2008/layout/LinedList">
+  <dgm:title val=""/>
+  <dgm:desc val=""/>
+  <dgm:catLst>
+    <dgm:cat type="hierarchy" pri="8000"/>
+    <dgm:cat type="list" pri="2500"/>
+  </dgm:catLst>
+  <dgm:sampData>
+    <dgm:dataModel>
+      <dgm:ptLst>
+        <dgm:pt modelId="0" type="doc"/>
+        <dgm:pt modelId="1">
+          <dgm:prSet phldr="1"/>
+        </dgm:pt>
+        <dgm:pt modelId="11">
+          <dgm:prSet phldr="1"/>
+        </dgm:pt>
+        <dgm:pt modelId="12">
+          <dgm:prSet phldr="1"/>
+        </dgm:pt>
+        <dgm:pt modelId="13">
+          <dgm:prSet phldr="1"/>
+        </dgm:pt>
+      </dgm:ptLst>
+      <dgm:cxnLst>
+        <dgm:cxn modelId="2" srcId="0" destId="1" srcOrd="0" destOrd="0"/>
+        <dgm:cxn modelId="3" srcId="1" destId="11" srcOrd="0" destOrd="0"/>
+        <dgm:cxn modelId="4" srcId="1" destId="12" srcOrd="1" destOrd="0"/>
+        <dgm:cxn modelId="5" srcId="1" destId="13" srcOrd="2" destOrd="0"/>
+      </dgm:cxnLst>
+      <dgm:bg/>
+      <dgm:whole/>
+    </dgm:dataModel>
+  </dgm:sampData>
+  <dgm:styleData>
+    <dgm:dataModel>
+      <dgm:ptLst>
+        <dgm:pt modelId="0" type="doc"/>
+        <dgm:pt modelId="1">
+          <dgm:prSet phldr="1"/>
+        </dgm:pt>
+        <dgm:pt modelId="11">
+          <dgm:prSet phldr="1"/>
+        </dgm:pt>
+        <dgm:pt modelId="12">
+          <dgm:prSet phldr="1"/>
+        </dgm:pt>
+      </dgm:ptLst>
+      <dgm:cxnLst>
+        <dgm:cxn modelId="2" srcId="0" destId="1" srcOrd="0" destOrd="0"/>
+        <dgm:cxn modelId="3" srcId="1" destId="11" srcOrd="0" destOrd="0"/>
+        <dgm:cxn modelId="4" srcId="1" destId="12" srcOrd="1" destOrd="0"/>
+      </dgm:cxnLst>
+      <dgm:bg/>
+      <dgm:whole/>
+    </dgm:dataModel>
+  </dgm:styleData>
+  <dgm:clrData>
+    <dgm:dataModel>
+      <dgm:ptLst>
+        <dgm:pt modelId="0" type="doc"/>
+        <dgm:pt modelId="1">
+          <dgm:prSet phldr="1"/>
+        </dgm:pt>
+        <dgm:pt modelId="11">
+          <dgm:prSet phldr="1"/>
+        </dgm:pt>
+        <dgm:pt modelId="12">
+          <dgm:prSet phldr="1"/>
+        </dgm:pt>
+      </dgm:ptLst>
+      <dgm:cxnLst>
+        <dgm:cxn modelId="2" srcId="0" destId="1" srcOrd="0" destOrd="0"/>
+        <dgm:cxn modelId="3" srcId="1" destId="11" srcOrd="0" destOrd="0"/>
+        <dgm:cxn modelId="4" srcId="1" destId="12" srcOrd="1" destOrd="0"/>
+      </dgm:cxnLst>
+      <dgm:bg/>
+      <dgm:whole/>
+    </dgm:dataModel>
+  </dgm:clrData>
+  <dgm:layoutNode name="vert0">
+    <dgm:varLst>
+      <dgm:dir/>
+      <dgm:animOne val="branch"/>
+      <dgm:animLvl val="lvl"/>
+    </dgm:varLst>
+    <dgm:choose name="Name0">
+      <dgm:if name="Name1" func="var" arg="dir" op="equ" val="norm">
+        <dgm:alg type="lin">
+          <dgm:param type="linDir" val="fromT"/>
+          <dgm:param type="nodeHorzAlign" val="l"/>
+        </dgm:alg>
+      </dgm:if>
+      <dgm:else name="Name2">
+        <dgm:alg type="lin">
+          <dgm:param type="linDir" val="fromT"/>
+          <dgm:param type="nodeHorzAlign" val="r"/>
+        </dgm:alg>
+      </dgm:else>
+    </dgm:choose>
+    <dgm:shape xmlns:r="http://schemas.openxmlformats.org/officeDocument/2006/relationships" r:blip="">
+      <dgm:adjLst/>
+    </dgm:shape>
+    <dgm:presOf/>
+    <dgm:constrLst>
+      <dgm:constr type="w" for="ch" forName="horz1" refType="w"/>
+      <dgm:constr type="h" for="ch" forName="horz1" refType="h"/>
+      <dgm:constr type="h" for="des" forName="vert1" refType="h"/>
+      <dgm:constr type="h" for="des" forName="tx1" refType="h"/>
+      <dgm:constr type="h" for="des" forName="horz2" refType="h"/>
+      <dgm:constr type="h" for="des" forName="vert2" refType="h"/>
+      <dgm:constr type="h" for="des" forName="horz3" refType="h"/>
+      <dgm:constr type="h" for="des" forName="vert3" refType="h"/>
+      <dgm:constr type="h" for="des" forName="horz4" refType="h"/>
+      <dgm:constr type="h" for="des" ptType="node" refType="h"/>
+      <dgm:constr type="primFontSz" for="des" forName="tx1" op="equ" val="65"/>
+      <dgm:constr type="primFontSz" for="des" forName="tx2" op="equ" val="65"/>
+      <dgm:constr type="primFontSz" for="des" forName="tx3" op="equ" val="65"/>
+      <dgm:constr type="primFontSz" for="des" forName="tx4" op="equ" val="65"/>
+      <dgm:constr type="w" for="des" forName="thickLine" refType="w"/>
+      <dgm:constr type="h" for="des" forName="thickLine"/>
+      <dgm:constr type="h" for="des" forName="thinLine1"/>
+      <dgm:constr type="h" for="des" forName="thinLine2b"/>
+      <dgm:constr type="h" for="des" forName="thinLine3"/>
+      <dgm:constr type="h" for="des" forName="vertSpace2a" refType="h" fact="0.05"/>
+      <dgm:constr type="h" for="des" forName="vertSpace2b" refType="h" refFor="des" refForName="vertSpace2a"/>
+    </dgm:constrLst>
+    <dgm:forEach name="Name3" axis="ch" ptType="node">
+      <dgm:layoutNode name="thickLine" styleLbl="alignNode1">
+        <dgm:alg type="sp"/>
+        <dgm:shape xmlns:r="http://schemas.openxmlformats.org/officeDocument/2006/relationships" type="line" r:blip="">
+          <dgm:adjLst/>
+        </dgm:shape>
+        <dgm:presOf/>
+      </dgm:layoutNode>
+      <dgm:layoutNode name="horz1">
+        <dgm:choose name="Name4">
+          <dgm:if name="Name5" func="var" arg="dir" op="equ" val="norm">
+            <dgm:alg type="lin">
+              <dgm:param type="linDir" val="fromL"/>
+              <dgm:param type="nodeVertAlign" val="t"/>
+            </dgm:alg>
+          </dgm:if>
+          <dgm:else name="Name6">
+            <dgm:alg type="lin">
+              <dgm:param type="linDir" val="fromR"/>
+              <dgm:param type="nodeVertAlign" val="t"/>
+            </dgm:alg>
+          </dgm:else>
+        </dgm:choose>
+        <dgm:shape xmlns:r="http://schemas.openxmlformats.org/officeDocument/2006/relationships" r:blip="">
+          <dgm:adjLst/>
+        </dgm:shape>
+        <dgm:presOf/>
+        <dgm:choose name="Name7">
+          <dgm:if name="Name8" axis="root des" func="maxDepth" op="equ" val="1">
+            <dgm:constrLst>
+              <dgm:constr type="w" for="ch" forName="tx1" refType="w"/>
+            </dgm:constrLst>
+          </dgm:if>
+          <dgm:if name="Name9" axis="root des" func="maxDepth" op="equ" val="2">
+            <dgm:constrLst>
+              <dgm:constr type="w" for="ch" forName="tx1" refType="w" fact="0.2"/>
+              <dgm:constr type="w" for="des" forName="tx2" refType="w" fact="0.785"/>
+              <dgm:constr type="w" for="des" forName="horzSpace2" refType="w" fact="0.015"/>
+              <dgm:constr type="w" for="des" forName="thinLine2b" refType="w" fact="0.8"/>
+            </dgm:constrLst>
+          </dgm:if>
+          <dgm:if name="Name10" axis="root des" func="maxDepth" op="equ" val="3">
+            <dgm:constrLst>
+              <dgm:constr type="w" for="ch" forName="tx1" refType="w" fact="0.2"/>
+              <dgm:constr type="w" for="des" forName="tx2" refType="w" fact="0.385"/>
+              <dgm:constr type="w" for="des" forName="tx3" refType="w" fact="0.385"/>
+              <dgm:constr type="w" for="des" forName="horzSpace2" refType="w" fact="0.015"/>
+              <dgm:constr type="w" for="des" forName="horzSpace3" refType="w" fact="0.015"/>
+              <dgm:constr type="w" for="des" forName="thinLine2b" refType="w" fact="0.8"/>
+              <dgm:constr type="w" for="des" forName="thinLine3" refType="w" fact="0.385"/>
+            </dgm:constrLst>
+          </dgm:if>
+          <dgm:if name="Name11" axis="root des" func="maxDepth" op="gte" val="4">
+            <dgm:constrLst>
+              <dgm:constr type="w" for="ch" forName="tx1" refType="w" fact="0.2"/>
+              <dgm:constr type="w" for="des" forName="tx2" refType="w" fact="0.2516"/>
+              <dgm:constr type="w" for="des" forName="tx3" refType="w" fact="0.2516"/>
+              <dgm:constr type="w" for="des" forName="tx4" refType="w" fact="0.2516"/>
+              <dgm:constr type="w" for="des" forName="horzSpace2" refType="w" fact="0.015"/>
+              <dgm:constr type="w" for="des" forName="horzSpace3" refType="w" fact="0.015"/>
+              <dgm:constr type="w" for="des" forName="horzSpace4" refType="w" fact="0.015"/>
+              <dgm:constr type="w" for="des" forName="thinLine2b" refType="w" fact="0.8"/>
+              <dgm:constr type="w" for="des" forName="thinLine3" refType="w" fact="0.5332"/>
+            </dgm:constrLst>
+          </dgm:if>
+          <dgm:else name="Name12"/>
+        </dgm:choose>
+        <dgm:layoutNode name="tx1" styleLbl="revTx">
+          <dgm:alg type="tx">
+            <dgm:param type="parTxLTRAlign" val="l"/>
+            <dgm:param type="parTxRTLAlign" val="r"/>
+            <dgm:param type="txAnchorVert" val="t"/>
+          </dgm:alg>
+          <dgm:shape xmlns:r="http://schemas.openxmlformats.org/officeDocument/2006/relationships" type="rect" r:blip="">
+            <dgm:adjLst/>
+          </dgm:shape>
+          <dgm:presOf axis="self"/>
+          <dgm:constrLst>
+            <dgm:constr type="tMarg" refType="primFontSz" fact="0.3"/>
+            <dgm:constr type="bMarg" refType="primFontSz" fact="0.3"/>
+            <dgm:constr type="lMarg" refType="primFontSz" fact="0.3"/>
+            <dgm:constr type="rMarg" refType="primFontSz" fact="0.3"/>
+          </dgm:constrLst>
+          <dgm:ruleLst>
+            <dgm:rule type="primFontSz" val="5" fact="NaN" max="NaN"/>
+          </dgm:ruleLst>
+        </dgm:layoutNode>
+        <dgm:layoutNode name="vert1">
+          <dgm:choose name="Name13">
+            <dgm:if name="Name14" func="var" arg="dir" op="equ" val="norm">
+              <dgm:alg type="lin">
+                <dgm:param type="linDir" val="fromT"/>
+                <dgm:param type="nodeHorzAlign" val="l"/>
+              </dgm:alg>
             </dgm:if>
-            <dgm:else name="Name7"/>
+            <dgm:else name="Name15">
+              <dgm:alg type="lin">
+                <dgm:param type="linDir" val="fromT"/>
+                <dgm:param type="nodeHorzAlign" val="r"/>
+              </dgm:alg>
+            </dgm:else>
           </dgm:choose>
-        </dgm:else>
-      </dgm:choose>
+          <dgm:shape xmlns:r="http://schemas.openxmlformats.org/officeDocument/2006/relationships" r:blip="">
+            <dgm:adjLst/>
+          </dgm:shape>
+          <dgm:presOf/>
+          <dgm:forEach name="Name16" axis="ch" ptType="node">
+            <dgm:choose name="Name17">
+              <dgm:if name="Name18" axis="self" ptType="node" func="pos" op="equ" val="1">
+                <dgm:layoutNode name="vertSpace2a">
+                  <dgm:alg type="sp"/>
+                  <dgm:shape xmlns:r="http://schemas.openxmlformats.org/officeDocument/2006/relationships" r:blip="">
+                    <dgm:adjLst/>
+                  </dgm:shape>
+                  <dgm:presOf/>
+                </dgm:layoutNode>
+              </dgm:if>
+              <dgm:else name="Name19"/>
+            </dgm:choose>
+            <dgm:layoutNode name="horz2">
+              <dgm:choose name="Name20">
+                <dgm:if name="Name21" func="var" arg="dir" op="equ" val="norm">
+                  <dgm:alg type="lin">
+                    <dgm:param type="linDir" val="fromL"/>
+                    <dgm:param type="nodeVertAlign" val="t"/>
+                  </dgm:alg>
+                </dgm:if>
+                <dgm:else name="Name22">
+                  <dgm:alg type="lin">
+                    <dgm:param type="linDir" val="fromR"/>
+                    <dgm:param type="nodeVertAlign" val="t"/>
+                  </dgm:alg>
+                </dgm:else>
+              </dgm:choose>
+              <dgm:shape xmlns:r="http://schemas.openxmlformats.org/officeDocument/2006/relationships" r:blip="">
+                <dgm:adjLst/>
+              </dgm:shape>
+              <dgm:presOf/>
+              <dgm:layoutNode name="horzSpace2">
+                <dgm:alg type="sp"/>
+                <dgm:shape xmlns:r="http://schemas.openxmlformats.org/officeDocument/2006/relationships" r:blip="">
+                  <dgm:adjLst/>
+                </dgm:shape>
+                <dgm:presOf/>
+              </dgm:layoutNode>
+              <dgm:layoutNode name="tx2" styleLbl="revTx">
+                <dgm:alg type="tx">
+                  <dgm:param type="parTxLTRAlign" val="l"/>
+                  <dgm:param type="parTxRTLAlign" val="r"/>
+                  <dgm:param type="txAnchorVert" val="t"/>
+                </dgm:alg>
+                <dgm:shape xmlns:r="http://schemas.openxmlformats.org/officeDocument/2006/relationships" type="rect" r:blip="">
+                  <dgm:adjLst/>
+                </dgm:shape>
+                <dgm:presOf axis="self"/>
+                <dgm:constrLst>
+                  <dgm:constr type="tMarg" refType="primFontSz" fact="0.3"/>
+                  <dgm:constr type="bMarg" refType="primFontSz" fact="0.3"/>
+                  <dgm:constr type="lMarg" refType="primFontSz" fact="0.3"/>
+                  <dgm:constr type="rMarg" refType="primFontSz" fact="0.3"/>
+                </dgm:constrLst>
+                <dgm:ruleLst>
+                  <dgm:rule type="primFontSz" val="5" fact="NaN" max="NaN"/>
+                </dgm:ruleLst>
+              </dgm:layoutNode>
+              <dgm:layoutNode name="vert2">
+                <dgm:choose name="Name23">
+                  <dgm:if name="Name24" func="var" arg="dir" op="equ" val="norm">
+                    <dgm:alg type="lin">
+                      <dgm:param type="linDir" val="fromT"/>
+                      <dgm:param type="nodeHorzAlign" val="l"/>
+                    </dgm:alg>
+                  </dgm:if>
+                  <dgm:else name="Name25">
+                    <dgm:alg type="lin">
+                      <dgm:param type="linDir" val="fromT"/>
+                      <dgm:param type="nodeHorzAlign" val="r"/>
+                    </dgm:alg>
+                  </dgm:else>
+                </dgm:choose>
+                <dgm:shape xmlns:r="http://schemas.openxmlformats.org/officeDocument/2006/relationships" r:blip="">
+                  <dgm:adjLst/>
+                </dgm:shape>
+                <dgm:presOf/>
+                <dgm:forEach name="Name26" axis="ch" ptType="node">
+                  <dgm:layoutNode name="horz3">
+                    <dgm:choose name="Name27">
+                      <dgm:if name="Name28" func="var" arg="dir" op="equ" val="norm">
+                        <dgm:alg type="lin">
+                          <dgm:param type="linDir" val="fromL"/>
+                          <dgm:param type="nodeVertAlign" val="t"/>
+                        </dgm:alg>
+                      </dgm:if>
+                      <dgm:else name="Name29">
+                        <dgm:alg type="lin">
+                          <dgm:param type="linDir" val="fromR"/>
+                          <dgm:param type="nodeVertAlign" val="t"/>
+                        </dgm:alg>
+                      </dgm:else>
+                    </dgm:choose>
+                    <dgm:shape xmlns:r="http://schemas.openxmlformats.org/officeDocument/2006/relationships" r:blip="">
+                      <dgm:adjLst/>
+                    </dgm:shape>
+                    <dgm:presOf/>
+                    <dgm:layoutNode name="horzSpace3">
+                      <dgm:alg type="sp"/>
+                      <dgm:shape xmlns:r="http://schemas.openxmlformats.org/officeDocument/2006/relationships" r:blip="">
+                        <dgm:adjLst/>
+                      </dgm:shape>
+                      <dgm:presOf/>
+                    </dgm:layoutNode>
+                    <dgm:layoutNode name="tx3" styleLbl="revTx">
+                      <dgm:alg type="tx">
+                        <dgm:param type="parTxLTRAlign" val="l"/>
+                        <dgm:param type="parTxRTLAlign" val="r"/>
+                        <dgm:param type="txAnchorVert" val="t"/>
+                      </dgm:alg>
+                      <dgm:shape xmlns:r="http://schemas.openxmlformats.org/officeDocument/2006/relationships" type="rect" r:blip="">
+                        <dgm:adjLst/>
+                      </dgm:shape>
+                      <dgm:presOf axis="self"/>
+                      <dgm:constrLst>
+                        <dgm:constr type="tMarg" refType="primFontSz" fact="0.3"/>
+                        <dgm:constr type="bMarg" refType="primFontSz" fact="0.3"/>
+                        <dgm:constr type="lMarg" refType="primFontSz" fact="0.3"/>
+                        <dgm:constr type="rMarg" refType="primFontSz" fact="0.3"/>
+                      </dgm:constrLst>
+                      <dgm:ruleLst>
+                        <dgm:rule type="primFontSz" val="5" fact="NaN" max="NaN"/>
+                      </dgm:ruleLst>
+                    </dgm:layoutNode>
+                    <dgm:layoutNode name="vert3">
+                      <dgm:choose name="Name30">
+                        <dgm:if name="Name31" func="var" arg="dir" op="equ" val="norm">
+                          <dgm:alg type="lin">
+                            <dgm:param type="linDir" val="fromT"/>
+                            <dgm:param type="nodeHorzAlign" val="l"/>
+                          </dgm:alg>
+                        </dgm:if>
+                        <dgm:else name="Name32">
+                          <dgm:alg type="lin">
+                            <dgm:param type="linDir" val="fromT"/>
+                            <dgm:param type="nodeHorzAlign" val="r"/>
+                          </dgm:alg>
+                        </dgm:else>
+                      </dgm:choose>
+                      <dgm:shape xmlns:r="http://schemas.openxmlformats.org/officeDocument/2006/relationships" r:blip="">
+                        <dgm:adjLst/>
+                      </dgm:shape>
+                      <dgm:presOf/>
+                      <dgm:forEach name="Name33" axis="ch" ptType="node">
+                        <dgm:layoutNode name="horz4">
+                          <dgm:choose name="Name34">
+                            <dgm:if name="Name35" func="var" arg="dir" op="equ" val="norm">
+                              <dgm:alg type="lin">
+                                <dgm:param type="linDir" val="fromL"/>
+                                <dgm:param type="nodeVertAlign" val="t"/>
+                              </dgm:alg>
+                            </dgm:if>
+                            <dgm:else name="Name36">
+                              <dgm:alg type="lin">
+                                <dgm:param type="linDir" val="fromR"/>
+                                <dgm:param type="nodeVertAlign" val="t"/>
+                              </dgm:alg>
+                            </dgm:else>
+                          </dgm:choose>
+                          <dgm:shape xmlns:r="http://schemas.openxmlformats.org/officeDocument/2006/relationships" r:blip="">
+                            <dgm:adjLst/>
+                          </dgm:shape>
+                          <dgm:presOf/>
+                          <dgm:layoutNode name="horzSpace4">
+                            <dgm:alg type="sp"/>
+                            <dgm:shape xmlns:r="http://schemas.openxmlformats.org/officeDocument/2006/relationships" r:blip="">
+                              <dgm:adjLst/>
+                            </dgm:shape>
+                            <dgm:presOf/>
+                          </dgm:layoutNode>
+                          <dgm:layoutNode name="tx4" styleLbl="revTx">
+                            <dgm:varLst>
+                              <dgm:bulletEnabled val="1"/>
+                            </dgm:varLst>
+                            <dgm:alg type="tx">
+                              <dgm:param type="parTxLTRAlign" val="l"/>
+                              <dgm:param type="parTxRTLAlign" val="r"/>
+                              <dgm:param type="txAnchorVert" val="t"/>
+                            </dgm:alg>
+                            <dgm:shape xmlns:r="http://schemas.openxmlformats.org/officeDocument/2006/relationships" type="rect" r:blip="">
+                              <dgm:adjLst/>
+                            </dgm:shape>
+                            <dgm:presOf axis="desOrSelf" ptType="node"/>
+                            <dgm:constrLst>
+                              <dgm:constr type="tMarg" refType="primFontSz" fact="0.3"/>
+                              <dgm:constr type="bMarg" refType="primFontSz" fact="0.3"/>
+                              <dgm:constr type="lMarg" refType="primFontSz" fact="0.3"/>
+                              <dgm:constr type="rMarg" refType="primFontSz" fact="0.3"/>
+                            </dgm:constrLst>
+                            <dgm:ruleLst>
+                              <dgm:rule type="primFontSz" val="5" fact="NaN" max="NaN"/>
+                            </dgm:ruleLst>
+                          </dgm:layoutNode>
+                        </dgm:layoutNode>
+                      </dgm:forEach>
+                    </dgm:layoutNode>
+                  </dgm:layoutNode>
+                  <dgm:forEach name="Name37" axis="followSib" ptType="sibTrans" cnt="1">
+                    <dgm:layoutNode name="thinLine3" styleLbl="callout">
+                      <dgm:alg type="sp"/>
+                      <dgm:shape xmlns:r="http://schemas.openxmlformats.org/officeDocument/2006/relationships" type="line" r:blip="">
+                        <dgm:adjLst/>
+                      </dgm:shape>
+                      <dgm:presOf/>
+                    </dgm:layoutNode>
+                  </dgm:forEach>
+                </dgm:forEach>
+              </dgm:layoutNode>
+            </dgm:layoutNode>
+            <dgm:layoutNode name="thinLine2b" styleLbl="callout">
+              <dgm:alg type="sp"/>
+              <dgm:shape xmlns:r="http://schemas.openxmlformats.org/officeDocument/2006/relationships" type="line" r:blip="">
+                <dgm:adjLst/>
+              </dgm:shape>
+              <dgm:presOf/>
+            </dgm:layoutNode>
+            <dgm:layoutNode name="vertSpace2b">
+              <dgm:alg type="sp"/>
+              <dgm:shape xmlns:r="http://schemas.openxmlformats.org/officeDocument/2006/relationships" r:blip="">
+                <dgm:adjLst/>
+              </dgm:shape>
+              <dgm:presOf/>
+            </dgm:layoutNode>
+          </dgm:forEach>
+        </dgm:layoutNode>
+      </dgm:layoutNode>
     </dgm:forEach>
   </dgm:layoutNode>
 </dgm:layoutDef>
@@ -8619,6 +11202,1040 @@
 </file>
 
 <file path=ppt/diagrams/quickStyle4.xml><?xml version="1.0" encoding="utf-8"?>
+<dgm:styleDef xmlns:dgm="http://schemas.openxmlformats.org/drawingml/2006/diagram" xmlns:a="http://schemas.openxmlformats.org/drawingml/2006/main" uniqueId="urn:microsoft.com/office/officeart/2005/8/quickstyle/simple1">
+  <dgm:title val=""/>
+  <dgm:desc val=""/>
+  <dgm:catLst>
+    <dgm:cat type="simple" pri="10100"/>
+  </dgm:catLst>
+  <dgm:scene3d>
+    <a:camera prst="orthographicFront"/>
+    <a:lightRig rig="threePt" dir="t"/>
+  </dgm:scene3d>
+  <dgm:styleLbl name="node0">
+    <dgm:scene3d>
+      <a:camera prst="orthographicFront"/>
+      <a:lightRig rig="threePt" dir="t"/>
+    </dgm:scene3d>
+    <dgm:sp3d/>
+    <dgm:txPr/>
+    <dgm:style>
+      <a:lnRef idx="2">
+        <a:scrgbClr r="0" g="0" b="0"/>
+      </a:lnRef>
+      <a:fillRef idx="1">
+        <a:scrgbClr r="0" g="0" b="0"/>
+      </a:fillRef>
+      <a:effectRef idx="0">
+        <a:scrgbClr r="0" g="0" b="0"/>
+      </a:effectRef>
+      <a:fontRef idx="minor">
+        <a:schemeClr val="lt1"/>
+      </a:fontRef>
+    </dgm:style>
+  </dgm:styleLbl>
+  <dgm:styleLbl name="lnNode1">
+    <dgm:scene3d>
+      <a:camera prst="orthographicFront"/>
+      <a:lightRig rig="threePt" dir="t"/>
+    </dgm:scene3d>
+    <dgm:sp3d/>
+    <dgm:txPr/>
+    <dgm:style>
+      <a:lnRef idx="2">
+        <a:scrgbClr r="0" g="0" b="0"/>
+      </a:lnRef>
+      <a:fillRef idx="1">
+        <a:scrgbClr r="0" g="0" b="0"/>
+      </a:fillRef>
+      <a:effectRef idx="0">
+        <a:scrgbClr r="0" g="0" b="0"/>
+      </a:effectRef>
+      <a:fontRef idx="minor">
+        <a:schemeClr val="lt1"/>
+      </a:fontRef>
+    </dgm:style>
+  </dgm:styleLbl>
+  <dgm:styleLbl name="vennNode1">
+    <dgm:scene3d>
+      <a:camera prst="orthographicFront"/>
+      <a:lightRig rig="threePt" dir="t"/>
+    </dgm:scene3d>
+    <dgm:sp3d/>
+    <dgm:txPr/>
+    <dgm:style>
+      <a:lnRef idx="2">
+        <a:scrgbClr r="0" g="0" b="0"/>
+      </a:lnRef>
+      <a:fillRef idx="1">
+        <a:scrgbClr r="0" g="0" b="0"/>
+      </a:fillRef>
+      <a:effectRef idx="0">
+        <a:scrgbClr r="0" g="0" b="0"/>
+      </a:effectRef>
+      <a:fontRef idx="minor">
+        <a:schemeClr val="tx1"/>
+      </a:fontRef>
+    </dgm:style>
+  </dgm:styleLbl>
+  <dgm:styleLbl name="alignNode1">
+    <dgm:scene3d>
+      <a:camera prst="orthographicFront"/>
+      <a:lightRig rig="threePt" dir="t"/>
+    </dgm:scene3d>
+    <dgm:sp3d/>
+    <dgm:txPr/>
+    <dgm:style>
+      <a:lnRef idx="2">
+        <a:scrgbClr r="0" g="0" b="0"/>
+      </a:lnRef>
+      <a:fillRef idx="1">
+        <a:scrgbClr r="0" g="0" b="0"/>
+      </a:fillRef>
+      <a:effectRef idx="0">
+        <a:scrgbClr r="0" g="0" b="0"/>
+      </a:effectRef>
+      <a:fontRef idx="minor">
+        <a:schemeClr val="lt1"/>
+      </a:fontRef>
+    </dgm:style>
+  </dgm:styleLbl>
+  <dgm:styleLbl name="node1">
+    <dgm:scene3d>
+      <a:camera prst="orthographicFront"/>
+      <a:lightRig rig="threePt" dir="t"/>
+    </dgm:scene3d>
+    <dgm:sp3d/>
+    <dgm:txPr/>
+    <dgm:style>
+      <a:lnRef idx="2">
+        <a:scrgbClr r="0" g="0" b="0"/>
+      </a:lnRef>
+      <a:fillRef idx="1">
+        <a:scrgbClr r="0" g="0" b="0"/>
+      </a:fillRef>
+      <a:effectRef idx="0">
+        <a:scrgbClr r="0" g="0" b="0"/>
+      </a:effectRef>
+      <a:fontRef idx="minor">
+        <a:schemeClr val="lt1"/>
+      </a:fontRef>
+    </dgm:style>
+  </dgm:styleLbl>
+  <dgm:styleLbl name="node2">
+    <dgm:scene3d>
+      <a:camera prst="orthographicFront"/>
+      <a:lightRig rig="threePt" dir="t"/>
+    </dgm:scene3d>
+    <dgm:sp3d/>
+    <dgm:txPr/>
+    <dgm:style>
+      <a:lnRef idx="2">
+        <a:scrgbClr r="0" g="0" b="0"/>
+      </a:lnRef>
+      <a:fillRef idx="1">
+        <a:scrgbClr r="0" g="0" b="0"/>
+      </a:fillRef>
+      <a:effectRef idx="0">
+        <a:scrgbClr r="0" g="0" b="0"/>
+      </a:effectRef>
+      <a:fontRef idx="minor">
+        <a:schemeClr val="lt1"/>
+      </a:fontRef>
+    </dgm:style>
+  </dgm:styleLbl>
+  <dgm:styleLbl name="node3">
+    <dgm:scene3d>
+      <a:camera prst="orthographicFront"/>
+      <a:lightRig rig="threePt" dir="t"/>
+    </dgm:scene3d>
+    <dgm:sp3d/>
+    <dgm:txPr/>
+    <dgm:style>
+      <a:lnRef idx="2">
+        <a:scrgbClr r="0" g="0" b="0"/>
+      </a:lnRef>
+      <a:fillRef idx="1">
+        <a:scrgbClr r="0" g="0" b="0"/>
+      </a:fillRef>
+      <a:effectRef idx="0">
+        <a:scrgbClr r="0" g="0" b="0"/>
+      </a:effectRef>
+      <a:fontRef idx="minor">
+        <a:schemeClr val="lt1"/>
+      </a:fontRef>
+    </dgm:style>
+  </dgm:styleLbl>
+  <dgm:styleLbl name="node4">
+    <dgm:scene3d>
+      <a:camera prst="orthographicFront"/>
+      <a:lightRig rig="threePt" dir="t"/>
+    </dgm:scene3d>
+    <dgm:sp3d/>
+    <dgm:txPr/>
+    <dgm:style>
+      <a:lnRef idx="2">
+        <a:scrgbClr r="0" g="0" b="0"/>
+      </a:lnRef>
+      <a:fillRef idx="1">
+        <a:scrgbClr r="0" g="0" b="0"/>
+      </a:fillRef>
+      <a:effectRef idx="0">
+        <a:scrgbClr r="0" g="0" b="0"/>
+      </a:effectRef>
+      <a:fontRef idx="minor">
+        <a:schemeClr val="lt1"/>
+      </a:fontRef>
+    </dgm:style>
+  </dgm:styleLbl>
+  <dgm:styleLbl name="fgImgPlace1">
+    <dgm:scene3d>
+      <a:camera prst="orthographicFront"/>
+      <a:lightRig rig="threePt" dir="t"/>
+    </dgm:scene3d>
+    <dgm:sp3d/>
+    <dgm:txPr/>
+    <dgm:style>
+      <a:lnRef idx="2">
+        <a:scrgbClr r="0" g="0" b="0"/>
+      </a:lnRef>
+      <a:fillRef idx="1">
+        <a:scrgbClr r="0" g="0" b="0"/>
+      </a:fillRef>
+      <a:effectRef idx="0">
+        <a:scrgbClr r="0" g="0" b="0"/>
+      </a:effectRef>
+      <a:fontRef idx="minor"/>
+    </dgm:style>
+  </dgm:styleLbl>
+  <dgm:styleLbl name="alignImgPlace1">
+    <dgm:scene3d>
+      <a:camera prst="orthographicFront"/>
+      <a:lightRig rig="threePt" dir="t"/>
+    </dgm:scene3d>
+    <dgm:sp3d/>
+    <dgm:txPr/>
+    <dgm:style>
+      <a:lnRef idx="2">
+        <a:scrgbClr r="0" g="0" b="0"/>
+      </a:lnRef>
+      <a:fillRef idx="1">
+        <a:scrgbClr r="0" g="0" b="0"/>
+      </a:fillRef>
+      <a:effectRef idx="0">
+        <a:scrgbClr r="0" g="0" b="0"/>
+      </a:effectRef>
+      <a:fontRef idx="minor"/>
+    </dgm:style>
+  </dgm:styleLbl>
+  <dgm:styleLbl name="bgImgPlace1">
+    <dgm:scene3d>
+      <a:camera prst="orthographicFront"/>
+      <a:lightRig rig="threePt" dir="t"/>
+    </dgm:scene3d>
+    <dgm:sp3d/>
+    <dgm:txPr/>
+    <dgm:style>
+      <a:lnRef idx="2">
+        <a:scrgbClr r="0" g="0" b="0"/>
+      </a:lnRef>
+      <a:fillRef idx="1">
+        <a:scrgbClr r="0" g="0" b="0"/>
+      </a:fillRef>
+      <a:effectRef idx="0">
+        <a:scrgbClr r="0" g="0" b="0"/>
+      </a:effectRef>
+      <a:fontRef idx="minor"/>
+    </dgm:style>
+  </dgm:styleLbl>
+  <dgm:styleLbl name="sibTrans2D1">
+    <dgm:scene3d>
+      <a:camera prst="orthographicFront"/>
+      <a:lightRig rig="threePt" dir="t"/>
+    </dgm:scene3d>
+    <dgm:sp3d/>
+    <dgm:txPr/>
+    <dgm:style>
+      <a:lnRef idx="0">
+        <a:scrgbClr r="0" g="0" b="0"/>
+      </a:lnRef>
+      <a:fillRef idx="1">
+        <a:scrgbClr r="0" g="0" b="0"/>
+      </a:fillRef>
+      <a:effectRef idx="0">
+        <a:scrgbClr r="0" g="0" b="0"/>
+      </a:effectRef>
+      <a:fontRef idx="minor">
+        <a:schemeClr val="lt1"/>
+      </a:fontRef>
+    </dgm:style>
+  </dgm:styleLbl>
+  <dgm:styleLbl name="fgSibTrans2D1">
+    <dgm:scene3d>
+      <a:camera prst="orthographicFront"/>
+      <a:lightRig rig="threePt" dir="t"/>
+    </dgm:scene3d>
+    <dgm:sp3d/>
+    <dgm:txPr/>
+    <dgm:style>
+      <a:lnRef idx="0">
+        <a:scrgbClr r="0" g="0" b="0"/>
+      </a:lnRef>
+      <a:fillRef idx="1">
+        <a:scrgbClr r="0" g="0" b="0"/>
+      </a:fillRef>
+      <a:effectRef idx="0">
+        <a:scrgbClr r="0" g="0" b="0"/>
+      </a:effectRef>
+      <a:fontRef idx="minor">
+        <a:schemeClr val="lt1"/>
+      </a:fontRef>
+    </dgm:style>
+  </dgm:styleLbl>
+  <dgm:styleLbl name="bgSibTrans2D1">
+    <dgm:scene3d>
+      <a:camera prst="orthographicFront"/>
+      <a:lightRig rig="threePt" dir="t"/>
+    </dgm:scene3d>
+    <dgm:sp3d/>
+    <dgm:txPr/>
+    <dgm:style>
+      <a:lnRef idx="0">
+        <a:scrgbClr r="0" g="0" b="0"/>
+      </a:lnRef>
+      <a:fillRef idx="1">
+        <a:scrgbClr r="0" g="0" b="0"/>
+      </a:fillRef>
+      <a:effectRef idx="0">
+        <a:scrgbClr r="0" g="0" b="0"/>
+      </a:effectRef>
+      <a:fontRef idx="minor">
+        <a:schemeClr val="lt1"/>
+      </a:fontRef>
+    </dgm:style>
+  </dgm:styleLbl>
+  <dgm:styleLbl name="sibTrans1D1">
+    <dgm:scene3d>
+      <a:camera prst="orthographicFront"/>
+      <a:lightRig rig="threePt" dir="t"/>
+    </dgm:scene3d>
+    <dgm:sp3d/>
+    <dgm:txPr/>
+    <dgm:style>
+      <a:lnRef idx="1">
+        <a:scrgbClr r="0" g="0" b="0"/>
+      </a:lnRef>
+      <a:fillRef idx="0">
+        <a:scrgbClr r="0" g="0" b="0"/>
+      </a:fillRef>
+      <a:effectRef idx="0">
+        <a:scrgbClr r="0" g="0" b="0"/>
+      </a:effectRef>
+      <a:fontRef idx="minor"/>
+    </dgm:style>
+  </dgm:styleLbl>
+  <dgm:styleLbl name="callout">
+    <dgm:scene3d>
+      <a:camera prst="orthographicFront"/>
+      <a:lightRig rig="threePt" dir="t"/>
+    </dgm:scene3d>
+    <dgm:sp3d/>
+    <dgm:txPr/>
+    <dgm:style>
+      <a:lnRef idx="2">
+        <a:scrgbClr r="0" g="0" b="0"/>
+      </a:lnRef>
+      <a:fillRef idx="1">
+        <a:scrgbClr r="0" g="0" b="0"/>
+      </a:fillRef>
+      <a:effectRef idx="0">
+        <a:scrgbClr r="0" g="0" b="0"/>
+      </a:effectRef>
+      <a:fontRef idx="minor"/>
+    </dgm:style>
+  </dgm:styleLbl>
+  <dgm:styleLbl name="asst0">
+    <dgm:scene3d>
+      <a:camera prst="orthographicFront"/>
+      <a:lightRig rig="threePt" dir="t"/>
+    </dgm:scene3d>
+    <dgm:sp3d/>
+    <dgm:txPr/>
+    <dgm:style>
+      <a:lnRef idx="2">
+        <a:scrgbClr r="0" g="0" b="0"/>
+      </a:lnRef>
+      <a:fillRef idx="1">
+        <a:scrgbClr r="0" g="0" b="0"/>
+      </a:fillRef>
+      <a:effectRef idx="0">
+        <a:scrgbClr r="0" g="0" b="0"/>
+      </a:effectRef>
+      <a:fontRef idx="minor">
+        <a:schemeClr val="lt1"/>
+      </a:fontRef>
+    </dgm:style>
+  </dgm:styleLbl>
+  <dgm:styleLbl name="asst1">
+    <dgm:scene3d>
+      <a:camera prst="orthographicFront"/>
+      <a:lightRig rig="threePt" dir="t"/>
+    </dgm:scene3d>
+    <dgm:sp3d/>
+    <dgm:txPr/>
+    <dgm:style>
+      <a:lnRef idx="2">
+        <a:scrgbClr r="0" g="0" b="0"/>
+      </a:lnRef>
+      <a:fillRef idx="1">
+        <a:scrgbClr r="0" g="0" b="0"/>
+      </a:fillRef>
+      <a:effectRef idx="0">
+        <a:scrgbClr r="0" g="0" b="0"/>
+      </a:effectRef>
+      <a:fontRef idx="minor">
+        <a:schemeClr val="lt1"/>
+      </a:fontRef>
+    </dgm:style>
+  </dgm:styleLbl>
+  <dgm:styleLbl name="asst2">
+    <dgm:scene3d>
+      <a:camera prst="orthographicFront"/>
+      <a:lightRig rig="threePt" dir="t"/>
+    </dgm:scene3d>
+    <dgm:sp3d/>
+    <dgm:txPr/>
+    <dgm:style>
+      <a:lnRef idx="2">
+        <a:scrgbClr r="0" g="0" b="0"/>
+      </a:lnRef>
+      <a:fillRef idx="1">
+        <a:scrgbClr r="0" g="0" b="0"/>
+      </a:fillRef>
+      <a:effectRef idx="0">
+        <a:scrgbClr r="0" g="0" b="0"/>
+      </a:effectRef>
+      <a:fontRef idx="minor">
+        <a:schemeClr val="lt1"/>
+      </a:fontRef>
+    </dgm:style>
+  </dgm:styleLbl>
+  <dgm:styleLbl name="asst3">
+    <dgm:scene3d>
+      <a:camera prst="orthographicFront"/>
+      <a:lightRig rig="threePt" dir="t"/>
+    </dgm:scene3d>
+    <dgm:sp3d/>
+    <dgm:txPr/>
+    <dgm:style>
+      <a:lnRef idx="2">
+        <a:scrgbClr r="0" g="0" b="0"/>
+      </a:lnRef>
+      <a:fillRef idx="1">
+        <a:scrgbClr r="0" g="0" b="0"/>
+      </a:fillRef>
+      <a:effectRef idx="0">
+        <a:scrgbClr r="0" g="0" b="0"/>
+      </a:effectRef>
+      <a:fontRef idx="minor">
+        <a:schemeClr val="lt1"/>
+      </a:fontRef>
+    </dgm:style>
+  </dgm:styleLbl>
+  <dgm:styleLbl name="asst4">
+    <dgm:scene3d>
+      <a:camera prst="orthographicFront"/>
+      <a:lightRig rig="threePt" dir="t"/>
+    </dgm:scene3d>
+    <dgm:sp3d/>
+    <dgm:txPr/>
+    <dgm:style>
+      <a:lnRef idx="2">
+        <a:scrgbClr r="0" g="0" b="0"/>
+      </a:lnRef>
+      <a:fillRef idx="1">
+        <a:scrgbClr r="0" g="0" b="0"/>
+      </a:fillRef>
+      <a:effectRef idx="0">
+        <a:scrgbClr r="0" g="0" b="0"/>
+      </a:effectRef>
+      <a:fontRef idx="minor">
+        <a:schemeClr val="lt1"/>
+      </a:fontRef>
+    </dgm:style>
+  </dgm:styleLbl>
+  <dgm:styleLbl name="parChTrans2D1">
+    <dgm:scene3d>
+      <a:camera prst="orthographicFront"/>
+      <a:lightRig rig="threePt" dir="t"/>
+    </dgm:scene3d>
+    <dgm:sp3d/>
+    <dgm:txPr/>
+    <dgm:style>
+      <a:lnRef idx="2">
+        <a:scrgbClr r="0" g="0" b="0"/>
+      </a:lnRef>
+      <a:fillRef idx="1">
+        <a:scrgbClr r="0" g="0" b="0"/>
+      </a:fillRef>
+      <a:effectRef idx="0">
+        <a:scrgbClr r="0" g="0" b="0"/>
+      </a:effectRef>
+      <a:fontRef idx="minor">
+        <a:schemeClr val="lt1"/>
+      </a:fontRef>
+    </dgm:style>
+  </dgm:styleLbl>
+  <dgm:styleLbl name="parChTrans2D2">
+    <dgm:scene3d>
+      <a:camera prst="orthographicFront"/>
+      <a:lightRig rig="threePt" dir="t"/>
+    </dgm:scene3d>
+    <dgm:sp3d/>
+    <dgm:txPr/>
+    <dgm:style>
+      <a:lnRef idx="2">
+        <a:scrgbClr r="0" g="0" b="0"/>
+      </a:lnRef>
+      <a:fillRef idx="1">
+        <a:scrgbClr r="0" g="0" b="0"/>
+      </a:fillRef>
+      <a:effectRef idx="0">
+        <a:scrgbClr r="0" g="0" b="0"/>
+      </a:effectRef>
+      <a:fontRef idx="minor">
+        <a:schemeClr val="lt1"/>
+      </a:fontRef>
+    </dgm:style>
+  </dgm:styleLbl>
+  <dgm:styleLbl name="parChTrans2D3">
+    <dgm:scene3d>
+      <a:camera prst="orthographicFront"/>
+      <a:lightRig rig="threePt" dir="t"/>
+    </dgm:scene3d>
+    <dgm:sp3d/>
+    <dgm:txPr/>
+    <dgm:style>
+      <a:lnRef idx="2">
+        <a:scrgbClr r="0" g="0" b="0"/>
+      </a:lnRef>
+      <a:fillRef idx="1">
+        <a:scrgbClr r="0" g="0" b="0"/>
+      </a:fillRef>
+      <a:effectRef idx="0">
+        <a:scrgbClr r="0" g="0" b="0"/>
+      </a:effectRef>
+      <a:fontRef idx="minor">
+        <a:schemeClr val="lt1"/>
+      </a:fontRef>
+    </dgm:style>
+  </dgm:styleLbl>
+  <dgm:styleLbl name="parChTrans2D4">
+    <dgm:scene3d>
+      <a:camera prst="orthographicFront"/>
+      <a:lightRig rig="threePt" dir="t"/>
+    </dgm:scene3d>
+    <dgm:sp3d/>
+    <dgm:txPr/>
+    <dgm:style>
+      <a:lnRef idx="2">
+        <a:scrgbClr r="0" g="0" b="0"/>
+      </a:lnRef>
+      <a:fillRef idx="1">
+        <a:scrgbClr r="0" g="0" b="0"/>
+      </a:fillRef>
+      <a:effectRef idx="0">
+        <a:scrgbClr r="0" g="0" b="0"/>
+      </a:effectRef>
+      <a:fontRef idx="minor">
+        <a:schemeClr val="lt1"/>
+      </a:fontRef>
+    </dgm:style>
+  </dgm:styleLbl>
+  <dgm:styleLbl name="parChTrans1D1">
+    <dgm:scene3d>
+      <a:camera prst="orthographicFront"/>
+      <a:lightRig rig="threePt" dir="t"/>
+    </dgm:scene3d>
+    <dgm:sp3d/>
+    <dgm:txPr/>
+    <dgm:style>
+      <a:lnRef idx="2">
+        <a:scrgbClr r="0" g="0" b="0"/>
+      </a:lnRef>
+      <a:fillRef idx="0">
+        <a:scrgbClr r="0" g="0" b="0"/>
+      </a:fillRef>
+      <a:effectRef idx="0">
+        <a:scrgbClr r="0" g="0" b="0"/>
+      </a:effectRef>
+      <a:fontRef idx="minor"/>
+    </dgm:style>
+  </dgm:styleLbl>
+  <dgm:styleLbl name="parChTrans1D2">
+    <dgm:scene3d>
+      <a:camera prst="orthographicFront"/>
+      <a:lightRig rig="threePt" dir="t"/>
+    </dgm:scene3d>
+    <dgm:sp3d/>
+    <dgm:txPr/>
+    <dgm:style>
+      <a:lnRef idx="2">
+        <a:scrgbClr r="0" g="0" b="0"/>
+      </a:lnRef>
+      <a:fillRef idx="0">
+        <a:scrgbClr r="0" g="0" b="0"/>
+      </a:fillRef>
+      <a:effectRef idx="0">
+        <a:scrgbClr r="0" g="0" b="0"/>
+      </a:effectRef>
+      <a:fontRef idx="minor"/>
+    </dgm:style>
+  </dgm:styleLbl>
+  <dgm:styleLbl name="parChTrans1D3">
+    <dgm:scene3d>
+      <a:camera prst="orthographicFront"/>
+      <a:lightRig rig="threePt" dir="t"/>
+    </dgm:scene3d>
+    <dgm:sp3d/>
+    <dgm:txPr/>
+    <dgm:style>
+      <a:lnRef idx="2">
+        <a:scrgbClr r="0" g="0" b="0"/>
+      </a:lnRef>
+      <a:fillRef idx="0">
+        <a:scrgbClr r="0" g="0" b="0"/>
+      </a:fillRef>
+      <a:effectRef idx="0">
+        <a:scrgbClr r="0" g="0" b="0"/>
+      </a:effectRef>
+      <a:fontRef idx="minor"/>
+    </dgm:style>
+  </dgm:styleLbl>
+  <dgm:styleLbl name="parChTrans1D4">
+    <dgm:scene3d>
+      <a:camera prst="orthographicFront"/>
+      <a:lightRig rig="threePt" dir="t"/>
+    </dgm:scene3d>
+    <dgm:sp3d/>
+    <dgm:txPr/>
+    <dgm:style>
+      <a:lnRef idx="2">
+        <a:scrgbClr r="0" g="0" b="0"/>
+      </a:lnRef>
+      <a:fillRef idx="0">
+        <a:scrgbClr r="0" g="0" b="0"/>
+      </a:fillRef>
+      <a:effectRef idx="0">
+        <a:scrgbClr r="0" g="0" b="0"/>
+      </a:effectRef>
+      <a:fontRef idx="minor"/>
+    </dgm:style>
+  </dgm:styleLbl>
+  <dgm:styleLbl name="fgAcc1">
+    <dgm:scene3d>
+      <a:camera prst="orthographicFront"/>
+      <a:lightRig rig="threePt" dir="t"/>
+    </dgm:scene3d>
+    <dgm:sp3d/>
+    <dgm:txPr/>
+    <dgm:style>
+      <a:lnRef idx="2">
+        <a:scrgbClr r="0" g="0" b="0"/>
+      </a:lnRef>
+      <a:fillRef idx="1">
+        <a:scrgbClr r="0" g="0" b="0"/>
+      </a:fillRef>
+      <a:effectRef idx="0">
+        <a:scrgbClr r="0" g="0" b="0"/>
+      </a:effectRef>
+      <a:fontRef idx="minor"/>
+    </dgm:style>
+  </dgm:styleLbl>
+  <dgm:styleLbl name="conFgAcc1">
+    <dgm:scene3d>
+      <a:camera prst="orthographicFront"/>
+      <a:lightRig rig="threePt" dir="t"/>
+    </dgm:scene3d>
+    <dgm:sp3d/>
+    <dgm:txPr/>
+    <dgm:style>
+      <a:lnRef idx="2">
+        <a:scrgbClr r="0" g="0" b="0"/>
+      </a:lnRef>
+      <a:fillRef idx="1">
+        <a:scrgbClr r="0" g="0" b="0"/>
+      </a:fillRef>
+      <a:effectRef idx="0">
+        <a:scrgbClr r="0" g="0" b="0"/>
+      </a:effectRef>
+      <a:fontRef idx="minor"/>
+    </dgm:style>
+  </dgm:styleLbl>
+  <dgm:styleLbl name="alignAcc1">
+    <dgm:scene3d>
+      <a:camera prst="orthographicFront"/>
+      <a:lightRig rig="threePt" dir="t"/>
+    </dgm:scene3d>
+    <dgm:sp3d/>
+    <dgm:txPr/>
+    <dgm:style>
+      <a:lnRef idx="2">
+        <a:scrgbClr r="0" g="0" b="0"/>
+      </a:lnRef>
+      <a:fillRef idx="1">
+        <a:scrgbClr r="0" g="0" b="0"/>
+      </a:fillRef>
+      <a:effectRef idx="0">
+        <a:scrgbClr r="0" g="0" b="0"/>
+      </a:effectRef>
+      <a:fontRef idx="minor"/>
+    </dgm:style>
+  </dgm:styleLbl>
+  <dgm:styleLbl name="trAlignAcc1">
+    <dgm:scene3d>
+      <a:camera prst="orthographicFront"/>
+      <a:lightRig rig="threePt" dir="t"/>
+    </dgm:scene3d>
+    <dgm:sp3d/>
+    <dgm:txPr/>
+    <dgm:style>
+      <a:lnRef idx="1">
+        <a:scrgbClr r="0" g="0" b="0"/>
+      </a:lnRef>
+      <a:fillRef idx="1">
+        <a:scrgbClr r="0" g="0" b="0"/>
+      </a:fillRef>
+      <a:effectRef idx="0">
+        <a:scrgbClr r="0" g="0" b="0"/>
+      </a:effectRef>
+      <a:fontRef idx="minor"/>
+    </dgm:style>
+  </dgm:styleLbl>
+  <dgm:styleLbl name="bgAcc1">
+    <dgm:scene3d>
+      <a:camera prst="orthographicFront"/>
+      <a:lightRig rig="threePt" dir="t"/>
+    </dgm:scene3d>
+    <dgm:sp3d/>
+    <dgm:txPr/>
+    <dgm:style>
+      <a:lnRef idx="2">
+        <a:scrgbClr r="0" g="0" b="0"/>
+      </a:lnRef>
+      <a:fillRef idx="1">
+        <a:scrgbClr r="0" g="0" b="0"/>
+      </a:fillRef>
+      <a:effectRef idx="0">
+        <a:scrgbClr r="0" g="0" b="0"/>
+      </a:effectRef>
+      <a:fontRef idx="minor"/>
+    </dgm:style>
+  </dgm:styleLbl>
+  <dgm:styleLbl name="solidFgAcc1">
+    <dgm:scene3d>
+      <a:camera prst="orthographicFront"/>
+      <a:lightRig rig="threePt" dir="t"/>
+    </dgm:scene3d>
+    <dgm:sp3d/>
+    <dgm:txPr/>
+    <dgm:style>
+      <a:lnRef idx="2">
+        <a:scrgbClr r="0" g="0" b="0"/>
+      </a:lnRef>
+      <a:fillRef idx="1">
+        <a:scrgbClr r="0" g="0" b="0"/>
+      </a:fillRef>
+      <a:effectRef idx="0">
+        <a:scrgbClr r="0" g="0" b="0"/>
+      </a:effectRef>
+      <a:fontRef idx="minor"/>
+    </dgm:style>
+  </dgm:styleLbl>
+  <dgm:styleLbl name="solidAlignAcc1">
+    <dgm:scene3d>
+      <a:camera prst="orthographicFront"/>
+      <a:lightRig rig="threePt" dir="t"/>
+    </dgm:scene3d>
+    <dgm:sp3d/>
+    <dgm:txPr/>
+    <dgm:style>
+      <a:lnRef idx="2">
+        <a:scrgbClr r="0" g="0" b="0"/>
+      </a:lnRef>
+      <a:fillRef idx="1">
+        <a:scrgbClr r="0" g="0" b="0"/>
+      </a:fillRef>
+      <a:effectRef idx="0">
+        <a:scrgbClr r="0" g="0" b="0"/>
+      </a:effectRef>
+      <a:fontRef idx="minor"/>
+    </dgm:style>
+  </dgm:styleLbl>
+  <dgm:styleLbl name="solidBgAcc1">
+    <dgm:scene3d>
+      <a:camera prst="orthographicFront"/>
+      <a:lightRig rig="threePt" dir="t"/>
+    </dgm:scene3d>
+    <dgm:sp3d/>
+    <dgm:txPr/>
+    <dgm:style>
+      <a:lnRef idx="2">
+        <a:scrgbClr r="0" g="0" b="0"/>
+      </a:lnRef>
+      <a:fillRef idx="1">
+        <a:scrgbClr r="0" g="0" b="0"/>
+      </a:fillRef>
+      <a:effectRef idx="0">
+        <a:scrgbClr r="0" g="0" b="0"/>
+      </a:effectRef>
+      <a:fontRef idx="minor"/>
+    </dgm:style>
+  </dgm:styleLbl>
+  <dgm:styleLbl name="fgAccFollowNode1">
+    <dgm:scene3d>
+      <a:camera prst="orthographicFront"/>
+      <a:lightRig rig="threePt" dir="t"/>
+    </dgm:scene3d>
+    <dgm:sp3d/>
+    <dgm:txPr/>
+    <dgm:style>
+      <a:lnRef idx="2">
+        <a:scrgbClr r="0" g="0" b="0"/>
+      </a:lnRef>
+      <a:fillRef idx="1">
+        <a:scrgbClr r="0" g="0" b="0"/>
+      </a:fillRef>
+      <a:effectRef idx="0">
+        <a:scrgbClr r="0" g="0" b="0"/>
+      </a:effectRef>
+      <a:fontRef idx="minor"/>
+    </dgm:style>
+  </dgm:styleLbl>
+  <dgm:styleLbl name="alignAccFollowNode1">
+    <dgm:scene3d>
+      <a:camera prst="orthographicFront"/>
+      <a:lightRig rig="threePt" dir="t"/>
+    </dgm:scene3d>
+    <dgm:sp3d/>
+    <dgm:txPr/>
+    <dgm:style>
+      <a:lnRef idx="2">
+        <a:scrgbClr r="0" g="0" b="0"/>
+      </a:lnRef>
+      <a:fillRef idx="1">
+        <a:scrgbClr r="0" g="0" b="0"/>
+      </a:fillRef>
+      <a:effectRef idx="0">
+        <a:scrgbClr r="0" g="0" b="0"/>
+      </a:effectRef>
+      <a:fontRef idx="minor"/>
+    </dgm:style>
+  </dgm:styleLbl>
+  <dgm:styleLbl name="bgAccFollowNode1">
+    <dgm:scene3d>
+      <a:camera prst="orthographicFront"/>
+      <a:lightRig rig="threePt" dir="t"/>
+    </dgm:scene3d>
+    <dgm:sp3d/>
+    <dgm:txPr/>
+    <dgm:style>
+      <a:lnRef idx="2">
+        <a:scrgbClr r="0" g="0" b="0"/>
+      </a:lnRef>
+      <a:fillRef idx="1">
+        <a:scrgbClr r="0" g="0" b="0"/>
+      </a:fillRef>
+      <a:effectRef idx="0">
+        <a:scrgbClr r="0" g="0" b="0"/>
+      </a:effectRef>
+      <a:fontRef idx="minor"/>
+    </dgm:style>
+  </dgm:styleLbl>
+  <dgm:styleLbl name="fgAcc0">
+    <dgm:scene3d>
+      <a:camera prst="orthographicFront"/>
+      <a:lightRig rig="threePt" dir="t"/>
+    </dgm:scene3d>
+    <dgm:sp3d/>
+    <dgm:txPr/>
+    <dgm:style>
+      <a:lnRef idx="2">
+        <a:scrgbClr r="0" g="0" b="0"/>
+      </a:lnRef>
+      <a:fillRef idx="1">
+        <a:scrgbClr r="0" g="0" b="0"/>
+      </a:fillRef>
+      <a:effectRef idx="0">
+        <a:scrgbClr r="0" g="0" b="0"/>
+      </a:effectRef>
+      <a:fontRef idx="minor"/>
+    </dgm:style>
+  </dgm:styleLbl>
+  <dgm:styleLbl name="fgAcc2">
+    <dgm:scene3d>
+      <a:camera prst="orthographicFront"/>
+      <a:lightRig rig="threePt" dir="t"/>
+    </dgm:scene3d>
+    <dgm:sp3d/>
+    <dgm:txPr/>
+    <dgm:style>
+      <a:lnRef idx="2">
+        <a:scrgbClr r="0" g="0" b="0"/>
+      </a:lnRef>
+      <a:fillRef idx="1">
+        <a:scrgbClr r="0" g="0" b="0"/>
+      </a:fillRef>
+      <a:effectRef idx="0">
+        <a:scrgbClr r="0" g="0" b="0"/>
+      </a:effectRef>
+      <a:fontRef idx="minor"/>
+    </dgm:style>
+  </dgm:styleLbl>
+  <dgm:styleLbl name="fgAcc3">
+    <dgm:scene3d>
+      <a:camera prst="orthographicFront"/>
+      <a:lightRig rig="threePt" dir="t"/>
+    </dgm:scene3d>
+    <dgm:sp3d/>
+    <dgm:txPr/>
+    <dgm:style>
+      <a:lnRef idx="2">
+        <a:scrgbClr r="0" g="0" b="0"/>
+      </a:lnRef>
+      <a:fillRef idx="1">
+        <a:scrgbClr r="0" g="0" b="0"/>
+      </a:fillRef>
+      <a:effectRef idx="0">
+        <a:scrgbClr r="0" g="0" b="0"/>
+      </a:effectRef>
+      <a:fontRef idx="minor"/>
+    </dgm:style>
+  </dgm:styleLbl>
+  <dgm:styleLbl name="fgAcc4">
+    <dgm:scene3d>
+      <a:camera prst="orthographicFront"/>
+      <a:lightRig rig="threePt" dir="t"/>
+    </dgm:scene3d>
+    <dgm:sp3d/>
+    <dgm:txPr/>
+    <dgm:style>
+      <a:lnRef idx="2">
+        <a:scrgbClr r="0" g="0" b="0"/>
+      </a:lnRef>
+      <a:fillRef idx="1">
+        <a:scrgbClr r="0" g="0" b="0"/>
+      </a:fillRef>
+      <a:effectRef idx="0">
+        <a:scrgbClr r="0" g="0" b="0"/>
+      </a:effectRef>
+      <a:fontRef idx="minor"/>
+    </dgm:style>
+  </dgm:styleLbl>
+  <dgm:styleLbl name="bgShp">
+    <dgm:scene3d>
+      <a:camera prst="orthographicFront"/>
+      <a:lightRig rig="threePt" dir="t"/>
+    </dgm:scene3d>
+    <dgm:sp3d/>
+    <dgm:txPr/>
+    <dgm:style>
+      <a:lnRef idx="0">
+        <a:scrgbClr r="0" g="0" b="0"/>
+      </a:lnRef>
+      <a:fillRef idx="1">
+        <a:scrgbClr r="0" g="0" b="0"/>
+      </a:fillRef>
+      <a:effectRef idx="0">
+        <a:scrgbClr r="0" g="0" b="0"/>
+      </a:effectRef>
+      <a:fontRef idx="minor"/>
+    </dgm:style>
+  </dgm:styleLbl>
+  <dgm:styleLbl name="dkBgShp">
+    <dgm:scene3d>
+      <a:camera prst="orthographicFront"/>
+      <a:lightRig rig="threePt" dir="t"/>
+    </dgm:scene3d>
+    <dgm:sp3d/>
+    <dgm:txPr/>
+    <dgm:style>
+      <a:lnRef idx="0">
+        <a:scrgbClr r="0" g="0" b="0"/>
+      </a:lnRef>
+      <a:fillRef idx="1">
+        <a:scrgbClr r="0" g="0" b="0"/>
+      </a:fillRef>
+      <a:effectRef idx="0">
+        <a:scrgbClr r="0" g="0" b="0"/>
+      </a:effectRef>
+      <a:fontRef idx="minor"/>
+    </dgm:style>
+  </dgm:styleLbl>
+  <dgm:styleLbl name="trBgShp">
+    <dgm:scene3d>
+      <a:camera prst="orthographicFront"/>
+      <a:lightRig rig="threePt" dir="t"/>
+    </dgm:scene3d>
+    <dgm:sp3d/>
+    <dgm:txPr/>
+    <dgm:style>
+      <a:lnRef idx="0">
+        <a:scrgbClr r="0" g="0" b="0"/>
+      </a:lnRef>
+      <a:fillRef idx="1">
+        <a:scrgbClr r="0" g="0" b="0"/>
+      </a:fillRef>
+      <a:effectRef idx="0">
+        <a:scrgbClr r="0" g="0" b="0"/>
+      </a:effectRef>
+      <a:fontRef idx="minor"/>
+    </dgm:style>
+  </dgm:styleLbl>
+  <dgm:styleLbl name="fgShp">
+    <dgm:scene3d>
+      <a:camera prst="orthographicFront"/>
+      <a:lightRig rig="threePt" dir="t"/>
+    </dgm:scene3d>
+    <dgm:sp3d/>
+    <dgm:txPr/>
+    <dgm:style>
+      <a:lnRef idx="2">
+        <a:scrgbClr r="0" g="0" b="0"/>
+      </a:lnRef>
+      <a:fillRef idx="1">
+        <a:scrgbClr r="0" g="0" b="0"/>
+      </a:fillRef>
+      <a:effectRef idx="0">
+        <a:scrgbClr r="0" g="0" b="0"/>
+      </a:effectRef>
+      <a:fontRef idx="minor"/>
+    </dgm:style>
+  </dgm:styleLbl>
+  <dgm:styleLbl name="revTx">
+    <dgm:scene3d>
+      <a:camera prst="orthographicFront"/>
+      <a:lightRig rig="threePt" dir="t"/>
+    </dgm:scene3d>
+    <dgm:sp3d/>
+    <dgm:txPr/>
+    <dgm:style>
+      <a:lnRef idx="0">
+        <a:scrgbClr r="0" g="0" b="0"/>
+      </a:lnRef>
+      <a:fillRef idx="0">
+        <a:scrgbClr r="0" g="0" b="0"/>
+      </a:fillRef>
+      <a:effectRef idx="0">
+        <a:scrgbClr r="0" g="0" b="0"/>
+      </a:effectRef>
+      <a:fontRef idx="minor"/>
+    </dgm:style>
+  </dgm:styleLbl>
+</dgm:styleDef>
+</file>
+
+<file path=ppt/diagrams/quickStyle5.xml><?xml version="1.0" encoding="utf-8"?>
 <dgm:styleDef xmlns:dgm="http://schemas.openxmlformats.org/drawingml/2006/diagram" xmlns:a="http://schemas.openxmlformats.org/drawingml/2006/main" uniqueId="urn:microsoft.com/office/officeart/2005/8/quickstyle/simple1">
   <dgm:title val=""/>
   <dgm:desc val=""/>
@@ -9734,7 +13351,7 @@
           <a:p>
             <a:fld id="{B3808C24-5568-4299-810C-3B3B08435EC0}" type="datetimeFigureOut">
               <a:rPr lang="en-US" smtClean="0"/>
-              <a:t>9/21/2023</a:t>
+              <a:t>9/22/23</a:t>
             </a:fld>
             <a:endParaRPr lang="en-US"/>
           </a:p>
@@ -10066,7 +13683,7 @@
           <a:p>
             <a:fld id="{3D6C7DAF-91C9-460C-9C3C-A76C07AC63AD}" type="slidenum">
               <a:rPr lang="en-US" smtClean="0"/>
-              <a:t>14</a:t>
+              <a:t>15</a:t>
             </a:fld>
             <a:endParaRPr lang="en-US"/>
           </a:p>
@@ -10171,7 +13788,7 @@
           <a:p>
             <a:fld id="{3D6C7DAF-91C9-460C-9C3C-A76C07AC63AD}" type="slidenum">
               <a:rPr lang="en-US" smtClean="0"/>
-              <a:t>15</a:t>
+              <a:t>16</a:t>
             </a:fld>
             <a:endParaRPr lang="en-US"/>
           </a:p>
@@ -10255,7 +13872,7 @@
           <a:p>
             <a:fld id="{3D6C7DAF-91C9-460C-9C3C-A76C07AC63AD}" type="slidenum">
               <a:rPr lang="en-US" smtClean="0"/>
-              <a:t>16</a:t>
+              <a:t>17</a:t>
             </a:fld>
             <a:endParaRPr lang="en-US"/>
           </a:p>
@@ -10339,7 +13956,7 @@
           <a:p>
             <a:fld id="{3D6C7DAF-91C9-460C-9C3C-A76C07AC63AD}" type="slidenum">
               <a:rPr lang="en-US" smtClean="0"/>
-              <a:t>17</a:t>
+              <a:t>18</a:t>
             </a:fld>
             <a:endParaRPr lang="en-US"/>
           </a:p>
@@ -10402,7 +14019,7 @@
           <a:bodyPr/>
           <a:lstStyle/>
           <a:p>
-            <a:endParaRPr lang="en-US"/>
+            <a:endParaRPr lang="en-US" dirty="0"/>
           </a:p>
         </p:txBody>
       </p:sp>
@@ -10423,7 +14040,7 @@
           <a:p>
             <a:fld id="{3D6C7DAF-91C9-460C-9C3C-A76C07AC63AD}" type="slidenum">
               <a:rPr lang="en-US" smtClean="0"/>
-              <a:t>18</a:t>
+              <a:t>19</a:t>
             </a:fld>
             <a:endParaRPr lang="en-US"/>
           </a:p>
@@ -19235,7 +22852,7 @@
           <a:p>
             <a:fld id="{8C28A28C-4C6A-46EA-90C0-4EE0B89CC5C7}" type="datetimeFigureOut">
               <a:rPr lang="en-US" smtClean="0"/>
-              <a:t>9/21/2023</a:t>
+              <a:t>9/22/23</a:t>
             </a:fld>
             <a:endParaRPr lang="en-US" dirty="0"/>
           </a:p>
@@ -19442,7 +23059,7 @@
           <a:p>
             <a:fld id="{8C28A28C-4C6A-46EA-90C0-4EE0B89CC5C7}" type="datetimeFigureOut">
               <a:rPr lang="en-US" smtClean="0"/>
-              <a:t>9/21/2023</a:t>
+              <a:t>9/22/23</a:t>
             </a:fld>
             <a:endParaRPr lang="en-US"/>
           </a:p>
@@ -19622,7 +23239,7 @@
           <a:p>
             <a:fld id="{8C28A28C-4C6A-46EA-90C0-4EE0B89CC5C7}" type="datetimeFigureOut">
               <a:rPr lang="en-US" smtClean="0"/>
-              <a:t>9/21/2023</a:t>
+              <a:t>9/22/23</a:t>
             </a:fld>
             <a:endParaRPr lang="en-US"/>
           </a:p>
@@ -19827,7 +23444,7 @@
           <a:p>
             <a:fld id="{8C28A28C-4C6A-46EA-90C0-4EE0B89CC5C7}" type="datetimeFigureOut">
               <a:rPr lang="en-US" smtClean="0"/>
-              <a:t>9/21/2023</a:t>
+              <a:t>9/22/23</a:t>
             </a:fld>
             <a:endParaRPr lang="en-US"/>
           </a:p>
@@ -28725,7 +32342,7 @@
           <a:p>
             <a:fld id="{8C28A28C-4C6A-46EA-90C0-4EE0B89CC5C7}" type="datetimeFigureOut">
               <a:rPr lang="en-US" smtClean="0"/>
-              <a:t>9/21/2023</a:t>
+              <a:t>9/22/23</a:t>
             </a:fld>
             <a:endParaRPr lang="en-US"/>
           </a:p>
@@ -28999,7 +32616,7 @@
           <a:p>
             <a:fld id="{8C28A28C-4C6A-46EA-90C0-4EE0B89CC5C7}" type="datetimeFigureOut">
               <a:rPr lang="en-US" smtClean="0"/>
-              <a:t>9/21/2023</a:t>
+              <a:t>9/22/23</a:t>
             </a:fld>
             <a:endParaRPr lang="en-US"/>
           </a:p>
@@ -29397,7 +33014,7 @@
           <a:p>
             <a:fld id="{8C28A28C-4C6A-46EA-90C0-4EE0B89CC5C7}" type="datetimeFigureOut">
               <a:rPr lang="en-US" smtClean="0"/>
-              <a:t>9/21/2023</a:t>
+              <a:t>9/22/23</a:t>
             </a:fld>
             <a:endParaRPr lang="en-US"/>
           </a:p>
@@ -29515,7 +33132,7 @@
           <a:p>
             <a:fld id="{8C28A28C-4C6A-46EA-90C0-4EE0B89CC5C7}" type="datetimeFigureOut">
               <a:rPr lang="en-US" smtClean="0"/>
-              <a:t>9/21/2023</a:t>
+              <a:t>9/22/23</a:t>
             </a:fld>
             <a:endParaRPr lang="en-US"/>
           </a:p>
@@ -29610,7 +33227,7 @@
           <a:p>
             <a:fld id="{8C28A28C-4C6A-46EA-90C0-4EE0B89CC5C7}" type="datetimeFigureOut">
               <a:rPr lang="en-US" smtClean="0"/>
-              <a:t>9/21/2023</a:t>
+              <a:t>9/22/23</a:t>
             </a:fld>
             <a:endParaRPr lang="en-US"/>
           </a:p>
@@ -29900,7 +33517,7 @@
           <a:p>
             <a:fld id="{8C28A28C-4C6A-46EA-90C0-4EE0B89CC5C7}" type="datetimeFigureOut">
               <a:rPr lang="en-US" smtClean="0"/>
-              <a:t>9/21/2023</a:t>
+              <a:t>9/22/23</a:t>
             </a:fld>
             <a:endParaRPr lang="en-US"/>
           </a:p>
@@ -30180,7 +33797,7 @@
           <a:p>
             <a:fld id="{8C28A28C-4C6A-46EA-90C0-4EE0B89CC5C7}" type="datetimeFigureOut">
               <a:rPr lang="en-US" smtClean="0"/>
-              <a:t>9/21/2023</a:t>
+              <a:t>9/22/23</a:t>
             </a:fld>
             <a:endParaRPr lang="en-US"/>
           </a:p>
@@ -30431,7 +34048,7 @@
             <a:fld id="{8C28A28C-4C6A-46EA-90C0-4EE0B89CC5C7}" type="datetimeFigureOut">
               <a:rPr lang="en-US" smtClean="0"/>
               <a:pPr/>
-              <a:t>9/21/2023</a:t>
+              <a:t>9/22/23</a:t>
             </a:fld>
             <a:endParaRPr lang="en-US" dirty="0"/>
           </a:p>
@@ -30555,6 +34172,53 @@
           </a:fontRef>
         </p:style>
       </p:cxnSp>
+      <p:sp>
+        <p:nvSpPr>
+          <p:cNvPr id="9" name="TextBox 8">
+            <a:extLst>
+              <a:ext uri="{FF2B5EF4-FFF2-40B4-BE49-F238E27FC236}">
+                <a16:creationId xmlns:a16="http://schemas.microsoft.com/office/drawing/2014/main" id="{72F73C72-AB31-F588-0DC7-6DB297DC886D}"/>
+              </a:ext>
+            </a:extLst>
+          </p:cNvPr>
+          <p:cNvSpPr txBox="1"/>
+          <p:nvPr userDrawn="1">
+            <p:extLst>
+              <p:ext uri="{1162E1C5-73C7-4A58-AE30-91384D911F3F}">
+                <p184:classification xmlns:p184="http://schemas.microsoft.com/office/powerpoint/2018/4/main" val="ftr"/>
+              </p:ext>
+            </p:extLst>
+          </p:nvPr>
+        </p:nvSpPr>
+        <p:spPr>
+          <a:xfrm>
+            <a:off x="10758488" y="6459220"/>
+            <a:ext cx="1433512" cy="335280"/>
+          </a:xfrm>
+          <a:prstGeom prst="rect">
+            <a:avLst/>
+          </a:prstGeom>
+        </p:spPr>
+        <p:txBody>
+          <a:bodyPr horzOverflow="overflow" lIns="0" tIns="0" rIns="0" bIns="0">
+            <a:spAutoFit/>
+          </a:bodyPr>
+          <a:lstStyle/>
+          <a:p>
+            <a:pPr algn="l"/>
+            <a:r>
+              <a:rPr lang="en-US" sz="2200">
+                <a:solidFill>
+                  <a:srgbClr val="FF8939"/>
+                </a:solidFill>
+                <a:latin typeface="Calibri" panose="020F0502020204030204" pitchFamily="34" charset="0"/>
+                <a:cs typeface="Calibri" panose="020F0502020204030204" pitchFamily="34" charset="0"/>
+              </a:rPr>
+              <a:t>RESTRICTED</a:t>
+            </a:r>
+          </a:p>
+        </p:txBody>
+      </p:sp>
     </p:spTree>
     <p:extLst>
       <p:ext uri="{BB962C8B-B14F-4D97-AF65-F5344CB8AC3E}">
@@ -31426,6 +35090,154 @@
           <a:p>
             <a:r>
               <a:rPr lang="en-US" dirty="0"/>
+              <a:t>Selection</a:t>
+            </a:r>
+          </a:p>
+        </p:txBody>
+      </p:sp>
+      <p:sp>
+        <p:nvSpPr>
+          <p:cNvPr id="4" name="Content Placeholder 3">
+            <a:extLst>
+              <a:ext uri="{FF2B5EF4-FFF2-40B4-BE49-F238E27FC236}">
+                <a16:creationId xmlns:a16="http://schemas.microsoft.com/office/drawing/2014/main" id="{7BA36909-DCE3-02A6-0D02-7C137A493466}"/>
+              </a:ext>
+            </a:extLst>
+          </p:cNvPr>
+          <p:cNvSpPr>
+            <a:spLocks noGrp="1"/>
+          </p:cNvSpPr>
+          <p:nvPr>
+            <p:ph idx="1"/>
+          </p:nvPr>
+        </p:nvSpPr>
+        <p:spPr>
+          <a:xfrm>
+            <a:off x="1024128" y="3867664"/>
+            <a:ext cx="9720073" cy="2441695"/>
+          </a:xfrm>
+        </p:spPr>
+        <p:txBody>
+          <a:bodyPr/>
+          <a:lstStyle/>
+          <a:p>
+            <a:r>
+              <a:rPr lang="en-US" dirty="0"/>
+              <a:t>Selection is the process of choosing members of a population to “cross over” to the next generation.  </a:t>
+            </a:r>
+          </a:p>
+          <a:p>
+            <a:r>
+              <a:rPr lang="en-US" dirty="0"/>
+              <a:t>Types:</a:t>
+            </a:r>
+          </a:p>
+          <a:p>
+            <a:pPr lvl="1"/>
+            <a:r>
+              <a:rPr lang="en-US" dirty="0"/>
+              <a:t>Roulette Wheel (random)</a:t>
+            </a:r>
+          </a:p>
+          <a:p>
+            <a:pPr lvl="1"/>
+            <a:r>
+              <a:rPr lang="en-US" dirty="0"/>
+              <a:t>Weighted Roulette Wheel</a:t>
+            </a:r>
+          </a:p>
+          <a:p>
+            <a:pPr lvl="1"/>
+            <a:r>
+              <a:rPr lang="en-US" dirty="0"/>
+              <a:t>Fittest Only</a:t>
+            </a:r>
+          </a:p>
+        </p:txBody>
+      </p:sp>
+      <p:pic>
+        <p:nvPicPr>
+          <p:cNvPr id="5" name="Picture 4">
+            <a:extLst>
+              <a:ext uri="{FF2B5EF4-FFF2-40B4-BE49-F238E27FC236}">
+                <a16:creationId xmlns:a16="http://schemas.microsoft.com/office/drawing/2014/main" id="{4D5315C3-DD53-F57E-4459-685B896BF7E9}"/>
+              </a:ext>
+            </a:extLst>
+          </p:cNvPr>
+          <p:cNvPicPr>
+            <a:picLocks noChangeAspect="1"/>
+          </p:cNvPicPr>
+          <p:nvPr/>
+        </p:nvPicPr>
+        <p:blipFill>
+          <a:blip r:embed="rId2"/>
+          <a:stretch>
+            <a:fillRect/>
+          </a:stretch>
+        </p:blipFill>
+        <p:spPr>
+          <a:xfrm>
+            <a:off x="3928872" y="1070419"/>
+            <a:ext cx="8092326" cy="2636608"/>
+          </a:xfrm>
+          <a:prstGeom prst="rect">
+            <a:avLst/>
+          </a:prstGeom>
+        </p:spPr>
+      </p:pic>
+    </p:spTree>
+    <p:extLst>
+      <p:ext uri="{BB962C8B-B14F-4D97-AF65-F5344CB8AC3E}">
+        <p14:creationId xmlns:p14="http://schemas.microsoft.com/office/powerpoint/2010/main" val="761844039"/>
+      </p:ext>
+    </p:extLst>
+  </p:cSld>
+  <p:clrMapOvr>
+    <a:masterClrMapping/>
+  </p:clrMapOvr>
+</p:sld>
+</file>
+
+<file path=ppt/slides/slide11.xml><?xml version="1.0" encoding="utf-8"?>
+<p:sld xmlns:a="http://schemas.openxmlformats.org/drawingml/2006/main" xmlns:r="http://schemas.openxmlformats.org/officeDocument/2006/relationships" xmlns:p="http://schemas.openxmlformats.org/presentationml/2006/main">
+  <p:cSld>
+    <p:spTree>
+      <p:nvGrpSpPr>
+        <p:cNvPr id="1" name=""/>
+        <p:cNvGrpSpPr/>
+        <p:nvPr/>
+      </p:nvGrpSpPr>
+      <p:grpSpPr>
+        <a:xfrm>
+          <a:off x="0" y="0"/>
+          <a:ext cx="0" cy="0"/>
+          <a:chOff x="0" y="0"/>
+          <a:chExt cx="0" cy="0"/>
+        </a:xfrm>
+      </p:grpSpPr>
+      <p:sp>
+        <p:nvSpPr>
+          <p:cNvPr id="2" name="Title 1">
+            <a:extLst>
+              <a:ext uri="{FF2B5EF4-FFF2-40B4-BE49-F238E27FC236}">
+                <a16:creationId xmlns:a16="http://schemas.microsoft.com/office/drawing/2014/main" id="{518D5BF1-0F95-D43F-FE06-A1B5A0CDFEB7}"/>
+              </a:ext>
+            </a:extLst>
+          </p:cNvPr>
+          <p:cNvSpPr>
+            <a:spLocks noGrp="1"/>
+          </p:cNvSpPr>
+          <p:nvPr>
+            <p:ph type="title"/>
+          </p:nvPr>
+        </p:nvSpPr>
+        <p:spPr/>
+        <p:txBody>
+          <a:bodyPr/>
+          <a:lstStyle/>
+          <a:p>
+            <a:r>
+              <a:rPr lang="en-US" dirty="0"/>
               <a:t>Evolution</a:t>
             </a:r>
           </a:p>
@@ -31507,7 +35319,7 @@
 </p:sld>
 </file>
 
-<file path=ppt/slides/slide11.xml><?xml version="1.0" encoding="utf-8"?>
+<file path=ppt/slides/slide12.xml><?xml version="1.0" encoding="utf-8"?>
 <p:sld xmlns:a="http://schemas.openxmlformats.org/drawingml/2006/main" xmlns:r="http://schemas.openxmlformats.org/officeDocument/2006/relationships" xmlns:p="http://schemas.openxmlformats.org/presentationml/2006/main">
   <p:cSld>
     <p:spTree>
@@ -31633,7 +35445,7 @@
 </p:sld>
 </file>
 
-<file path=ppt/slides/slide12.xml><?xml version="1.0" encoding="utf-8"?>
+<file path=ppt/slides/slide13.xml><?xml version="1.0" encoding="utf-8"?>
 <p:sld xmlns:a="http://schemas.openxmlformats.org/drawingml/2006/main" xmlns:r="http://schemas.openxmlformats.org/officeDocument/2006/relationships" xmlns:p="http://schemas.openxmlformats.org/presentationml/2006/main">
   <p:cSld>
     <p:spTree>
@@ -31751,7 +35563,7 @@
 </p:sld>
 </file>
 
-<file path=ppt/slides/slide13.xml><?xml version="1.0" encoding="utf-8"?>
+<file path=ppt/slides/slide14.xml><?xml version="1.0" encoding="utf-8"?>
 <p:sld xmlns:a="http://schemas.openxmlformats.org/drawingml/2006/main" xmlns:r="http://schemas.openxmlformats.org/officeDocument/2006/relationships" xmlns:p="http://schemas.openxmlformats.org/presentationml/2006/main">
   <p:cSld>
     <p:spTree>
@@ -31869,7 +35681,7 @@
 </p:sld>
 </file>
 
-<file path=ppt/slides/slide14.xml><?xml version="1.0" encoding="utf-8"?>
+<file path=ppt/slides/slide15.xml><?xml version="1.0" encoding="utf-8"?>
 <p:sld xmlns:a="http://schemas.openxmlformats.org/drawingml/2006/main" xmlns:r="http://schemas.openxmlformats.org/officeDocument/2006/relationships" xmlns:p="http://schemas.openxmlformats.org/presentationml/2006/main">
   <p:cSld>
     <p:spTree>
@@ -32013,7 +35825,7 @@
 </p:sld>
 </file>
 
-<file path=ppt/slides/slide15.xml><?xml version="1.0" encoding="utf-8"?>
+<file path=ppt/slides/slide16.xml><?xml version="1.0" encoding="utf-8"?>
 <p:sld xmlns:a="http://schemas.openxmlformats.org/drawingml/2006/main" xmlns:r="http://schemas.openxmlformats.org/officeDocument/2006/relationships" xmlns:p="http://schemas.openxmlformats.org/presentationml/2006/main">
   <p:cSld>
     <p:bg>
@@ -32229,7 +36041,7 @@
 </p:sld>
 </file>
 
-<file path=ppt/slides/slide16.xml><?xml version="1.0" encoding="utf-8"?>
+<file path=ppt/slides/slide17.xml><?xml version="1.0" encoding="utf-8"?>
 <p:sld xmlns:a="http://schemas.openxmlformats.org/drawingml/2006/main" xmlns:r="http://schemas.openxmlformats.org/officeDocument/2006/relationships" xmlns:p="http://schemas.openxmlformats.org/presentationml/2006/main">
   <p:cSld>
     <p:bg>
@@ -32256,7 +36068,7 @@
       </p:grpSpPr>
       <p:sp>
         <p:nvSpPr>
-          <p:cNvPr id="11" name="Rectangle 8">
+          <p:cNvPr id="17" name="Rectangle 16">
             <a:extLst>
               <a:ext uri="{FF2B5EF4-FFF2-40B4-BE49-F238E27FC236}">
                 <a16:creationId xmlns:a16="http://schemas.microsoft.com/office/drawing/2014/main" id="{F7422F06-6017-4361-8872-E0E2CEB20B48}"/>
@@ -32372,7 +36184,7 @@
             <p:ph idx="1"/>
             <p:extLst>
               <p:ext uri="{D42A27DB-BD31-4B8C-83A1-F6EECF244321}">
-                <p14:modId xmlns:p14="http://schemas.microsoft.com/office/powerpoint/2010/main" val="2095675024"/>
+                <p14:modId xmlns:p14="http://schemas.microsoft.com/office/powerpoint/2010/main" val="2646969559"/>
               </p:ext>
             </p:extLst>
           </p:nvPr>
@@ -32400,7 +36212,7 @@
 </p:sld>
 </file>
 
-<file path=ppt/slides/slide17.xml><?xml version="1.0" encoding="utf-8"?>
+<file path=ppt/slides/slide18.xml><?xml version="1.0" encoding="utf-8"?>
 <p:sld xmlns:a="http://schemas.openxmlformats.org/drawingml/2006/main" xmlns:r="http://schemas.openxmlformats.org/officeDocument/2006/relationships" xmlns:p="http://schemas.openxmlformats.org/presentationml/2006/main">
   <p:cSld>
     <p:bg>
@@ -32743,7 +36555,7 @@
 </p:sld>
 </file>
 
-<file path=ppt/slides/slide18.xml><?xml version="1.0" encoding="utf-8"?>
+<file path=ppt/slides/slide19.xml><?xml version="1.0" encoding="utf-8"?>
 <p:sld xmlns:a="http://schemas.openxmlformats.org/drawingml/2006/main" xmlns:r="http://schemas.openxmlformats.org/officeDocument/2006/relationships" xmlns:p="http://schemas.openxmlformats.org/presentationml/2006/main">
   <p:cSld>
     <p:bg>
@@ -32886,7 +36698,7 @@
             <p:ph idx="1"/>
             <p:extLst>
               <p:ext uri="{D42A27DB-BD31-4B8C-83A1-F6EECF244321}">
-                <p14:modId xmlns:p14="http://schemas.microsoft.com/office/powerpoint/2010/main" val="3126522614"/>
+                <p14:modId xmlns:p14="http://schemas.microsoft.com/office/powerpoint/2010/main" val="956309065"/>
               </p:ext>
             </p:extLst>
           </p:nvPr>
@@ -42890,6 +46702,309 @@
           <p:cNvPr id="2" name="Title 1">
             <a:extLst>
               <a:ext uri="{FF2B5EF4-FFF2-40B4-BE49-F238E27FC236}">
+                <a16:creationId xmlns:a16="http://schemas.microsoft.com/office/drawing/2014/main" id="{30A6B7FE-4F40-DE2E-72DE-E76C0D82D8A1}"/>
+              </a:ext>
+            </a:extLst>
+          </p:cNvPr>
+          <p:cNvSpPr>
+            <a:spLocks noGrp="1"/>
+          </p:cNvSpPr>
+          <p:nvPr>
+            <p:ph type="title"/>
+          </p:nvPr>
+        </p:nvSpPr>
+        <p:spPr/>
+        <p:txBody>
+          <a:bodyPr/>
+          <a:lstStyle/>
+          <a:p>
+            <a:r>
+              <a:rPr lang="en-US" dirty="0"/>
+              <a:t>Process</a:t>
+            </a:r>
+          </a:p>
+        </p:txBody>
+      </p:sp>
+      <p:graphicFrame>
+        <p:nvGraphicFramePr>
+          <p:cNvPr id="4" name="Content Placeholder 3">
+            <a:extLst>
+              <a:ext uri="{FF2B5EF4-FFF2-40B4-BE49-F238E27FC236}">
+                <a16:creationId xmlns:a16="http://schemas.microsoft.com/office/drawing/2014/main" id="{55040934-F0A2-C67A-A2D1-DF6CAE5845A3}"/>
+              </a:ext>
+            </a:extLst>
+          </p:cNvPr>
+          <p:cNvGraphicFramePr>
+            <a:graphicFrameLocks noGrp="1"/>
+          </p:cNvGraphicFramePr>
+          <p:nvPr>
+            <p:ph idx="1"/>
+            <p:extLst>
+              <p:ext uri="{D42A27DB-BD31-4B8C-83A1-F6EECF244321}">
+                <p14:modId xmlns:p14="http://schemas.microsoft.com/office/powerpoint/2010/main" val="284219892"/>
+              </p:ext>
+            </p:extLst>
+          </p:nvPr>
+        </p:nvGraphicFramePr>
+        <p:xfrm>
+          <a:off x="1023938" y="2286000"/>
+          <a:ext cx="9720262" cy="4022725"/>
+        </p:xfrm>
+        <a:graphic>
+          <a:graphicData uri="http://schemas.openxmlformats.org/drawingml/2006/diagram">
+            <dgm:relIds xmlns:dgm="http://schemas.openxmlformats.org/drawingml/2006/diagram" xmlns:r="http://schemas.openxmlformats.org/officeDocument/2006/relationships" r:dm="rId2" r:lo="rId3" r:qs="rId4" r:cs="rId5"/>
+          </a:graphicData>
+        </a:graphic>
+      </p:graphicFrame>
+      <p:sp>
+        <p:nvSpPr>
+          <p:cNvPr id="5" name="Rounded Rectangle 4">
+            <a:extLst>
+              <a:ext uri="{FF2B5EF4-FFF2-40B4-BE49-F238E27FC236}">
+                <a16:creationId xmlns:a16="http://schemas.microsoft.com/office/drawing/2014/main" id="{FDC847FE-E575-697E-AC06-D3DEB77CF4AC}"/>
+              </a:ext>
+            </a:extLst>
+          </p:cNvPr>
+          <p:cNvSpPr/>
+          <p:nvPr/>
+        </p:nvSpPr>
+        <p:spPr>
+          <a:xfrm>
+            <a:off x="7494814" y="396458"/>
+            <a:ext cx="1518558" cy="1047641"/>
+          </a:xfrm>
+          <a:prstGeom prst="roundRect">
+            <a:avLst/>
+          </a:prstGeom>
+        </p:spPr>
+        <p:style>
+          <a:lnRef idx="2">
+            <a:schemeClr val="accent1">
+              <a:shade val="15000"/>
+            </a:schemeClr>
+          </a:lnRef>
+          <a:fillRef idx="1">
+            <a:schemeClr val="accent1"/>
+          </a:fillRef>
+          <a:effectRef idx="0">
+            <a:schemeClr val="accent1"/>
+          </a:effectRef>
+          <a:fontRef idx="minor">
+            <a:schemeClr val="lt1"/>
+          </a:fontRef>
+        </p:style>
+        <p:txBody>
+          <a:bodyPr rtlCol="0" anchor="ctr"/>
+          <a:lstStyle/>
+          <a:p>
+            <a:pPr algn="ctr"/>
+            <a:r>
+              <a:rPr lang="en-US" dirty="0"/>
+              <a:t>Start</a:t>
+            </a:r>
+          </a:p>
+        </p:txBody>
+      </p:sp>
+      <p:sp>
+        <p:nvSpPr>
+          <p:cNvPr id="6" name="Rounded Rectangle 5">
+            <a:extLst>
+              <a:ext uri="{FF2B5EF4-FFF2-40B4-BE49-F238E27FC236}">
+                <a16:creationId xmlns:a16="http://schemas.microsoft.com/office/drawing/2014/main" id="{FE3F5BF0-5A0E-64CC-2646-2EFCDD0115E4}"/>
+              </a:ext>
+            </a:extLst>
+          </p:cNvPr>
+          <p:cNvSpPr/>
+          <p:nvPr/>
+        </p:nvSpPr>
+        <p:spPr>
+          <a:xfrm>
+            <a:off x="7494814" y="2068503"/>
+            <a:ext cx="1518558" cy="1047641"/>
+          </a:xfrm>
+          <a:prstGeom prst="roundRect">
+            <a:avLst/>
+          </a:prstGeom>
+        </p:spPr>
+        <p:style>
+          <a:lnRef idx="2">
+            <a:schemeClr val="accent1">
+              <a:shade val="15000"/>
+            </a:schemeClr>
+          </a:lnRef>
+          <a:fillRef idx="1">
+            <a:schemeClr val="accent1"/>
+          </a:fillRef>
+          <a:effectRef idx="0">
+            <a:schemeClr val="accent1"/>
+          </a:effectRef>
+          <a:fontRef idx="minor">
+            <a:schemeClr val="lt1"/>
+          </a:fontRef>
+        </p:style>
+        <p:txBody>
+          <a:bodyPr rtlCol="0" anchor="ctr"/>
+          <a:lstStyle/>
+          <a:p>
+            <a:pPr algn="ctr"/>
+            <a:r>
+              <a:rPr lang="en-US" dirty="0"/>
+              <a:t>Random Population</a:t>
+            </a:r>
+          </a:p>
+        </p:txBody>
+      </p:sp>
+      <p:cxnSp>
+        <p:nvCxnSpPr>
+          <p:cNvPr id="8" name="Straight Arrow Connector 7">
+            <a:extLst>
+              <a:ext uri="{FF2B5EF4-FFF2-40B4-BE49-F238E27FC236}">
+                <a16:creationId xmlns:a16="http://schemas.microsoft.com/office/drawing/2014/main" id="{AC1454F8-E03A-AFC0-F284-6DABA12F5ED5}"/>
+              </a:ext>
+            </a:extLst>
+          </p:cNvPr>
+          <p:cNvCxnSpPr>
+            <a:stCxn id="5" idx="2"/>
+            <a:endCxn id="6" idx="0"/>
+          </p:cNvCxnSpPr>
+          <p:nvPr/>
+        </p:nvCxnSpPr>
+        <p:spPr>
+          <a:xfrm>
+            <a:off x="8254093" y="1444099"/>
+            <a:ext cx="0" cy="624404"/>
+          </a:xfrm>
+          <a:prstGeom prst="straightConnector1">
+            <a:avLst/>
+          </a:prstGeom>
+          <a:ln>
+            <a:tailEnd type="triangle"/>
+          </a:ln>
+        </p:spPr>
+        <p:style>
+          <a:lnRef idx="1">
+            <a:schemeClr val="accent1"/>
+          </a:lnRef>
+          <a:fillRef idx="0">
+            <a:schemeClr val="accent1"/>
+          </a:fillRef>
+          <a:effectRef idx="0">
+            <a:schemeClr val="accent1"/>
+          </a:effectRef>
+          <a:fontRef idx="minor">
+            <a:schemeClr val="tx1"/>
+          </a:fontRef>
+        </p:style>
+      </p:cxnSp>
+      <p:cxnSp>
+        <p:nvCxnSpPr>
+          <p:cNvPr id="10" name="Straight Arrow Connector 9">
+            <a:extLst>
+              <a:ext uri="{FF2B5EF4-FFF2-40B4-BE49-F238E27FC236}">
+                <a16:creationId xmlns:a16="http://schemas.microsoft.com/office/drawing/2014/main" id="{8C311632-6083-B388-95C0-677B985F6A43}"/>
+              </a:ext>
+            </a:extLst>
+          </p:cNvPr>
+          <p:cNvCxnSpPr/>
+          <p:nvPr/>
+        </p:nvCxnSpPr>
+        <p:spPr>
+          <a:xfrm flipH="1">
+            <a:off x="7494814" y="3151414"/>
+            <a:ext cx="644978" cy="685800"/>
+          </a:xfrm>
+          <a:prstGeom prst="straightConnector1">
+            <a:avLst/>
+          </a:prstGeom>
+          <a:ln>
+            <a:tailEnd type="triangle"/>
+          </a:ln>
+        </p:spPr>
+        <p:style>
+          <a:lnRef idx="1">
+            <a:schemeClr val="accent1"/>
+          </a:lnRef>
+          <a:fillRef idx="0">
+            <a:schemeClr val="accent1"/>
+          </a:fillRef>
+          <a:effectRef idx="0">
+            <a:schemeClr val="accent1"/>
+          </a:effectRef>
+          <a:fontRef idx="minor">
+            <a:schemeClr val="tx1"/>
+          </a:fontRef>
+        </p:style>
+      </p:cxnSp>
+      <p:sp>
+        <p:nvSpPr>
+          <p:cNvPr id="13" name="TextBox 12">
+            <a:extLst>
+              <a:ext uri="{FF2B5EF4-FFF2-40B4-BE49-F238E27FC236}">
+                <a16:creationId xmlns:a16="http://schemas.microsoft.com/office/drawing/2014/main" id="{AEFEB867-FD42-F423-6D0E-24D741108FE7}"/>
+              </a:ext>
+            </a:extLst>
+          </p:cNvPr>
+          <p:cNvSpPr txBox="1"/>
+          <p:nvPr/>
+        </p:nvSpPr>
+        <p:spPr>
+          <a:xfrm>
+            <a:off x="5192486" y="3706586"/>
+            <a:ext cx="1698171" cy="369332"/>
+          </a:xfrm>
+          <a:prstGeom prst="rect">
+            <a:avLst/>
+          </a:prstGeom>
+          <a:noFill/>
+        </p:spPr>
+        <p:txBody>
+          <a:bodyPr wrap="square" rtlCol="0">
+            <a:spAutoFit/>
+          </a:bodyPr>
+          <a:lstStyle/>
+          <a:p>
+            <a:r>
+              <a:rPr lang="en-US" dirty="0"/>
+              <a:t>Generation</a:t>
+            </a:r>
+          </a:p>
+        </p:txBody>
+      </p:sp>
+    </p:spTree>
+    <p:extLst>
+      <p:ext uri="{BB962C8B-B14F-4D97-AF65-F5344CB8AC3E}">
+        <p14:creationId xmlns:p14="http://schemas.microsoft.com/office/powerpoint/2010/main" val="2386118756"/>
+      </p:ext>
+    </p:extLst>
+  </p:cSld>
+  <p:clrMapOvr>
+    <a:masterClrMapping/>
+  </p:clrMapOvr>
+</p:sld>
+</file>
+
+<file path=ppt/slides/slide7.xml><?xml version="1.0" encoding="utf-8"?>
+<p:sld xmlns:a="http://schemas.openxmlformats.org/drawingml/2006/main" xmlns:r="http://schemas.openxmlformats.org/officeDocument/2006/relationships" xmlns:p="http://schemas.openxmlformats.org/presentationml/2006/main">
+  <p:cSld>
+    <p:spTree>
+      <p:nvGrpSpPr>
+        <p:cNvPr id="1" name=""/>
+        <p:cNvGrpSpPr/>
+        <p:nvPr/>
+      </p:nvGrpSpPr>
+      <p:grpSpPr>
+        <a:xfrm>
+          <a:off x="0" y="0"/>
+          <a:ext cx="0" cy="0"/>
+          <a:chOff x="0" y="0"/>
+          <a:chExt cx="0" cy="0"/>
+        </a:xfrm>
+      </p:grpSpPr>
+      <p:sp>
+        <p:nvSpPr>
+          <p:cNvPr id="2" name="Title 1">
+            <a:extLst>
+              <a:ext uri="{FF2B5EF4-FFF2-40B4-BE49-F238E27FC236}">
                 <a16:creationId xmlns:a16="http://schemas.microsoft.com/office/drawing/2014/main" id="{518D5BF1-0F95-D43F-FE06-A1B5A0CDFEB7}"/>
               </a:ext>
             </a:extLst>
@@ -42989,7 +47104,7 @@
 </p:sld>
 </file>
 
-<file path=ppt/slides/slide7.xml><?xml version="1.0" encoding="utf-8"?>
+<file path=ppt/slides/slide8.xml><?xml version="1.0" encoding="utf-8"?>
 <p:sld xmlns:a="http://schemas.openxmlformats.org/drawingml/2006/main" xmlns:r="http://schemas.openxmlformats.org/officeDocument/2006/relationships" xmlns:p="http://schemas.openxmlformats.org/presentationml/2006/main">
   <p:cSld>
     <p:spTree>
@@ -43098,13 +47213,8 @@
           <a:p>
             <a:r>
               <a:rPr lang="en-US" dirty="0"/>
-              <a:t>A fitness function will give a “Grade” to a genome and determine it’s fitness for continued </a:t>
+              <a:t>A fitness function will give a “Grade” to a genome and determine its fitness for continued evolution</a:t>
             </a:r>
-            <a:r>
-              <a:rPr lang="en-US" dirty="0" err="1"/>
-              <a:t>evoluation</a:t>
-            </a:r>
-            <a:endParaRPr lang="en-US" dirty="0"/>
           </a:p>
         </p:txBody>
       </p:sp>
@@ -43121,7 +47231,7 @@
 </p:sld>
 </file>
 
-<file path=ppt/slides/slide8.xml><?xml version="1.0" encoding="utf-8"?>
+<file path=ppt/slides/slide9.xml><?xml version="1.0" encoding="utf-8"?>
 <p:sld xmlns:a="http://schemas.openxmlformats.org/drawingml/2006/main" xmlns:r="http://schemas.openxmlformats.org/officeDocument/2006/relationships" xmlns:p="http://schemas.openxmlformats.org/presentationml/2006/main">
   <p:cSld>
     <p:spTree>
@@ -43272,154 +47382,6 @@
     <p:extLst>
       <p:ext uri="{BB962C8B-B14F-4D97-AF65-F5344CB8AC3E}">
         <p14:creationId xmlns:p14="http://schemas.microsoft.com/office/powerpoint/2010/main" val="3278464290"/>
-      </p:ext>
-    </p:extLst>
-  </p:cSld>
-  <p:clrMapOvr>
-    <a:masterClrMapping/>
-  </p:clrMapOvr>
-</p:sld>
-</file>
-
-<file path=ppt/slides/slide9.xml><?xml version="1.0" encoding="utf-8"?>
-<p:sld xmlns:a="http://schemas.openxmlformats.org/drawingml/2006/main" xmlns:r="http://schemas.openxmlformats.org/officeDocument/2006/relationships" xmlns:p="http://schemas.openxmlformats.org/presentationml/2006/main">
-  <p:cSld>
-    <p:spTree>
-      <p:nvGrpSpPr>
-        <p:cNvPr id="1" name=""/>
-        <p:cNvGrpSpPr/>
-        <p:nvPr/>
-      </p:nvGrpSpPr>
-      <p:grpSpPr>
-        <a:xfrm>
-          <a:off x="0" y="0"/>
-          <a:ext cx="0" cy="0"/>
-          <a:chOff x="0" y="0"/>
-          <a:chExt cx="0" cy="0"/>
-        </a:xfrm>
-      </p:grpSpPr>
-      <p:sp>
-        <p:nvSpPr>
-          <p:cNvPr id="2" name="Title 1">
-            <a:extLst>
-              <a:ext uri="{FF2B5EF4-FFF2-40B4-BE49-F238E27FC236}">
-                <a16:creationId xmlns:a16="http://schemas.microsoft.com/office/drawing/2014/main" id="{518D5BF1-0F95-D43F-FE06-A1B5A0CDFEB7}"/>
-              </a:ext>
-            </a:extLst>
-          </p:cNvPr>
-          <p:cNvSpPr>
-            <a:spLocks noGrp="1"/>
-          </p:cNvSpPr>
-          <p:nvPr>
-            <p:ph type="title"/>
-          </p:nvPr>
-        </p:nvSpPr>
-        <p:spPr/>
-        <p:txBody>
-          <a:bodyPr/>
-          <a:lstStyle/>
-          <a:p>
-            <a:r>
-              <a:rPr lang="en-US" dirty="0"/>
-              <a:t>Selection</a:t>
-            </a:r>
-          </a:p>
-        </p:txBody>
-      </p:sp>
-      <p:sp>
-        <p:nvSpPr>
-          <p:cNvPr id="4" name="Content Placeholder 3">
-            <a:extLst>
-              <a:ext uri="{FF2B5EF4-FFF2-40B4-BE49-F238E27FC236}">
-                <a16:creationId xmlns:a16="http://schemas.microsoft.com/office/drawing/2014/main" id="{7BA36909-DCE3-02A6-0D02-7C137A493466}"/>
-              </a:ext>
-            </a:extLst>
-          </p:cNvPr>
-          <p:cNvSpPr>
-            <a:spLocks noGrp="1"/>
-          </p:cNvSpPr>
-          <p:nvPr>
-            <p:ph idx="1"/>
-          </p:nvPr>
-        </p:nvSpPr>
-        <p:spPr>
-          <a:xfrm>
-            <a:off x="1024128" y="3867664"/>
-            <a:ext cx="9720073" cy="2441695"/>
-          </a:xfrm>
-        </p:spPr>
-        <p:txBody>
-          <a:bodyPr/>
-          <a:lstStyle/>
-          <a:p>
-            <a:r>
-              <a:rPr lang="en-US" dirty="0"/>
-              <a:t>Selection is the process of choosing members of a population to “cross over” to the next generation.  </a:t>
-            </a:r>
-          </a:p>
-          <a:p>
-            <a:r>
-              <a:rPr lang="en-US" dirty="0"/>
-              <a:t>Types:</a:t>
-            </a:r>
-          </a:p>
-          <a:p>
-            <a:pPr lvl="1"/>
-            <a:r>
-              <a:rPr lang="en-US" dirty="0"/>
-              <a:t>Roulette Wheel (random)</a:t>
-            </a:r>
-          </a:p>
-          <a:p>
-            <a:pPr lvl="1"/>
-            <a:r>
-              <a:rPr lang="en-US" dirty="0"/>
-              <a:t>Weighted Roulette Wheel</a:t>
-            </a:r>
-          </a:p>
-          <a:p>
-            <a:pPr lvl="1"/>
-            <a:r>
-              <a:rPr lang="en-US" dirty="0"/>
-              <a:t>Fittest Only</a:t>
-            </a:r>
-          </a:p>
-        </p:txBody>
-      </p:sp>
-      <p:pic>
-        <p:nvPicPr>
-          <p:cNvPr id="5" name="Picture 4">
-            <a:extLst>
-              <a:ext uri="{FF2B5EF4-FFF2-40B4-BE49-F238E27FC236}">
-                <a16:creationId xmlns:a16="http://schemas.microsoft.com/office/drawing/2014/main" id="{4D5315C3-DD53-F57E-4459-685B896BF7E9}"/>
-              </a:ext>
-            </a:extLst>
-          </p:cNvPr>
-          <p:cNvPicPr>
-            <a:picLocks noChangeAspect="1"/>
-          </p:cNvPicPr>
-          <p:nvPr/>
-        </p:nvPicPr>
-        <p:blipFill>
-          <a:blip r:embed="rId2"/>
-          <a:stretch>
-            <a:fillRect/>
-          </a:stretch>
-        </p:blipFill>
-        <p:spPr>
-          <a:xfrm>
-            <a:off x="3928872" y="1070419"/>
-            <a:ext cx="8092326" cy="2636608"/>
-          </a:xfrm>
-          <a:prstGeom prst="rect">
-            <a:avLst/>
-          </a:prstGeom>
-        </p:spPr>
-      </p:pic>
-    </p:spTree>
-    <p:extLst>
-      <p:ext uri="{BB962C8B-B14F-4D97-AF65-F5344CB8AC3E}">
-        <p14:creationId xmlns:p14="http://schemas.microsoft.com/office/powerpoint/2010/main" val="761844039"/>
       </p:ext>
     </p:extLst>
   </p:cSld>
